--- a/DomainDrivenDesignInCScharp.pptx
+++ b/DomainDrivenDesignInCScharp.pptx
@@ -5,10 +5,10 @@
     <p:sldMasterId id="2147483648" r:id="rId1"/>
   </p:sldMasterIdLst>
   <p:notesMasterIdLst>
-    <p:notesMasterId r:id="rId37"/>
+    <p:notesMasterId r:id="rId38"/>
   </p:notesMasterIdLst>
   <p:handoutMasterIdLst>
-    <p:handoutMasterId r:id="rId38"/>
+    <p:handoutMasterId r:id="rId39"/>
   </p:handoutMasterIdLst>
   <p:sldIdLst>
     <p:sldId id="265" r:id="rId2"/>
@@ -23,34 +23,35 @@
     <p:sldId id="365" r:id="rId11"/>
     <p:sldId id="323" r:id="rId12"/>
     <p:sldId id="366" r:id="rId13"/>
-    <p:sldId id="353" r:id="rId14"/>
-    <p:sldId id="354" r:id="rId15"/>
-    <p:sldId id="355" r:id="rId16"/>
-    <p:sldId id="356" r:id="rId17"/>
-    <p:sldId id="320" r:id="rId18"/>
-    <p:sldId id="367" r:id="rId19"/>
-    <p:sldId id="359" r:id="rId20"/>
-    <p:sldId id="358" r:id="rId21"/>
-    <p:sldId id="322" r:id="rId22"/>
-    <p:sldId id="368" r:id="rId23"/>
-    <p:sldId id="324" r:id="rId24"/>
-    <p:sldId id="369" r:id="rId25"/>
-    <p:sldId id="362" r:id="rId26"/>
-    <p:sldId id="363" r:id="rId27"/>
-    <p:sldId id="326" r:id="rId28"/>
-    <p:sldId id="370" r:id="rId29"/>
-    <p:sldId id="327" r:id="rId30"/>
-    <p:sldId id="329" r:id="rId31"/>
-    <p:sldId id="330" r:id="rId32"/>
-    <p:sldId id="331" r:id="rId33"/>
-    <p:sldId id="334" r:id="rId34"/>
-    <p:sldId id="371" r:id="rId35"/>
-    <p:sldId id="332" r:id="rId36"/>
+    <p:sldId id="372" r:id="rId14"/>
+    <p:sldId id="353" r:id="rId15"/>
+    <p:sldId id="354" r:id="rId16"/>
+    <p:sldId id="355" r:id="rId17"/>
+    <p:sldId id="356" r:id="rId18"/>
+    <p:sldId id="320" r:id="rId19"/>
+    <p:sldId id="367" r:id="rId20"/>
+    <p:sldId id="359" r:id="rId21"/>
+    <p:sldId id="358" r:id="rId22"/>
+    <p:sldId id="322" r:id="rId23"/>
+    <p:sldId id="368" r:id="rId24"/>
+    <p:sldId id="324" r:id="rId25"/>
+    <p:sldId id="369" r:id="rId26"/>
+    <p:sldId id="362" r:id="rId27"/>
+    <p:sldId id="363" r:id="rId28"/>
+    <p:sldId id="326" r:id="rId29"/>
+    <p:sldId id="370" r:id="rId30"/>
+    <p:sldId id="327" r:id="rId31"/>
+    <p:sldId id="329" r:id="rId32"/>
+    <p:sldId id="330" r:id="rId33"/>
+    <p:sldId id="331" r:id="rId34"/>
+    <p:sldId id="334" r:id="rId35"/>
+    <p:sldId id="371" r:id="rId36"/>
+    <p:sldId id="332" r:id="rId37"/>
   </p:sldIdLst>
   <p:sldSz cx="12188825" cy="6858000"/>
   <p:notesSz cx="6858000" cy="9144000"/>
   <p:custDataLst>
-    <p:tags r:id="rId39"/>
+    <p:tags r:id="rId40"/>
   </p:custDataLst>
   <p:defaultTextStyle>
     <a:defPPr>
@@ -149,7 +150,7 @@
   </p:defaultTextStyle>
   <p:extLst>
     <p:ext uri="{EFAFB233-063F-42B5-8137-9DF3F51BA10A}">
-      <p15:sldGuideLst xmlns:p15="http://schemas.microsoft.com/office/powerpoint/2012/main" xmlns="">
+      <p15:sldGuideLst xmlns="" xmlns:p15="http://schemas.microsoft.com/office/powerpoint/2012/main">
         <p15:guide id="1" pos="3839" userDrawn="1">
           <p15:clr>
             <a:srgbClr val="A4A3A4"/>
@@ -163,7 +164,7 @@
       </p15:sldGuideLst>
     </p:ext>
     <p:ext uri="{2D200454-40CA-4A62-9FC3-DE9A4176ACB9}">
-      <p15:notesGuideLst xmlns:p15="http://schemas.microsoft.com/office/powerpoint/2012/main" xmlns=""/>
+      <p15:notesGuideLst xmlns="" xmlns:p15="http://schemas.microsoft.com/office/powerpoint/2012/main"/>
     </p:ext>
   </p:extLst>
 </p:presentation>
@@ -251,7 +252,7 @@
           <a:p>
             <a:fld id="{59088EAF-6ECA-4616-85EF-35AA19C641F3}" type="datetimeFigureOut">
               <a:rPr lang="en-US"/>
-              <a:t>4/26/2019</a:t>
+              <a:t>4/27/2019</a:t>
             </a:fld>
             <a:endParaRPr/>
           </a:p>
@@ -416,7 +417,7 @@
           <a:p>
             <a:fld id="{3ABD2D7A-D230-4F91-BD59-0A39C2703BA8}" type="datetimeFigureOut">
               <a:rPr lang="en-US"/>
-              <a:t>4/26/2019</a:t>
+              <a:t>4/27/2019</a:t>
             </a:fld>
             <a:endParaRPr/>
           </a:p>
@@ -1030,7 +1031,7 @@
           <a:p>
             <a:fld id="{03F41C87-7AD9-4845-A077-840E4A0F3F06}" type="datetimeFigureOut">
               <a:rPr lang="en-US"/>
-              <a:t>4/26/2019</a:t>
+              <a:t>4/27/2019</a:t>
             </a:fld>
             <a:endParaRPr/>
           </a:p>
@@ -1222,7 +1223,7 @@
           <a:p>
             <a:fld id="{03F41C87-7AD9-4845-A077-840E4A0F3F06}" type="datetimeFigureOut">
               <a:rPr lang="en-US"/>
-              <a:t>4/26/2019</a:t>
+              <a:t>4/27/2019</a:t>
             </a:fld>
             <a:endParaRPr/>
           </a:p>
@@ -1411,7 +1412,7 @@
           <a:p>
             <a:fld id="{03F41C87-7AD9-4845-A077-840E4A0F3F06}" type="datetimeFigureOut">
               <a:rPr lang="en-US"/>
-              <a:t>4/26/2019</a:t>
+              <a:t>4/27/2019</a:t>
             </a:fld>
             <a:endParaRPr/>
           </a:p>
@@ -1691,7 +1692,7 @@
           <a:p>
             <a:fld id="{03F41C87-7AD9-4845-A077-840E4A0F3F06}" type="datetimeFigureOut">
               <a:rPr lang="en-US"/>
-              <a:t>4/26/2019</a:t>
+              <a:t>4/27/2019</a:t>
             </a:fld>
             <a:endParaRPr/>
           </a:p>
@@ -1995,7 +1996,7 @@
           <a:p>
             <a:fld id="{03F41C87-7AD9-4845-A077-840E4A0F3F06}" type="datetimeFigureOut">
               <a:rPr lang="en-US"/>
-              <a:t>4/26/2019</a:t>
+              <a:t>4/27/2019</a:t>
             </a:fld>
             <a:endParaRPr/>
           </a:p>
@@ -2451,7 +2452,7 @@
           <a:p>
             <a:fld id="{03F41C87-7AD9-4845-A077-840E4A0F3F06}" type="datetimeFigureOut">
               <a:rPr lang="en-US"/>
-              <a:t>4/26/2019</a:t>
+              <a:t>4/27/2019</a:t>
             </a:fld>
             <a:endParaRPr/>
           </a:p>
@@ -2581,7 +2582,7 @@
           <a:p>
             <a:fld id="{03F41C87-7AD9-4845-A077-840E4A0F3F06}" type="datetimeFigureOut">
               <a:rPr lang="en-US"/>
-              <a:t>4/26/2019</a:t>
+              <a:t>4/27/2019</a:t>
             </a:fld>
             <a:endParaRPr/>
           </a:p>
@@ -2696,7 +2697,7 @@
           <a:p>
             <a:fld id="{03F41C87-7AD9-4845-A077-840E4A0F3F06}" type="datetimeFigureOut">
               <a:rPr lang="en-US"/>
-              <a:t>4/26/2019</a:t>
+              <a:t>4/27/2019</a:t>
             </a:fld>
             <a:endParaRPr/>
           </a:p>
@@ -3018,7 +3019,7 @@
           <a:p>
             <a:fld id="{03F41C87-7AD9-4845-A077-840E4A0F3F06}" type="datetimeFigureOut">
               <a:rPr lang="en-US"/>
-              <a:t>4/26/2019</a:t>
+              <a:t>4/27/2019</a:t>
             </a:fld>
             <a:endParaRPr/>
           </a:p>
@@ -3330,7 +3331,7 @@
             <a:fld id="{03F41C87-7AD9-4845-A077-840E4A0F3F06}" type="datetimeFigureOut">
               <a:rPr lang="en-US"/>
               <a:pPr/>
-              <a:t>4/26/2019</a:t>
+              <a:t>4/27/2019</a:t>
             </a:fld>
             <a:endParaRPr/>
           </a:p>
@@ -3584,7 +3585,7 @@
             <a:fld id="{03F41C87-7AD9-4845-A077-840E4A0F3F06}" type="datetimeFigureOut">
               <a:rPr lang="en-US" smtClean="0"/>
               <a:pPr/>
-              <a:t>4/26/2019</a:t>
+              <a:t>4/27/2019</a:t>
             </a:fld>
             <a:endParaRPr lang="en-US"/>
           </a:p>
@@ -3967,7 +3968,7 @@
   </p:txStyles>
   <p:extLst mod="1">
     <p:ext uri="{27BBF7A9-308A-43DC-89C8-2F10F3537804}">
-      <p15:sldGuideLst xmlns:p15="http://schemas.microsoft.com/office/powerpoint/2012/main" xmlns="">
+      <p15:sldGuideLst xmlns="" xmlns:p15="http://schemas.microsoft.com/office/powerpoint/2012/main">
         <p15:guide id="1" pos="3839" userDrawn="1">
           <p15:clr>
             <a:srgbClr val="F26B43"/>
@@ -4521,6 +4522,13 @@
       </p:transition>
     </mc:Fallback>
   </mc:AlternateContent>
+  <p:timing>
+    <p:tnLst>
+      <p:par>
+        <p:cTn id="1" dur="indefinite" restart="never" nodeType="tmRoot"/>
+      </p:par>
+    </p:tnLst>
+  </p:timing>
 </p:sld>
 </file>
 
@@ -4558,39 +4566,19 @@
           <a:p>
             <a:r>
               <a:rPr lang="en-US" dirty="0" err="1" smtClean="0"/>
-              <a:t>Funkcionalnosti</a:t>
-            </a:r>
-            <a:r>
-              <a:rPr lang="en-US" dirty="0" smtClean="0"/>
-              <a:t> </a:t>
-            </a:r>
-            <a:r>
-              <a:rPr lang="en-US" dirty="0" err="1" smtClean="0"/>
-              <a:t>aplikacije</a:t>
-            </a:r>
-            <a:r>
-              <a:rPr lang="en-US" dirty="0" smtClean="0"/>
-              <a:t> </a:t>
-            </a:r>
-            <a:r>
-              <a:rPr lang="en-US" dirty="0" err="1" smtClean="0"/>
-              <a:t>vezane</a:t>
-            </a:r>
-            <a:r>
-              <a:rPr lang="en-US" dirty="0" smtClean="0"/>
-              <a:t> </a:t>
-            </a:r>
-            <a:r>
-              <a:rPr lang="en-US" dirty="0" err="1" smtClean="0"/>
-              <a:t>za</a:t>
-            </a:r>
-            <a:r>
-              <a:rPr lang="en-US" dirty="0" smtClean="0"/>
-              <a:t> </a:t>
-            </a:r>
-            <a:r>
-              <a:rPr lang="en-US" dirty="0" err="1" smtClean="0"/>
-              <a:t>skladište</a:t>
+              <a:t>Entiteti</a:t>
+            </a:r>
+            <a:r>
+              <a:rPr lang="en-US" dirty="0" smtClean="0"/>
+              <a:t> </a:t>
+            </a:r>
+            <a:r>
+              <a:rPr lang="en-US" dirty="0" smtClean="0"/>
+              <a:t>I </a:t>
+            </a:r>
+            <a:r>
+              <a:rPr lang="en-US" dirty="0" smtClean="0"/>
+              <a:t>Value Object-i</a:t>
             </a:r>
             <a:endParaRPr lang="en-US" dirty="0"/>
           </a:p>
@@ -4613,105 +4601,196 @@
           <a:p>
             <a:r>
               <a:rPr lang="en-US" dirty="0" err="1" smtClean="0"/>
-              <a:t>Ubacivanje</a:t>
-            </a:r>
-            <a:r>
-              <a:rPr lang="en-US" dirty="0" smtClean="0"/>
-              <a:t> </a:t>
-            </a:r>
-            <a:r>
-              <a:rPr lang="en-US" dirty="0" err="1"/>
-              <a:t>novog</a:t>
-            </a:r>
-            <a:r>
-              <a:rPr lang="en-US" dirty="0"/>
-              <a:t> </a:t>
-            </a:r>
-            <a:r>
-              <a:rPr lang="en-US" dirty="0" err="1"/>
-              <a:t>skladišta</a:t>
-            </a:r>
-            <a:r>
-              <a:rPr lang="en-US" dirty="0"/>
+              <a:t>Entiteti</a:t>
+            </a:r>
+            <a:r>
+              <a:rPr lang="en-US" dirty="0" smtClean="0"/>
+              <a:t> </a:t>
+            </a:r>
+            <a:r>
+              <a:rPr lang="en-US" dirty="0" err="1" smtClean="0"/>
+              <a:t>imaju</a:t>
+            </a:r>
+            <a:r>
+              <a:rPr lang="en-US" dirty="0" smtClean="0"/>
+              <a:t> id I </a:t>
+            </a:r>
+            <a:r>
+              <a:rPr lang="en-US" dirty="0" err="1" smtClean="0"/>
+              <a:t>promenljivi</a:t>
+            </a:r>
+            <a:r>
+              <a:rPr lang="en-US" dirty="0" smtClean="0"/>
+              <a:t> </a:t>
+            </a:r>
+            <a:r>
+              <a:rPr lang="en-US" dirty="0" err="1" smtClean="0"/>
+              <a:t>su</a:t>
+            </a:r>
+            <a:r>
+              <a:rPr lang="en-US" dirty="0" smtClean="0"/>
+              <a:t> (mutable)</a:t>
+            </a:r>
+            <a:endParaRPr lang="en-US" dirty="0" smtClean="0"/>
+          </a:p>
+          <a:p>
+            <a:r>
+              <a:rPr lang="en-US" dirty="0" smtClean="0"/>
+              <a:t>Value Object-I </a:t>
+            </a:r>
+            <a:r>
+              <a:rPr lang="en-US" dirty="0" err="1" smtClean="0"/>
+              <a:t>nemaju</a:t>
+            </a:r>
+            <a:r>
+              <a:rPr lang="en-US" dirty="0" smtClean="0"/>
+              <a:t> id I </a:t>
+            </a:r>
+            <a:r>
+              <a:rPr lang="en-US" dirty="0" err="1" smtClean="0"/>
+              <a:t>nepromenljivi</a:t>
+            </a:r>
+            <a:r>
+              <a:rPr lang="en-US" dirty="0" smtClean="0"/>
+              <a:t> </a:t>
+            </a:r>
+            <a:r>
+              <a:rPr lang="en-US" dirty="0" err="1" smtClean="0"/>
+              <a:t>su</a:t>
+            </a:r>
+            <a:r>
+              <a:rPr lang="en-US" dirty="0" smtClean="0"/>
+              <a:t> (immutable)</a:t>
+            </a:r>
+            <a:endParaRPr lang="en-US" dirty="0" smtClean="0"/>
+          </a:p>
+          <a:p>
+            <a:r>
+              <a:rPr lang="en-US" dirty="0" err="1" smtClean="0"/>
+              <a:t>Entiteti</a:t>
+            </a:r>
+            <a:r>
+              <a:rPr lang="en-US" dirty="0" smtClean="0"/>
+              <a:t> </a:t>
+            </a:r>
+            <a:r>
+              <a:rPr lang="en-US" dirty="0" err="1" smtClean="0"/>
+              <a:t>imaju</a:t>
+            </a:r>
+            <a:r>
+              <a:rPr lang="en-US" dirty="0" smtClean="0"/>
+              <a:t> </a:t>
+            </a:r>
+            <a:r>
+              <a:rPr lang="en-US" dirty="0" err="1" smtClean="0"/>
+              <a:t>svoju</a:t>
+            </a:r>
+            <a:r>
+              <a:rPr lang="en-US" dirty="0" smtClean="0"/>
+              <a:t> </a:t>
+            </a:r>
+            <a:r>
+              <a:rPr lang="en-US" dirty="0" err="1" smtClean="0"/>
+              <a:t>tabelu</a:t>
+            </a:r>
+            <a:r>
+              <a:rPr lang="en-US" dirty="0" smtClean="0"/>
               <a:t> u </a:t>
             </a:r>
             <a:r>
               <a:rPr lang="en-US" dirty="0" err="1" smtClean="0"/>
-              <a:t>aplikaciju</a:t>
+              <a:t>bazi</a:t>
+            </a:r>
+            <a:r>
+              <a:rPr lang="en-US" dirty="0" smtClean="0"/>
+              <a:t> </a:t>
+            </a:r>
+            <a:r>
+              <a:rPr lang="en-US" dirty="0" err="1" smtClean="0"/>
+              <a:t>podataka</a:t>
             </a:r>
             <a:endParaRPr lang="en-US" dirty="0" smtClean="0"/>
           </a:p>
           <a:p>
             <a:r>
-              <a:rPr lang="en-US" dirty="0" err="1"/>
-              <a:t>Prikazivanje</a:t>
-            </a:r>
-            <a:r>
-              <a:rPr lang="en-US" dirty="0"/>
-              <a:t> </a:t>
-            </a:r>
-            <a:r>
-              <a:rPr lang="en-US" dirty="0" err="1"/>
-              <a:t>informacija</a:t>
-            </a:r>
-            <a:r>
-              <a:rPr lang="en-US" dirty="0"/>
-              <a:t> o </a:t>
-            </a:r>
-            <a:r>
-              <a:rPr lang="en-US" dirty="0" err="1"/>
-              <a:t>svim</a:t>
-            </a:r>
-            <a:r>
-              <a:rPr lang="en-US" dirty="0"/>
-              <a:t> </a:t>
-            </a:r>
-            <a:r>
-              <a:rPr lang="en-US" dirty="0" err="1"/>
-              <a:t>skladištima</a:t>
-            </a:r>
-            <a:r>
-              <a:rPr lang="en-US" dirty="0"/>
-              <a:t> </a:t>
-            </a:r>
-            <a:r>
-              <a:rPr lang="en-US" dirty="0" err="1"/>
-              <a:t>koja</a:t>
-            </a:r>
-            <a:r>
-              <a:rPr lang="en-US" dirty="0"/>
-              <a:t> </a:t>
-            </a:r>
-            <a:r>
-              <a:rPr lang="en-US" dirty="0" err="1"/>
-              <a:t>postoje</a:t>
-            </a:r>
-            <a:r>
-              <a:rPr lang="en-US" dirty="0"/>
+              <a:rPr lang="en-US" dirty="0" smtClean="0"/>
+              <a:t>Value Object-I </a:t>
+            </a:r>
+            <a:r>
+              <a:rPr lang="en-US" dirty="0" err="1" smtClean="0"/>
+              <a:t>nemaju</a:t>
+            </a:r>
+            <a:r>
+              <a:rPr lang="en-US" dirty="0" smtClean="0"/>
+              <a:t> </a:t>
+            </a:r>
+            <a:r>
+              <a:rPr lang="en-US" dirty="0" err="1" smtClean="0"/>
+              <a:t>svoju</a:t>
+            </a:r>
+            <a:r>
+              <a:rPr lang="en-US" dirty="0" smtClean="0"/>
+              <a:t> </a:t>
+            </a:r>
+            <a:r>
+              <a:rPr lang="en-US" dirty="0" err="1" smtClean="0"/>
+              <a:t>tabelu</a:t>
+            </a:r>
+            <a:r>
+              <a:rPr lang="en-US" dirty="0" smtClean="0"/>
               <a:t> u </a:t>
             </a:r>
             <a:r>
-              <a:rPr lang="en-US" dirty="0" err="1"/>
-              <a:t>sistemu</a:t>
-            </a:r>
-            <a:endParaRPr lang="en-US" dirty="0"/>
-          </a:p>
-          <a:p>
-            <a:r>
-              <a:rPr lang="en-US" dirty="0" err="1"/>
-              <a:t>Ulazak</a:t>
-            </a:r>
-            <a:r>
-              <a:rPr lang="en-US" dirty="0"/>
-              <a:t> u </a:t>
-            </a:r>
-            <a:r>
-              <a:rPr lang="en-US" dirty="0" err="1" smtClean="0"/>
-              <a:t>skladište</a:t>
-            </a:r>
-            <a:endParaRPr lang="en-US" dirty="0"/>
-          </a:p>
-          <a:p>
+              <a:rPr lang="en-US" dirty="0" err="1" smtClean="0"/>
+              <a:t>bazi</a:t>
+            </a:r>
+            <a:r>
+              <a:rPr lang="en-US" dirty="0" smtClean="0"/>
+              <a:t> </a:t>
+            </a:r>
+            <a:r>
+              <a:rPr lang="en-US" dirty="0" err="1" smtClean="0"/>
+              <a:t>podataka</a:t>
+            </a:r>
+            <a:endParaRPr lang="en-US" dirty="0" smtClean="0"/>
+          </a:p>
+          <a:p>
+            <a:r>
+              <a:rPr lang="en-US" dirty="0" smtClean="0"/>
+              <a:t>Value Object-I ne </a:t>
+            </a:r>
+            <a:r>
+              <a:rPr lang="en-US" dirty="0" err="1" smtClean="0"/>
+              <a:t>mogu</a:t>
+            </a:r>
+            <a:r>
+              <a:rPr lang="en-US" dirty="0" smtClean="0"/>
+              <a:t> </a:t>
+            </a:r>
+            <a:r>
+              <a:rPr lang="en-US" dirty="0" err="1" smtClean="0"/>
+              <a:t>postojati</a:t>
+            </a:r>
+            <a:r>
+              <a:rPr lang="en-US" dirty="0" smtClean="0"/>
+              <a:t> </a:t>
+            </a:r>
+            <a:r>
+              <a:rPr lang="en-US" dirty="0" err="1" smtClean="0"/>
+              <a:t>bez</a:t>
+            </a:r>
+            <a:r>
+              <a:rPr lang="en-US" dirty="0" smtClean="0"/>
+              <a:t> </a:t>
+            </a:r>
+            <a:r>
+              <a:rPr lang="en-US" dirty="0" err="1" smtClean="0"/>
+              <a:t>entiteta</a:t>
+            </a:r>
+            <a:r>
+              <a:rPr lang="en-US" dirty="0" smtClean="0"/>
+              <a:t>.</a:t>
+            </a:r>
             <a:endParaRPr lang="en-US" dirty="0"/>
           </a:p>
         </p:txBody>
@@ -4719,7 +4798,7 @@
     </p:spTree>
     <p:extLst>
       <p:ext uri="{BB962C8B-B14F-4D97-AF65-F5344CB8AC3E}">
-        <p14:creationId xmlns:p14="http://schemas.microsoft.com/office/powerpoint/2010/main" val="1916144304"/>
+        <p14:creationId xmlns:p14="http://schemas.microsoft.com/office/powerpoint/2010/main" val="3834484259"/>
       </p:ext>
     </p:extLst>
   </p:cSld>
@@ -4968,6 +5047,128 @@
                                           <p:spTgt spid="3">
                                             <p:txEl>
                                               <p:pRg st="2" end="2"/>
+                                            </p:txEl>
+                                          </p:spTgt>
+                                        </p:tgtEl>
+                                      </p:cBhvr>
+                                    </p:animEffect>
+                                  </p:childTnLst>
+                                </p:cTn>
+                              </p:par>
+                            </p:childTnLst>
+                          </p:cTn>
+                        </p:par>
+                      </p:childTnLst>
+                    </p:cTn>
+                  </p:par>
+                  <p:par>
+                    <p:cTn id="23" fill="hold">
+                      <p:stCondLst>
+                        <p:cond delay="indefinite"/>
+                      </p:stCondLst>
+                      <p:childTnLst>
+                        <p:par>
+                          <p:cTn id="24" fill="hold">
+                            <p:stCondLst>
+                              <p:cond delay="0"/>
+                            </p:stCondLst>
+                            <p:childTnLst>
+                              <p:par>
+                                <p:cTn id="25" presetID="22" presetClass="entr" presetSubtype="4" fill="hold" grpId="0" nodeType="clickEffect">
+                                  <p:stCondLst>
+                                    <p:cond delay="0"/>
+                                  </p:stCondLst>
+                                  <p:childTnLst>
+                                    <p:set>
+                                      <p:cBhvr>
+                                        <p:cTn id="26" dur="1" fill="hold">
+                                          <p:stCondLst>
+                                            <p:cond delay="0"/>
+                                          </p:stCondLst>
+                                        </p:cTn>
+                                        <p:tgtEl>
+                                          <p:spTgt spid="3">
+                                            <p:txEl>
+                                              <p:pRg st="3" end="3"/>
+                                            </p:txEl>
+                                          </p:spTgt>
+                                        </p:tgtEl>
+                                        <p:attrNameLst>
+                                          <p:attrName>style.visibility</p:attrName>
+                                        </p:attrNameLst>
+                                      </p:cBhvr>
+                                      <p:to>
+                                        <p:strVal val="visible"/>
+                                      </p:to>
+                                    </p:set>
+                                    <p:animEffect transition="in" filter="wipe(down)">
+                                      <p:cBhvr>
+                                        <p:cTn id="27" dur="500"/>
+                                        <p:tgtEl>
+                                          <p:spTgt spid="3">
+                                            <p:txEl>
+                                              <p:pRg st="3" end="3"/>
+                                            </p:txEl>
+                                          </p:spTgt>
+                                        </p:tgtEl>
+                                      </p:cBhvr>
+                                    </p:animEffect>
+                                  </p:childTnLst>
+                                </p:cTn>
+                              </p:par>
+                            </p:childTnLst>
+                          </p:cTn>
+                        </p:par>
+                      </p:childTnLst>
+                    </p:cTn>
+                  </p:par>
+                  <p:par>
+                    <p:cTn id="28" fill="hold">
+                      <p:stCondLst>
+                        <p:cond delay="indefinite"/>
+                      </p:stCondLst>
+                      <p:childTnLst>
+                        <p:par>
+                          <p:cTn id="29" fill="hold">
+                            <p:stCondLst>
+                              <p:cond delay="0"/>
+                            </p:stCondLst>
+                            <p:childTnLst>
+                              <p:par>
+                                <p:cTn id="30" presetID="22" presetClass="entr" presetSubtype="4" fill="hold" grpId="0" nodeType="clickEffect">
+                                  <p:stCondLst>
+                                    <p:cond delay="0"/>
+                                  </p:stCondLst>
+                                  <p:childTnLst>
+                                    <p:set>
+                                      <p:cBhvr>
+                                        <p:cTn id="31" dur="1" fill="hold">
+                                          <p:stCondLst>
+                                            <p:cond delay="0"/>
+                                          </p:stCondLst>
+                                        </p:cTn>
+                                        <p:tgtEl>
+                                          <p:spTgt spid="3">
+                                            <p:txEl>
+                                              <p:pRg st="4" end="4"/>
+                                            </p:txEl>
+                                          </p:spTgt>
+                                        </p:tgtEl>
+                                        <p:attrNameLst>
+                                          <p:attrName>style.visibility</p:attrName>
+                                        </p:attrNameLst>
+                                      </p:cBhvr>
+                                      <p:to>
+                                        <p:strVal val="visible"/>
+                                      </p:to>
+                                    </p:set>
+                                    <p:animEffect transition="in" filter="wipe(down)">
+                                      <p:cBhvr>
+                                        <p:cTn id="32" dur="500"/>
+                                        <p:tgtEl>
+                                          <p:spTgt spid="3">
+                                            <p:txEl>
+                                              <p:pRg st="4" end="4"/>
                                             </p:txEl>
                                           </p:spTgt>
                                         </p:tgtEl>
@@ -5044,40 +5245,40 @@
           <a:lstStyle/>
           <a:p>
             <a:r>
-              <a:rPr lang="en-US" dirty="0" err="1"/>
+              <a:rPr lang="en-US" dirty="0" err="1" smtClean="0"/>
               <a:t>Funkcionalnosti</a:t>
             </a:r>
             <a:r>
-              <a:rPr lang="en-US" dirty="0"/>
-              <a:t> </a:t>
-            </a:r>
-            <a:r>
-              <a:rPr lang="en-US" dirty="0" err="1"/>
+              <a:rPr lang="en-US" dirty="0" smtClean="0"/>
+              <a:t> </a:t>
+            </a:r>
+            <a:r>
+              <a:rPr lang="en-US" dirty="0" err="1" smtClean="0"/>
               <a:t>aplikacije</a:t>
             </a:r>
             <a:r>
-              <a:rPr lang="en-US" dirty="0"/>
-              <a:t> </a:t>
-            </a:r>
-            <a:r>
-              <a:rPr lang="en-US" dirty="0" err="1"/>
+              <a:rPr lang="en-US" dirty="0" smtClean="0"/>
+              <a:t> </a:t>
+            </a:r>
+            <a:r>
+              <a:rPr lang="en-US" dirty="0" err="1" smtClean="0"/>
               <a:t>vezane</a:t>
             </a:r>
             <a:r>
-              <a:rPr lang="en-US" dirty="0"/>
-              <a:t> </a:t>
-            </a:r>
-            <a:r>
-              <a:rPr lang="en-US" dirty="0" err="1"/>
+              <a:rPr lang="en-US" dirty="0" smtClean="0"/>
+              <a:t> </a:t>
+            </a:r>
+            <a:r>
+              <a:rPr lang="en-US" dirty="0" err="1" smtClean="0"/>
               <a:t>za</a:t>
             </a:r>
             <a:r>
-              <a:rPr lang="en-US" dirty="0"/>
-              <a:t> </a:t>
-            </a:r>
-            <a:r>
-              <a:rPr lang="en-US" dirty="0" err="1" smtClean="0"/>
-              <a:t>proizvode</a:t>
+              <a:rPr lang="en-US" dirty="0" smtClean="0"/>
+              <a:t> </a:t>
+            </a:r>
+            <a:r>
+              <a:rPr lang="en-US" dirty="0" err="1" smtClean="0"/>
+              <a:t>skladište</a:t>
             </a:r>
             <a:endParaRPr lang="en-US" dirty="0"/>
           </a:p>
@@ -5103,105 +5304,43 @@
               <a:t>Ubacivanje</a:t>
             </a:r>
             <a:r>
+              <a:rPr lang="en-US" dirty="0" smtClean="0"/>
+              <a:t> </a:t>
+            </a:r>
+            <a:r>
+              <a:rPr lang="en-US" dirty="0" err="1"/>
+              <a:t>novog</a:t>
+            </a:r>
+            <a:r>
               <a:rPr lang="en-US" dirty="0"/>
               <a:t> </a:t>
             </a:r>
             <a:r>
-              <a:rPr lang="en-US" dirty="0" err="1" smtClean="0"/>
-              <a:t>informacije</a:t>
-            </a:r>
-            <a:r>
-              <a:rPr lang="en-US" dirty="0" smtClean="0"/>
-              <a:t> o </a:t>
-            </a:r>
-            <a:r>
-              <a:rPr lang="en-US" dirty="0" err="1" smtClean="0"/>
-              <a:t>novom</a:t>
-            </a:r>
-            <a:r>
-              <a:rPr lang="en-US" dirty="0" smtClean="0"/>
-              <a:t> </a:t>
-            </a:r>
-            <a:r>
-              <a:rPr lang="en-US" dirty="0" err="1" smtClean="0"/>
-              <a:t>proizvodu</a:t>
+              <a:rPr lang="en-US" dirty="0" err="1"/>
+              <a:t>skladišta</a:t>
+            </a:r>
+            <a:r>
+              <a:rPr lang="en-US" dirty="0"/>
+              <a:t> u </a:t>
+            </a:r>
+            <a:r>
+              <a:rPr lang="en-US" dirty="0" err="1" smtClean="0"/>
+              <a:t>aplikaciju</a:t>
             </a:r>
             <a:endParaRPr lang="en-US" dirty="0" smtClean="0"/>
           </a:p>
           <a:p>
             <a:r>
-              <a:rPr lang="en-US" dirty="0" err="1" smtClean="0"/>
-              <a:t>Čitanje</a:t>
-            </a:r>
-            <a:r>
-              <a:rPr lang="en-US" dirty="0" smtClean="0"/>
-              <a:t> </a:t>
-            </a:r>
-            <a:r>
-              <a:rPr lang="en-US" dirty="0" err="1" smtClean="0"/>
-              <a:t>informacije</a:t>
-            </a:r>
-            <a:r>
-              <a:rPr lang="en-US" dirty="0" smtClean="0"/>
-              <a:t> o </a:t>
-            </a:r>
-            <a:r>
-              <a:rPr lang="en-US" dirty="0" err="1" smtClean="0"/>
-              <a:t>postojećem</a:t>
-            </a:r>
-            <a:r>
-              <a:rPr lang="en-US" dirty="0" smtClean="0"/>
-              <a:t> </a:t>
-            </a:r>
-            <a:r>
-              <a:rPr lang="en-US" dirty="0" err="1" smtClean="0"/>
-              <a:t>proizvodu</a:t>
-            </a:r>
-            <a:endParaRPr lang="en-US" dirty="0" smtClean="0"/>
-          </a:p>
-          <a:p>
-            <a:r>
-              <a:rPr lang="en-US" dirty="0" err="1" smtClean="0"/>
-              <a:t>Ažuriranje</a:t>
-            </a:r>
-            <a:r>
-              <a:rPr lang="en-US" dirty="0" smtClean="0"/>
-              <a:t> </a:t>
-            </a:r>
-            <a:r>
-              <a:rPr lang="en-US" dirty="0" err="1" smtClean="0"/>
-              <a:t>informacije</a:t>
-            </a:r>
-            <a:r>
-              <a:rPr lang="en-US" dirty="0" smtClean="0"/>
-              <a:t> o </a:t>
-            </a:r>
-            <a:r>
-              <a:rPr lang="en-US" dirty="0" err="1" smtClean="0"/>
-              <a:t>postojećem</a:t>
-            </a:r>
-            <a:r>
-              <a:rPr lang="en-US" dirty="0" smtClean="0"/>
-              <a:t> </a:t>
-            </a:r>
-            <a:r>
-              <a:rPr lang="en-US" dirty="0" err="1" smtClean="0"/>
-              <a:t>proizvodu</a:t>
-            </a:r>
-            <a:endParaRPr lang="en-US" dirty="0" smtClean="0"/>
-          </a:p>
-          <a:p>
-            <a:r>
-              <a:rPr lang="en-US" dirty="0" err="1" smtClean="0"/>
-              <a:t>Brisanje</a:t>
-            </a:r>
-            <a:r>
-              <a:rPr lang="en-US" dirty="0" smtClean="0"/>
-              <a:t> </a:t>
-            </a:r>
-            <a:r>
-              <a:rPr lang="en-US" dirty="0" err="1"/>
-              <a:t>informacije</a:t>
+              <a:rPr lang="en-US" dirty="0" err="1"/>
+              <a:t>Prikazivanje</a:t>
+            </a:r>
+            <a:r>
+              <a:rPr lang="en-US" dirty="0"/>
+              <a:t> </a:t>
+            </a:r>
+            <a:r>
+              <a:rPr lang="en-US" dirty="0" err="1"/>
+              <a:t>informacija</a:t>
             </a:r>
             <a:r>
               <a:rPr lang="en-US" dirty="0"/>
@@ -5209,17 +5348,56 @@
             </a:r>
             <a:r>
               <a:rPr lang="en-US" dirty="0" err="1"/>
-              <a:t>postojećem</a:t>
+              <a:t>svim</a:t>
             </a:r>
             <a:r>
               <a:rPr lang="en-US" dirty="0"/>
               <a:t> </a:t>
             </a:r>
             <a:r>
-              <a:rPr lang="en-US" dirty="0" err="1" smtClean="0"/>
-              <a:t>proizvodu</a:t>
-            </a:r>
-            <a:endParaRPr lang="en-US" dirty="0" smtClean="0"/>
+              <a:rPr lang="en-US" dirty="0" err="1"/>
+              <a:t>skladištima</a:t>
+            </a:r>
+            <a:r>
+              <a:rPr lang="en-US" dirty="0"/>
+              <a:t> </a:t>
+            </a:r>
+            <a:r>
+              <a:rPr lang="en-US" dirty="0" err="1"/>
+              <a:t>koja</a:t>
+            </a:r>
+            <a:r>
+              <a:rPr lang="en-US" dirty="0"/>
+              <a:t> </a:t>
+            </a:r>
+            <a:r>
+              <a:rPr lang="en-US" dirty="0" err="1"/>
+              <a:t>postoje</a:t>
+            </a:r>
+            <a:r>
+              <a:rPr lang="en-US" dirty="0"/>
+              <a:t> u </a:t>
+            </a:r>
+            <a:r>
+              <a:rPr lang="en-US" dirty="0" err="1"/>
+              <a:t>sistemu</a:t>
+            </a:r>
+            <a:endParaRPr lang="en-US" dirty="0"/>
+          </a:p>
+          <a:p>
+            <a:r>
+              <a:rPr lang="en-US" dirty="0" err="1"/>
+              <a:t>Ulazak</a:t>
+            </a:r>
+            <a:r>
+              <a:rPr lang="en-US" dirty="0"/>
+              <a:t> u </a:t>
+            </a:r>
+            <a:r>
+              <a:rPr lang="en-US" dirty="0" err="1" smtClean="0"/>
+              <a:t>skladište</a:t>
+            </a:r>
+            <a:endParaRPr lang="en-US" dirty="0"/>
           </a:p>
           <a:p>
             <a:endParaRPr lang="en-US" dirty="0"/>
@@ -5229,7 +5407,7 @@
     </p:spTree>
     <p:extLst>
       <p:ext uri="{BB962C8B-B14F-4D97-AF65-F5344CB8AC3E}">
-        <p14:creationId xmlns:p14="http://schemas.microsoft.com/office/powerpoint/2010/main" val="4085669744"/>
+        <p14:creationId xmlns:p14="http://schemas.microsoft.com/office/powerpoint/2010/main" val="1916144304"/>
       </p:ext>
     </p:extLst>
   </p:cSld>
@@ -5478,67 +5656,6 @@
                                           <p:spTgt spid="3">
                                             <p:txEl>
                                               <p:pRg st="2" end="2"/>
-                                            </p:txEl>
-                                          </p:spTgt>
-                                        </p:tgtEl>
-                                      </p:cBhvr>
-                                    </p:animEffect>
-                                  </p:childTnLst>
-                                </p:cTn>
-                              </p:par>
-                            </p:childTnLst>
-                          </p:cTn>
-                        </p:par>
-                      </p:childTnLst>
-                    </p:cTn>
-                  </p:par>
-                  <p:par>
-                    <p:cTn id="23" fill="hold">
-                      <p:stCondLst>
-                        <p:cond delay="indefinite"/>
-                      </p:stCondLst>
-                      <p:childTnLst>
-                        <p:par>
-                          <p:cTn id="24" fill="hold">
-                            <p:stCondLst>
-                              <p:cond delay="0"/>
-                            </p:stCondLst>
-                            <p:childTnLst>
-                              <p:par>
-                                <p:cTn id="25" presetID="22" presetClass="entr" presetSubtype="4" fill="hold" grpId="0" nodeType="clickEffect">
-                                  <p:stCondLst>
-                                    <p:cond delay="0"/>
-                                  </p:stCondLst>
-                                  <p:childTnLst>
-                                    <p:set>
-                                      <p:cBhvr>
-                                        <p:cTn id="26" dur="1" fill="hold">
-                                          <p:stCondLst>
-                                            <p:cond delay="0"/>
-                                          </p:stCondLst>
-                                        </p:cTn>
-                                        <p:tgtEl>
-                                          <p:spTgt spid="3">
-                                            <p:txEl>
-                                              <p:pRg st="3" end="3"/>
-                                            </p:txEl>
-                                          </p:spTgt>
-                                        </p:tgtEl>
-                                        <p:attrNameLst>
-                                          <p:attrName>style.visibility</p:attrName>
-                                        </p:attrNameLst>
-                                      </p:cBhvr>
-                                      <p:to>
-                                        <p:strVal val="visible"/>
-                                      </p:to>
-                                    </p:set>
-                                    <p:animEffect transition="in" filter="wipe(down)">
-                                      <p:cBhvr>
-                                        <p:cTn id="27" dur="500"/>
-                                        <p:tgtEl>
-                                          <p:spTgt spid="3">
-                                            <p:txEl>
-                                              <p:pRg st="3" end="3"/>
                                             </p:txEl>
                                           </p:spTgt>
                                         </p:tgtEl>
@@ -5648,15 +5765,7 @@
             </a:r>
             <a:r>
               <a:rPr lang="en-US" dirty="0" err="1" smtClean="0"/>
-              <a:t>stavku</a:t>
-            </a:r>
-            <a:r>
-              <a:rPr lang="en-US" dirty="0" smtClean="0"/>
-              <a:t> </a:t>
-            </a:r>
-            <a:r>
-              <a:rPr lang="en-US" dirty="0" err="1" smtClean="0"/>
-              <a:t>skladišta</a:t>
+              <a:t>proizvode</a:t>
             </a:r>
             <a:endParaRPr lang="en-US" dirty="0"/>
           </a:p>
@@ -5682,175 +5791,133 @@
               <a:t>Ubacivanje</a:t>
             </a:r>
             <a:r>
-              <a:rPr lang="en-US" dirty="0" smtClean="0"/>
-              <a:t> </a:t>
-            </a:r>
-            <a:r>
-              <a:rPr lang="en-US" dirty="0" err="1" smtClean="0"/>
-              <a:t>nove</a:t>
-            </a:r>
-            <a:r>
-              <a:rPr lang="en-US" dirty="0" smtClean="0"/>
-              <a:t> </a:t>
-            </a:r>
-            <a:r>
-              <a:rPr lang="en-US" dirty="0" err="1" smtClean="0"/>
-              <a:t>stavke</a:t>
-            </a:r>
-            <a:r>
-              <a:rPr lang="en-US" dirty="0" smtClean="0"/>
-              <a:t> u </a:t>
-            </a:r>
-            <a:r>
-              <a:rPr lang="en-US" dirty="0" err="1" smtClean="0"/>
-              <a:t>skladište</a:t>
-            </a:r>
+              <a:rPr lang="en-US" dirty="0"/>
+              <a:t> </a:t>
+            </a:r>
+            <a:r>
+              <a:rPr lang="en-US" dirty="0" err="1" smtClean="0"/>
+              <a:t>informacije</a:t>
+            </a:r>
+            <a:r>
+              <a:rPr lang="en-US" dirty="0" smtClean="0"/>
+              <a:t> o </a:t>
+            </a:r>
+            <a:r>
+              <a:rPr lang="en-US" dirty="0" err="1" smtClean="0"/>
+              <a:t>novom</a:t>
+            </a:r>
+            <a:r>
+              <a:rPr lang="en-US" dirty="0" smtClean="0"/>
+              <a:t> </a:t>
+            </a:r>
+            <a:r>
+              <a:rPr lang="en-US" dirty="0" err="1" smtClean="0"/>
+              <a:t>proizvodu</a:t>
+            </a:r>
+            <a:endParaRPr lang="en-US" dirty="0" smtClean="0"/>
+          </a:p>
+          <a:p>
+            <a:r>
+              <a:rPr lang="en-US" dirty="0" err="1" smtClean="0"/>
+              <a:t>Čitanje</a:t>
+            </a:r>
+            <a:r>
+              <a:rPr lang="en-US" dirty="0" smtClean="0"/>
+              <a:t> </a:t>
+            </a:r>
+            <a:r>
+              <a:rPr lang="en-US" dirty="0" err="1" smtClean="0"/>
+              <a:t>informacije</a:t>
+            </a:r>
+            <a:r>
+              <a:rPr lang="en-US" dirty="0" smtClean="0"/>
+              <a:t> o </a:t>
+            </a:r>
+            <a:r>
+              <a:rPr lang="en-US" dirty="0" err="1" smtClean="0"/>
+              <a:t>postojećem</a:t>
+            </a:r>
+            <a:r>
+              <a:rPr lang="en-US" dirty="0" smtClean="0"/>
+              <a:t> </a:t>
+            </a:r>
+            <a:r>
+              <a:rPr lang="en-US" dirty="0" err="1" smtClean="0"/>
+              <a:t>proizvodu</a:t>
+            </a:r>
+            <a:endParaRPr lang="en-US" dirty="0" smtClean="0"/>
+          </a:p>
+          <a:p>
+            <a:r>
+              <a:rPr lang="en-US" dirty="0" err="1" smtClean="0"/>
+              <a:t>Ažuriranje</a:t>
+            </a:r>
+            <a:r>
+              <a:rPr lang="en-US" dirty="0" smtClean="0"/>
+              <a:t> </a:t>
+            </a:r>
+            <a:r>
+              <a:rPr lang="en-US" dirty="0" err="1" smtClean="0"/>
+              <a:t>informacije</a:t>
+            </a:r>
+            <a:r>
+              <a:rPr lang="en-US" dirty="0" smtClean="0"/>
+              <a:t> o </a:t>
+            </a:r>
+            <a:r>
+              <a:rPr lang="en-US" dirty="0" err="1" smtClean="0"/>
+              <a:t>postojećem</a:t>
+            </a:r>
+            <a:r>
+              <a:rPr lang="en-US" dirty="0" smtClean="0"/>
+              <a:t> </a:t>
+            </a:r>
+            <a:r>
+              <a:rPr lang="en-US" dirty="0" err="1" smtClean="0"/>
+              <a:t>proizvodu</a:t>
+            </a:r>
+            <a:endParaRPr lang="en-US" dirty="0" smtClean="0"/>
+          </a:p>
+          <a:p>
+            <a:r>
+              <a:rPr lang="en-US" dirty="0" err="1" smtClean="0"/>
+              <a:t>Brisanje</a:t>
+            </a:r>
+            <a:r>
+              <a:rPr lang="en-US" dirty="0" smtClean="0"/>
+              <a:t> </a:t>
+            </a:r>
+            <a:r>
+              <a:rPr lang="en-US" dirty="0" err="1"/>
+              <a:t>informacije</a:t>
+            </a:r>
+            <a:r>
+              <a:rPr lang="en-US" dirty="0"/>
+              <a:t> o </a:t>
+            </a:r>
+            <a:r>
+              <a:rPr lang="en-US" dirty="0" err="1"/>
+              <a:t>postojećem</a:t>
+            </a:r>
+            <a:r>
+              <a:rPr lang="en-US" dirty="0"/>
+              <a:t> </a:t>
+            </a:r>
+            <a:r>
+              <a:rPr lang="en-US" dirty="0" err="1" smtClean="0"/>
+              <a:t>proizvodu</a:t>
+            </a:r>
+            <a:endParaRPr lang="en-US" dirty="0" smtClean="0"/>
+          </a:p>
+          <a:p>
             <a:endParaRPr lang="en-US" dirty="0"/>
-          </a:p>
-          <a:p>
-            <a:r>
-              <a:rPr lang="en-US" dirty="0" err="1" smtClean="0"/>
-              <a:t>Čitanje</a:t>
-            </a:r>
-            <a:r>
-              <a:rPr lang="en-US" dirty="0" smtClean="0"/>
-              <a:t> </a:t>
-            </a:r>
-            <a:r>
-              <a:rPr lang="en-US" dirty="0" err="1" smtClean="0"/>
-              <a:t>informacije</a:t>
-            </a:r>
-            <a:r>
-              <a:rPr lang="en-US" dirty="0" smtClean="0"/>
-              <a:t> </a:t>
-            </a:r>
-            <a:r>
-              <a:rPr lang="en-US" dirty="0" err="1" smtClean="0"/>
-              <a:t>postojeće</a:t>
-            </a:r>
-            <a:r>
-              <a:rPr lang="en-US" dirty="0" smtClean="0"/>
-              <a:t> </a:t>
-            </a:r>
-            <a:r>
-              <a:rPr lang="en-US" dirty="0" err="1" smtClean="0"/>
-              <a:t>stavke</a:t>
-            </a:r>
-            <a:r>
-              <a:rPr lang="en-US" dirty="0" smtClean="0"/>
-              <a:t> </a:t>
-            </a:r>
-            <a:r>
-              <a:rPr lang="en-US" dirty="0" err="1" smtClean="0"/>
-              <a:t>skladišta</a:t>
-            </a:r>
-            <a:endParaRPr lang="en-US" dirty="0" smtClean="0"/>
-          </a:p>
-          <a:p>
-            <a:r>
-              <a:rPr lang="en-US" dirty="0" err="1" smtClean="0"/>
-              <a:t>Ažuriranje</a:t>
-            </a:r>
-            <a:r>
-              <a:rPr lang="en-US" dirty="0" smtClean="0"/>
-              <a:t> </a:t>
-            </a:r>
-            <a:r>
-              <a:rPr lang="en-US" dirty="0" err="1" smtClean="0"/>
-              <a:t>postojeće</a:t>
-            </a:r>
-            <a:r>
-              <a:rPr lang="en-US" dirty="0" smtClean="0"/>
-              <a:t> </a:t>
-            </a:r>
-            <a:r>
-              <a:rPr lang="en-US" dirty="0" err="1"/>
-              <a:t>stavke</a:t>
-            </a:r>
-            <a:r>
-              <a:rPr lang="en-US" dirty="0"/>
-              <a:t> </a:t>
-            </a:r>
-            <a:r>
-              <a:rPr lang="en-US" dirty="0" err="1" smtClean="0"/>
-              <a:t>skladišta</a:t>
-            </a:r>
-            <a:endParaRPr lang="en-US" dirty="0" smtClean="0"/>
-          </a:p>
-          <a:p>
-            <a:r>
-              <a:rPr lang="en-US" dirty="0" err="1" smtClean="0"/>
-              <a:t>Brisanje</a:t>
-            </a:r>
-            <a:r>
-              <a:rPr lang="en-US" dirty="0" smtClean="0"/>
-              <a:t> </a:t>
-            </a:r>
-            <a:r>
-              <a:rPr lang="en-US" dirty="0" err="1" smtClean="0"/>
-              <a:t>postojeće</a:t>
-            </a:r>
-            <a:r>
-              <a:rPr lang="en-US" dirty="0" smtClean="0"/>
-              <a:t> </a:t>
-            </a:r>
-            <a:r>
-              <a:rPr lang="en-US" dirty="0" err="1"/>
-              <a:t>stavke</a:t>
-            </a:r>
-            <a:r>
-              <a:rPr lang="en-US" dirty="0"/>
-              <a:t> </a:t>
-            </a:r>
-            <a:r>
-              <a:rPr lang="en-US" dirty="0" err="1" smtClean="0"/>
-              <a:t>skladišta</a:t>
-            </a:r>
-            <a:endParaRPr lang="en-US" dirty="0" smtClean="0"/>
-          </a:p>
-          <a:p>
-            <a:r>
-              <a:rPr lang="en-US" dirty="0" err="1"/>
-              <a:t>Prikaz</a:t>
-            </a:r>
-            <a:r>
-              <a:rPr lang="en-US" dirty="0"/>
-              <a:t> </a:t>
-            </a:r>
-            <a:r>
-              <a:rPr lang="en-US" dirty="0" err="1"/>
-              <a:t>svih</a:t>
-            </a:r>
-            <a:r>
-              <a:rPr lang="en-US" dirty="0"/>
-              <a:t> </a:t>
-            </a:r>
-            <a:r>
-              <a:rPr lang="en-US" dirty="0" err="1"/>
-              <a:t>stavki</a:t>
-            </a:r>
-            <a:r>
-              <a:rPr lang="en-US" dirty="0"/>
-              <a:t> </a:t>
-            </a:r>
-            <a:r>
-              <a:rPr lang="en-US" dirty="0" err="1"/>
-              <a:t>skladišta</a:t>
-            </a:r>
-            <a:endParaRPr lang="en-US" dirty="0"/>
-          </a:p>
-          <a:p>
-            <a:pPr marL="0" indent="0">
-              <a:buNone/>
-            </a:pPr>
-            <a:endParaRPr lang="en-US" dirty="0" smtClean="0"/>
           </a:p>
         </p:txBody>
       </p:sp>
     </p:spTree>
     <p:extLst>
       <p:ext uri="{BB962C8B-B14F-4D97-AF65-F5344CB8AC3E}">
-        <p14:creationId xmlns:p14="http://schemas.microsoft.com/office/powerpoint/2010/main" val="2043277094"/>
+        <p14:creationId xmlns:p14="http://schemas.microsoft.com/office/powerpoint/2010/main" val="4085669744"/>
       </p:ext>
     </p:extLst>
   </p:cSld>
@@ -6160,67 +6227,6 @@
                                           <p:spTgt spid="3">
                                             <p:txEl>
                                               <p:pRg st="3" end="3"/>
-                                            </p:txEl>
-                                          </p:spTgt>
-                                        </p:tgtEl>
-                                      </p:cBhvr>
-                                    </p:animEffect>
-                                  </p:childTnLst>
-                                </p:cTn>
-                              </p:par>
-                            </p:childTnLst>
-                          </p:cTn>
-                        </p:par>
-                      </p:childTnLst>
-                    </p:cTn>
-                  </p:par>
-                  <p:par>
-                    <p:cTn id="28" fill="hold">
-                      <p:stCondLst>
-                        <p:cond delay="indefinite"/>
-                      </p:stCondLst>
-                      <p:childTnLst>
-                        <p:par>
-                          <p:cTn id="29" fill="hold">
-                            <p:stCondLst>
-                              <p:cond delay="0"/>
-                            </p:stCondLst>
-                            <p:childTnLst>
-                              <p:par>
-                                <p:cTn id="30" presetID="22" presetClass="entr" presetSubtype="4" fill="hold" grpId="0" nodeType="clickEffect">
-                                  <p:stCondLst>
-                                    <p:cond delay="0"/>
-                                  </p:stCondLst>
-                                  <p:childTnLst>
-                                    <p:set>
-                                      <p:cBhvr>
-                                        <p:cTn id="31" dur="1" fill="hold">
-                                          <p:stCondLst>
-                                            <p:cond delay="0"/>
-                                          </p:stCondLst>
-                                        </p:cTn>
-                                        <p:tgtEl>
-                                          <p:spTgt spid="3">
-                                            <p:txEl>
-                                              <p:pRg st="4" end="4"/>
-                                            </p:txEl>
-                                          </p:spTgt>
-                                        </p:tgtEl>
-                                        <p:attrNameLst>
-                                          <p:attrName>style.visibility</p:attrName>
-                                        </p:attrNameLst>
-                                      </p:cBhvr>
-                                      <p:to>
-                                        <p:strVal val="visible"/>
-                                      </p:to>
-                                    </p:set>
-                                    <p:animEffect transition="in" filter="wipe(down)">
-                                      <p:cBhvr>
-                                        <p:cTn id="32" dur="500"/>
-                                        <p:tgtEl>
-                                          <p:spTgt spid="3">
-                                            <p:txEl>
-                                              <p:pRg st="4" end="4"/>
                                             </p:txEl>
                                           </p:spTgt>
                                         </p:tgtEl>
@@ -6321,6 +6327,688 @@
               <a:t> </a:t>
             </a:r>
             <a:r>
+              <a:rPr lang="en-US" dirty="0" err="1"/>
+              <a:t>za</a:t>
+            </a:r>
+            <a:r>
+              <a:rPr lang="en-US" dirty="0"/>
+              <a:t> </a:t>
+            </a:r>
+            <a:r>
+              <a:rPr lang="en-US" dirty="0" err="1" smtClean="0"/>
+              <a:t>stavku</a:t>
+            </a:r>
+            <a:r>
+              <a:rPr lang="en-US" dirty="0" smtClean="0"/>
+              <a:t> </a:t>
+            </a:r>
+            <a:r>
+              <a:rPr lang="en-US" dirty="0" err="1" smtClean="0"/>
+              <a:t>skladišta</a:t>
+            </a:r>
+            <a:endParaRPr lang="en-US" dirty="0"/>
+          </a:p>
+        </p:txBody>
+      </p:sp>
+      <p:sp>
+        <p:nvSpPr>
+          <p:cNvPr id="3" name="Content Placeholder 2"/>
+          <p:cNvSpPr>
+            <a:spLocks noGrp="1"/>
+          </p:cNvSpPr>
+          <p:nvPr>
+            <p:ph idx="1"/>
+          </p:nvPr>
+        </p:nvSpPr>
+        <p:spPr/>
+        <p:txBody>
+          <a:bodyPr/>
+          <a:lstStyle/>
+          <a:p>
+            <a:r>
+              <a:rPr lang="en-US" dirty="0" err="1" smtClean="0"/>
+              <a:t>Ubacivanje</a:t>
+            </a:r>
+            <a:r>
+              <a:rPr lang="en-US" dirty="0" smtClean="0"/>
+              <a:t> </a:t>
+            </a:r>
+            <a:r>
+              <a:rPr lang="en-US" dirty="0" err="1" smtClean="0"/>
+              <a:t>nove</a:t>
+            </a:r>
+            <a:r>
+              <a:rPr lang="en-US" dirty="0" smtClean="0"/>
+              <a:t> </a:t>
+            </a:r>
+            <a:r>
+              <a:rPr lang="en-US" dirty="0" err="1" smtClean="0"/>
+              <a:t>stavke</a:t>
+            </a:r>
+            <a:r>
+              <a:rPr lang="en-US" dirty="0" smtClean="0"/>
+              <a:t> u </a:t>
+            </a:r>
+            <a:r>
+              <a:rPr lang="en-US" dirty="0" err="1" smtClean="0"/>
+              <a:t>skladište</a:t>
+            </a:r>
+            <a:endParaRPr lang="en-US" dirty="0"/>
+          </a:p>
+          <a:p>
+            <a:r>
+              <a:rPr lang="en-US" dirty="0" err="1" smtClean="0"/>
+              <a:t>Čitanje</a:t>
+            </a:r>
+            <a:r>
+              <a:rPr lang="en-US" dirty="0" smtClean="0"/>
+              <a:t> </a:t>
+            </a:r>
+            <a:r>
+              <a:rPr lang="en-US" dirty="0" err="1" smtClean="0"/>
+              <a:t>informacije</a:t>
+            </a:r>
+            <a:r>
+              <a:rPr lang="en-US" dirty="0" smtClean="0"/>
+              <a:t> </a:t>
+            </a:r>
+            <a:r>
+              <a:rPr lang="en-US" dirty="0" err="1" smtClean="0"/>
+              <a:t>postojeće</a:t>
+            </a:r>
+            <a:r>
+              <a:rPr lang="en-US" dirty="0" smtClean="0"/>
+              <a:t> </a:t>
+            </a:r>
+            <a:r>
+              <a:rPr lang="en-US" dirty="0" err="1" smtClean="0"/>
+              <a:t>stavke</a:t>
+            </a:r>
+            <a:r>
+              <a:rPr lang="en-US" dirty="0" smtClean="0"/>
+              <a:t> </a:t>
+            </a:r>
+            <a:r>
+              <a:rPr lang="en-US" dirty="0" err="1" smtClean="0"/>
+              <a:t>skladišta</a:t>
+            </a:r>
+            <a:endParaRPr lang="en-US" dirty="0" smtClean="0"/>
+          </a:p>
+          <a:p>
+            <a:r>
+              <a:rPr lang="en-US" dirty="0" err="1" smtClean="0"/>
+              <a:t>Ažuriranje</a:t>
+            </a:r>
+            <a:r>
+              <a:rPr lang="en-US" dirty="0" smtClean="0"/>
+              <a:t> </a:t>
+            </a:r>
+            <a:r>
+              <a:rPr lang="en-US" dirty="0" err="1" smtClean="0"/>
+              <a:t>postojeće</a:t>
+            </a:r>
+            <a:r>
+              <a:rPr lang="en-US" dirty="0" smtClean="0"/>
+              <a:t> </a:t>
+            </a:r>
+            <a:r>
+              <a:rPr lang="en-US" dirty="0" err="1"/>
+              <a:t>stavke</a:t>
+            </a:r>
+            <a:r>
+              <a:rPr lang="en-US" dirty="0"/>
+              <a:t> </a:t>
+            </a:r>
+            <a:r>
+              <a:rPr lang="en-US" dirty="0" err="1" smtClean="0"/>
+              <a:t>skladišta</a:t>
+            </a:r>
+            <a:endParaRPr lang="en-US" dirty="0" smtClean="0"/>
+          </a:p>
+          <a:p>
+            <a:r>
+              <a:rPr lang="en-US" dirty="0" err="1" smtClean="0"/>
+              <a:t>Brisanje</a:t>
+            </a:r>
+            <a:r>
+              <a:rPr lang="en-US" dirty="0" smtClean="0"/>
+              <a:t> </a:t>
+            </a:r>
+            <a:r>
+              <a:rPr lang="en-US" dirty="0" err="1" smtClean="0"/>
+              <a:t>postojeće</a:t>
+            </a:r>
+            <a:r>
+              <a:rPr lang="en-US" dirty="0" smtClean="0"/>
+              <a:t> </a:t>
+            </a:r>
+            <a:r>
+              <a:rPr lang="en-US" dirty="0" err="1"/>
+              <a:t>stavke</a:t>
+            </a:r>
+            <a:r>
+              <a:rPr lang="en-US" dirty="0"/>
+              <a:t> </a:t>
+            </a:r>
+            <a:r>
+              <a:rPr lang="en-US" dirty="0" err="1" smtClean="0"/>
+              <a:t>skladišta</a:t>
+            </a:r>
+            <a:endParaRPr lang="en-US" dirty="0" smtClean="0"/>
+          </a:p>
+          <a:p>
+            <a:r>
+              <a:rPr lang="en-US" dirty="0" err="1"/>
+              <a:t>Prikaz</a:t>
+            </a:r>
+            <a:r>
+              <a:rPr lang="en-US" dirty="0"/>
+              <a:t> </a:t>
+            </a:r>
+            <a:r>
+              <a:rPr lang="en-US" dirty="0" err="1"/>
+              <a:t>svih</a:t>
+            </a:r>
+            <a:r>
+              <a:rPr lang="en-US" dirty="0"/>
+              <a:t> </a:t>
+            </a:r>
+            <a:r>
+              <a:rPr lang="en-US" dirty="0" err="1"/>
+              <a:t>stavki</a:t>
+            </a:r>
+            <a:r>
+              <a:rPr lang="en-US" dirty="0"/>
+              <a:t> </a:t>
+            </a:r>
+            <a:r>
+              <a:rPr lang="en-US" dirty="0" err="1"/>
+              <a:t>skladišta</a:t>
+            </a:r>
+            <a:endParaRPr lang="en-US" dirty="0"/>
+          </a:p>
+          <a:p>
+            <a:pPr marL="0" indent="0">
+              <a:buNone/>
+            </a:pPr>
+            <a:endParaRPr lang="en-US" dirty="0" smtClean="0"/>
+          </a:p>
+        </p:txBody>
+      </p:sp>
+    </p:spTree>
+    <p:extLst>
+      <p:ext uri="{BB962C8B-B14F-4D97-AF65-F5344CB8AC3E}">
+        <p14:creationId xmlns:p14="http://schemas.microsoft.com/office/powerpoint/2010/main" val="2043277094"/>
+      </p:ext>
+    </p:extLst>
+  </p:cSld>
+  <p:clrMapOvr>
+    <a:masterClrMapping/>
+  </p:clrMapOvr>
+  <mc:AlternateContent xmlns:mc="http://schemas.openxmlformats.org/markup-compatibility/2006" xmlns:p14="http://schemas.microsoft.com/office/powerpoint/2010/main">
+    <mc:Choice Requires="p14">
+      <p:transition spd="med" p14:dur="700">
+        <p:fade/>
+      </p:transition>
+    </mc:Choice>
+    <mc:Fallback xmlns="">
+      <p:transition spd="med">
+        <p:fade/>
+      </p:transition>
+    </mc:Fallback>
+  </mc:AlternateContent>
+  <p:timing>
+    <p:tnLst>
+      <p:par>
+        <p:cTn id="1" dur="indefinite" restart="never" nodeType="tmRoot">
+          <p:childTnLst>
+            <p:seq concurrent="1" nextAc="seek">
+              <p:cTn id="2" dur="indefinite" nodeType="mainSeq">
+                <p:childTnLst>
+                  <p:par>
+                    <p:cTn id="3" fill="hold">
+                      <p:stCondLst>
+                        <p:cond delay="indefinite"/>
+                      </p:stCondLst>
+                      <p:childTnLst>
+                        <p:par>
+                          <p:cTn id="4" fill="hold">
+                            <p:stCondLst>
+                              <p:cond delay="0"/>
+                            </p:stCondLst>
+                            <p:childTnLst>
+                              <p:par>
+                                <p:cTn id="5" presetID="22" presetClass="entr" presetSubtype="4" fill="hold" grpId="0" nodeType="clickEffect">
+                                  <p:stCondLst>
+                                    <p:cond delay="0"/>
+                                  </p:stCondLst>
+                                  <p:childTnLst>
+                                    <p:set>
+                                      <p:cBhvr>
+                                        <p:cTn id="6" dur="1" fill="hold">
+                                          <p:stCondLst>
+                                            <p:cond delay="0"/>
+                                          </p:stCondLst>
+                                        </p:cTn>
+                                        <p:tgtEl>
+                                          <p:spTgt spid="2"/>
+                                        </p:tgtEl>
+                                        <p:attrNameLst>
+                                          <p:attrName>style.visibility</p:attrName>
+                                        </p:attrNameLst>
+                                      </p:cBhvr>
+                                      <p:to>
+                                        <p:strVal val="visible"/>
+                                      </p:to>
+                                    </p:set>
+                                    <p:animEffect transition="in" filter="wipe(down)">
+                                      <p:cBhvr>
+                                        <p:cTn id="7" dur="500"/>
+                                        <p:tgtEl>
+                                          <p:spTgt spid="2"/>
+                                        </p:tgtEl>
+                                      </p:cBhvr>
+                                    </p:animEffect>
+                                  </p:childTnLst>
+                                </p:cTn>
+                              </p:par>
+                            </p:childTnLst>
+                          </p:cTn>
+                        </p:par>
+                      </p:childTnLst>
+                    </p:cTn>
+                  </p:par>
+                  <p:par>
+                    <p:cTn id="8" fill="hold">
+                      <p:stCondLst>
+                        <p:cond delay="indefinite"/>
+                      </p:stCondLst>
+                      <p:childTnLst>
+                        <p:par>
+                          <p:cTn id="9" fill="hold">
+                            <p:stCondLst>
+                              <p:cond delay="0"/>
+                            </p:stCondLst>
+                            <p:childTnLst>
+                              <p:par>
+                                <p:cTn id="10" presetID="22" presetClass="entr" presetSubtype="4" fill="hold" grpId="0" nodeType="clickEffect">
+                                  <p:stCondLst>
+                                    <p:cond delay="0"/>
+                                  </p:stCondLst>
+                                  <p:childTnLst>
+                                    <p:set>
+                                      <p:cBhvr>
+                                        <p:cTn id="11" dur="1" fill="hold">
+                                          <p:stCondLst>
+                                            <p:cond delay="0"/>
+                                          </p:stCondLst>
+                                        </p:cTn>
+                                        <p:tgtEl>
+                                          <p:spTgt spid="3">
+                                            <p:txEl>
+                                              <p:pRg st="0" end="0"/>
+                                            </p:txEl>
+                                          </p:spTgt>
+                                        </p:tgtEl>
+                                        <p:attrNameLst>
+                                          <p:attrName>style.visibility</p:attrName>
+                                        </p:attrNameLst>
+                                      </p:cBhvr>
+                                      <p:to>
+                                        <p:strVal val="visible"/>
+                                      </p:to>
+                                    </p:set>
+                                    <p:animEffect transition="in" filter="wipe(down)">
+                                      <p:cBhvr>
+                                        <p:cTn id="12" dur="500"/>
+                                        <p:tgtEl>
+                                          <p:spTgt spid="3">
+                                            <p:txEl>
+                                              <p:pRg st="0" end="0"/>
+                                            </p:txEl>
+                                          </p:spTgt>
+                                        </p:tgtEl>
+                                      </p:cBhvr>
+                                    </p:animEffect>
+                                  </p:childTnLst>
+                                </p:cTn>
+                              </p:par>
+                            </p:childTnLst>
+                          </p:cTn>
+                        </p:par>
+                      </p:childTnLst>
+                    </p:cTn>
+                  </p:par>
+                  <p:par>
+                    <p:cTn id="13" fill="hold">
+                      <p:stCondLst>
+                        <p:cond delay="indefinite"/>
+                      </p:stCondLst>
+                      <p:childTnLst>
+                        <p:par>
+                          <p:cTn id="14" fill="hold">
+                            <p:stCondLst>
+                              <p:cond delay="0"/>
+                            </p:stCondLst>
+                            <p:childTnLst>
+                              <p:par>
+                                <p:cTn id="15" presetID="22" presetClass="entr" presetSubtype="4" fill="hold" grpId="0" nodeType="clickEffect">
+                                  <p:stCondLst>
+                                    <p:cond delay="0"/>
+                                  </p:stCondLst>
+                                  <p:childTnLst>
+                                    <p:set>
+                                      <p:cBhvr>
+                                        <p:cTn id="16" dur="1" fill="hold">
+                                          <p:stCondLst>
+                                            <p:cond delay="0"/>
+                                          </p:stCondLst>
+                                        </p:cTn>
+                                        <p:tgtEl>
+                                          <p:spTgt spid="3">
+                                            <p:txEl>
+                                              <p:pRg st="1" end="1"/>
+                                            </p:txEl>
+                                          </p:spTgt>
+                                        </p:tgtEl>
+                                        <p:attrNameLst>
+                                          <p:attrName>style.visibility</p:attrName>
+                                        </p:attrNameLst>
+                                      </p:cBhvr>
+                                      <p:to>
+                                        <p:strVal val="visible"/>
+                                      </p:to>
+                                    </p:set>
+                                    <p:animEffect transition="in" filter="wipe(down)">
+                                      <p:cBhvr>
+                                        <p:cTn id="17" dur="500"/>
+                                        <p:tgtEl>
+                                          <p:spTgt spid="3">
+                                            <p:txEl>
+                                              <p:pRg st="1" end="1"/>
+                                            </p:txEl>
+                                          </p:spTgt>
+                                        </p:tgtEl>
+                                      </p:cBhvr>
+                                    </p:animEffect>
+                                  </p:childTnLst>
+                                </p:cTn>
+                              </p:par>
+                            </p:childTnLst>
+                          </p:cTn>
+                        </p:par>
+                      </p:childTnLst>
+                    </p:cTn>
+                  </p:par>
+                  <p:par>
+                    <p:cTn id="18" fill="hold">
+                      <p:stCondLst>
+                        <p:cond delay="indefinite"/>
+                      </p:stCondLst>
+                      <p:childTnLst>
+                        <p:par>
+                          <p:cTn id="19" fill="hold">
+                            <p:stCondLst>
+                              <p:cond delay="0"/>
+                            </p:stCondLst>
+                            <p:childTnLst>
+                              <p:par>
+                                <p:cTn id="20" presetID="22" presetClass="entr" presetSubtype="4" fill="hold" grpId="0" nodeType="clickEffect">
+                                  <p:stCondLst>
+                                    <p:cond delay="0"/>
+                                  </p:stCondLst>
+                                  <p:childTnLst>
+                                    <p:set>
+                                      <p:cBhvr>
+                                        <p:cTn id="21" dur="1" fill="hold">
+                                          <p:stCondLst>
+                                            <p:cond delay="0"/>
+                                          </p:stCondLst>
+                                        </p:cTn>
+                                        <p:tgtEl>
+                                          <p:spTgt spid="3">
+                                            <p:txEl>
+                                              <p:pRg st="2" end="2"/>
+                                            </p:txEl>
+                                          </p:spTgt>
+                                        </p:tgtEl>
+                                        <p:attrNameLst>
+                                          <p:attrName>style.visibility</p:attrName>
+                                        </p:attrNameLst>
+                                      </p:cBhvr>
+                                      <p:to>
+                                        <p:strVal val="visible"/>
+                                      </p:to>
+                                    </p:set>
+                                    <p:animEffect transition="in" filter="wipe(down)">
+                                      <p:cBhvr>
+                                        <p:cTn id="22" dur="500"/>
+                                        <p:tgtEl>
+                                          <p:spTgt spid="3">
+                                            <p:txEl>
+                                              <p:pRg st="2" end="2"/>
+                                            </p:txEl>
+                                          </p:spTgt>
+                                        </p:tgtEl>
+                                      </p:cBhvr>
+                                    </p:animEffect>
+                                  </p:childTnLst>
+                                </p:cTn>
+                              </p:par>
+                            </p:childTnLst>
+                          </p:cTn>
+                        </p:par>
+                      </p:childTnLst>
+                    </p:cTn>
+                  </p:par>
+                  <p:par>
+                    <p:cTn id="23" fill="hold">
+                      <p:stCondLst>
+                        <p:cond delay="indefinite"/>
+                      </p:stCondLst>
+                      <p:childTnLst>
+                        <p:par>
+                          <p:cTn id="24" fill="hold">
+                            <p:stCondLst>
+                              <p:cond delay="0"/>
+                            </p:stCondLst>
+                            <p:childTnLst>
+                              <p:par>
+                                <p:cTn id="25" presetID="22" presetClass="entr" presetSubtype="4" fill="hold" grpId="0" nodeType="clickEffect">
+                                  <p:stCondLst>
+                                    <p:cond delay="0"/>
+                                  </p:stCondLst>
+                                  <p:childTnLst>
+                                    <p:set>
+                                      <p:cBhvr>
+                                        <p:cTn id="26" dur="1" fill="hold">
+                                          <p:stCondLst>
+                                            <p:cond delay="0"/>
+                                          </p:stCondLst>
+                                        </p:cTn>
+                                        <p:tgtEl>
+                                          <p:spTgt spid="3">
+                                            <p:txEl>
+                                              <p:pRg st="3" end="3"/>
+                                            </p:txEl>
+                                          </p:spTgt>
+                                        </p:tgtEl>
+                                        <p:attrNameLst>
+                                          <p:attrName>style.visibility</p:attrName>
+                                        </p:attrNameLst>
+                                      </p:cBhvr>
+                                      <p:to>
+                                        <p:strVal val="visible"/>
+                                      </p:to>
+                                    </p:set>
+                                    <p:animEffect transition="in" filter="wipe(down)">
+                                      <p:cBhvr>
+                                        <p:cTn id="27" dur="500"/>
+                                        <p:tgtEl>
+                                          <p:spTgt spid="3">
+                                            <p:txEl>
+                                              <p:pRg st="3" end="3"/>
+                                            </p:txEl>
+                                          </p:spTgt>
+                                        </p:tgtEl>
+                                      </p:cBhvr>
+                                    </p:animEffect>
+                                  </p:childTnLst>
+                                </p:cTn>
+                              </p:par>
+                            </p:childTnLst>
+                          </p:cTn>
+                        </p:par>
+                      </p:childTnLst>
+                    </p:cTn>
+                  </p:par>
+                  <p:par>
+                    <p:cTn id="28" fill="hold">
+                      <p:stCondLst>
+                        <p:cond delay="indefinite"/>
+                      </p:stCondLst>
+                      <p:childTnLst>
+                        <p:par>
+                          <p:cTn id="29" fill="hold">
+                            <p:stCondLst>
+                              <p:cond delay="0"/>
+                            </p:stCondLst>
+                            <p:childTnLst>
+                              <p:par>
+                                <p:cTn id="30" presetID="22" presetClass="entr" presetSubtype="4" fill="hold" grpId="0" nodeType="clickEffect">
+                                  <p:stCondLst>
+                                    <p:cond delay="0"/>
+                                  </p:stCondLst>
+                                  <p:childTnLst>
+                                    <p:set>
+                                      <p:cBhvr>
+                                        <p:cTn id="31" dur="1" fill="hold">
+                                          <p:stCondLst>
+                                            <p:cond delay="0"/>
+                                          </p:stCondLst>
+                                        </p:cTn>
+                                        <p:tgtEl>
+                                          <p:spTgt spid="3">
+                                            <p:txEl>
+                                              <p:pRg st="4" end="4"/>
+                                            </p:txEl>
+                                          </p:spTgt>
+                                        </p:tgtEl>
+                                        <p:attrNameLst>
+                                          <p:attrName>style.visibility</p:attrName>
+                                        </p:attrNameLst>
+                                      </p:cBhvr>
+                                      <p:to>
+                                        <p:strVal val="visible"/>
+                                      </p:to>
+                                    </p:set>
+                                    <p:animEffect transition="in" filter="wipe(down)">
+                                      <p:cBhvr>
+                                        <p:cTn id="32" dur="500"/>
+                                        <p:tgtEl>
+                                          <p:spTgt spid="3">
+                                            <p:txEl>
+                                              <p:pRg st="4" end="4"/>
+                                            </p:txEl>
+                                          </p:spTgt>
+                                        </p:tgtEl>
+                                      </p:cBhvr>
+                                    </p:animEffect>
+                                  </p:childTnLst>
+                                </p:cTn>
+                              </p:par>
+                            </p:childTnLst>
+                          </p:cTn>
+                        </p:par>
+                      </p:childTnLst>
+                    </p:cTn>
+                  </p:par>
+                </p:childTnLst>
+              </p:cTn>
+              <p:prevCondLst>
+                <p:cond evt="onPrev" delay="0">
+                  <p:tgtEl>
+                    <p:sldTgt/>
+                  </p:tgtEl>
+                </p:cond>
+              </p:prevCondLst>
+              <p:nextCondLst>
+                <p:cond evt="onNext" delay="0">
+                  <p:tgtEl>
+                    <p:sldTgt/>
+                  </p:tgtEl>
+                </p:cond>
+              </p:nextCondLst>
+            </p:seq>
+          </p:childTnLst>
+        </p:cTn>
+      </p:par>
+    </p:tnLst>
+    <p:bldLst>
+      <p:bldP spid="2" grpId="0"/>
+      <p:bldP spid="3" grpId="0" build="p"/>
+    </p:bldLst>
+  </p:timing>
+</p:sld>
+</file>
+
+<file path=ppt/slides/slide17.xml><?xml version="1.0" encoding="utf-8"?>
+<p:sld xmlns:a="http://schemas.openxmlformats.org/drawingml/2006/main" xmlns:r="http://schemas.openxmlformats.org/officeDocument/2006/relationships" xmlns:p="http://schemas.openxmlformats.org/presentationml/2006/main">
+  <p:cSld>
+    <p:spTree>
+      <p:nvGrpSpPr>
+        <p:cNvPr id="1" name=""/>
+        <p:cNvGrpSpPr/>
+        <p:nvPr/>
+      </p:nvGrpSpPr>
+      <p:grpSpPr>
+        <a:xfrm>
+          <a:off x="0" y="0"/>
+          <a:ext cx="0" cy="0"/>
+          <a:chOff x="0" y="0"/>
+          <a:chExt cx="0" cy="0"/>
+        </a:xfrm>
+      </p:grpSpPr>
+      <p:sp>
+        <p:nvSpPr>
+          <p:cNvPr id="2" name="Title 1"/>
+          <p:cNvSpPr>
+            <a:spLocks noGrp="1"/>
+          </p:cNvSpPr>
+          <p:nvPr>
+            <p:ph type="title"/>
+          </p:nvPr>
+        </p:nvSpPr>
+        <p:spPr/>
+        <p:txBody>
+          <a:bodyPr/>
+          <a:lstStyle/>
+          <a:p>
+            <a:r>
+              <a:rPr lang="en-US" dirty="0" err="1"/>
+              <a:t>Funkcionalnosti</a:t>
+            </a:r>
+            <a:r>
+              <a:rPr lang="en-US" dirty="0"/>
+              <a:t> </a:t>
+            </a:r>
+            <a:r>
+              <a:rPr lang="en-US" dirty="0" err="1"/>
+              <a:t>aplikacije</a:t>
+            </a:r>
+            <a:r>
+              <a:rPr lang="en-US" dirty="0"/>
+              <a:t> </a:t>
+            </a:r>
+            <a:r>
+              <a:rPr lang="en-US" dirty="0" err="1"/>
+              <a:t>vezane</a:t>
+            </a:r>
+            <a:r>
+              <a:rPr lang="en-US" dirty="0"/>
+              <a:t> </a:t>
+            </a:r>
+            <a:r>
               <a:rPr lang="en-US" dirty="0" err="1" smtClean="0"/>
               <a:t>za</a:t>
             </a:r>
@@ -6939,7 +7627,7 @@
 </p:sld>
 </file>
 
-<file path=ppt/slides/slide17.xml><?xml version="1.0" encoding="utf-8"?>
+<file path=ppt/slides/slide18.xml><?xml version="1.0" encoding="utf-8"?>
 <p:sld xmlns:a="http://schemas.openxmlformats.org/drawingml/2006/main" xmlns:r="http://schemas.openxmlformats.org/officeDocument/2006/relationships" xmlns:p="http://schemas.openxmlformats.org/presentationml/2006/main">
   <p:cSld>
     <p:spTree>
@@ -7092,7 +7780,7 @@
 </p:sld>
 </file>
 
-<file path=ppt/slides/slide18.xml><?xml version="1.0" encoding="utf-8"?>
+<file path=ppt/slides/slide19.xml><?xml version="1.0" encoding="utf-8"?>
 <p:sld xmlns:a="http://schemas.openxmlformats.org/drawingml/2006/main" xmlns:r="http://schemas.openxmlformats.org/officeDocument/2006/relationships" xmlns:p="http://schemas.openxmlformats.org/presentationml/2006/main">
   <p:cSld>
     <p:spTree>
@@ -7235,823 +7923,6 @@
       </p:transition>
     </mc:Fallback>
   </mc:AlternateContent>
-</p:sld>
-</file>
-
-<file path=ppt/slides/slide19.xml><?xml version="1.0" encoding="utf-8"?>
-<p:sld xmlns:a="http://schemas.openxmlformats.org/drawingml/2006/main" xmlns:r="http://schemas.openxmlformats.org/officeDocument/2006/relationships" xmlns:p="http://schemas.openxmlformats.org/presentationml/2006/main">
-  <p:cSld>
-    <p:spTree>
-      <p:nvGrpSpPr>
-        <p:cNvPr id="1" name=""/>
-        <p:cNvGrpSpPr/>
-        <p:nvPr/>
-      </p:nvGrpSpPr>
-      <p:grpSpPr>
-        <a:xfrm>
-          <a:off x="0" y="0"/>
-          <a:ext cx="0" cy="0"/>
-          <a:chOff x="0" y="0"/>
-          <a:chExt cx="0" cy="0"/>
-        </a:xfrm>
-      </p:grpSpPr>
-      <p:sp>
-        <p:nvSpPr>
-          <p:cNvPr id="2" name="Title 1"/>
-          <p:cNvSpPr>
-            <a:spLocks noGrp="1"/>
-          </p:cNvSpPr>
-          <p:nvPr>
-            <p:ph type="title"/>
-          </p:nvPr>
-        </p:nvSpPr>
-        <p:spPr/>
-        <p:txBody>
-          <a:bodyPr/>
-          <a:lstStyle/>
-          <a:p>
-            <a:r>
-              <a:rPr lang="en-US" dirty="0" err="1"/>
-              <a:t>Servisi</a:t>
-            </a:r>
-            <a:endParaRPr lang="en-US" dirty="0"/>
-          </a:p>
-        </p:txBody>
-      </p:sp>
-      <p:sp>
-        <p:nvSpPr>
-          <p:cNvPr id="3" name="Content Placeholder 2"/>
-          <p:cNvSpPr>
-            <a:spLocks noGrp="1"/>
-          </p:cNvSpPr>
-          <p:nvPr>
-            <p:ph idx="1"/>
-          </p:nvPr>
-        </p:nvSpPr>
-        <p:spPr/>
-        <p:txBody>
-          <a:bodyPr/>
-          <a:lstStyle/>
-          <a:p>
-            <a:r>
-              <a:rPr lang="en-US" dirty="0" err="1"/>
-              <a:t>Servisi</a:t>
-            </a:r>
-            <a:r>
-              <a:rPr lang="en-US" dirty="0"/>
-              <a:t> </a:t>
-            </a:r>
-            <a:r>
-              <a:rPr lang="en-US" dirty="0" err="1"/>
-              <a:t>su</a:t>
-            </a:r>
-            <a:r>
-              <a:rPr lang="en-US" dirty="0"/>
-              <a:t> </a:t>
-            </a:r>
-            <a:r>
-              <a:rPr lang="en-US" dirty="0" err="1"/>
-              <a:t>odgovrni</a:t>
-            </a:r>
-            <a:r>
-              <a:rPr lang="en-US" dirty="0"/>
-              <a:t> u </a:t>
-            </a:r>
-            <a:r>
-              <a:rPr lang="en-US" dirty="0" err="1"/>
-              <a:t>aplikaciji</a:t>
-            </a:r>
-            <a:r>
-              <a:rPr lang="en-US" dirty="0"/>
-              <a:t> </a:t>
-            </a:r>
-            <a:r>
-              <a:rPr lang="en-US" dirty="0" err="1"/>
-              <a:t>za</a:t>
-            </a:r>
-            <a:r>
-              <a:rPr lang="en-US" dirty="0"/>
-              <a:t> </a:t>
-            </a:r>
-            <a:r>
-              <a:rPr lang="en-US" dirty="0" err="1"/>
-              <a:t>implementaciju</a:t>
-            </a:r>
-            <a:r>
-              <a:rPr lang="en-US" dirty="0"/>
-              <a:t> </a:t>
-            </a:r>
-            <a:r>
-              <a:rPr lang="en-US" dirty="0" err="1"/>
-              <a:t>funkcionalnosti</a:t>
-            </a:r>
-            <a:r>
-              <a:rPr lang="en-US" dirty="0"/>
-              <a:t> </a:t>
-            </a:r>
-            <a:r>
-              <a:rPr lang="en-US" dirty="0" err="1"/>
-              <a:t>aplikacije</a:t>
-            </a:r>
-            <a:endParaRPr lang="en-US" dirty="0"/>
-          </a:p>
-          <a:p>
-            <a:r>
-              <a:rPr lang="en-US" dirty="0" err="1"/>
-              <a:t>Vrste</a:t>
-            </a:r>
-            <a:r>
-              <a:rPr lang="en-US" dirty="0"/>
-              <a:t> </a:t>
-            </a:r>
-            <a:r>
-              <a:rPr lang="en-US" dirty="0" err="1"/>
-              <a:t>funkcionalnosti</a:t>
-            </a:r>
-            <a:r>
-              <a:rPr lang="en-US" dirty="0"/>
-              <a:t> </a:t>
-            </a:r>
-            <a:r>
-              <a:rPr lang="en-US" dirty="0" err="1"/>
-              <a:t>aplikacije</a:t>
-            </a:r>
-            <a:endParaRPr lang="en-US" dirty="0"/>
-          </a:p>
-          <a:p>
-            <a:r>
-              <a:rPr lang="en-US" dirty="0" err="1"/>
-              <a:t>Funkcionalnost</a:t>
-            </a:r>
-            <a:r>
-              <a:rPr lang="en-US" dirty="0"/>
-              <a:t> </a:t>
-            </a:r>
-            <a:r>
-              <a:rPr lang="en-US" dirty="0" err="1"/>
-              <a:t>vezana</a:t>
-            </a:r>
-            <a:r>
-              <a:rPr lang="en-US" dirty="0"/>
-              <a:t> </a:t>
-            </a:r>
-            <a:r>
-              <a:rPr lang="en-US" dirty="0" err="1"/>
-              <a:t>za</a:t>
-            </a:r>
-            <a:r>
-              <a:rPr lang="en-US" dirty="0"/>
-              <a:t> </a:t>
-            </a:r>
-            <a:r>
-              <a:rPr lang="en-US" dirty="0" err="1"/>
-              <a:t>skladišta</a:t>
-            </a:r>
-            <a:r>
-              <a:rPr lang="en-US" dirty="0"/>
-              <a:t> =&gt; </a:t>
-            </a:r>
-            <a:r>
-              <a:rPr lang="en-US" dirty="0" err="1"/>
-              <a:t>StorageService</a:t>
-            </a:r>
-            <a:endParaRPr lang="en-US" dirty="0"/>
-          </a:p>
-          <a:p>
-            <a:r>
-              <a:rPr lang="en-US" dirty="0" err="1"/>
-              <a:t>Funkcionalnost</a:t>
-            </a:r>
-            <a:r>
-              <a:rPr lang="en-US" dirty="0"/>
-              <a:t> </a:t>
-            </a:r>
-            <a:r>
-              <a:rPr lang="en-US" dirty="0" err="1"/>
-              <a:t>vezana</a:t>
-            </a:r>
-            <a:r>
-              <a:rPr lang="en-US" dirty="0"/>
-              <a:t> </a:t>
-            </a:r>
-            <a:r>
-              <a:rPr lang="en-US" dirty="0" err="1"/>
-              <a:t>za</a:t>
-            </a:r>
-            <a:r>
-              <a:rPr lang="en-US" dirty="0"/>
-              <a:t> </a:t>
-            </a:r>
-            <a:r>
-              <a:rPr lang="en-US" dirty="0" err="1"/>
-              <a:t>proizvode</a:t>
-            </a:r>
-            <a:r>
-              <a:rPr lang="en-US" dirty="0"/>
-              <a:t> =&gt; </a:t>
-            </a:r>
-            <a:r>
-              <a:rPr lang="en-US" dirty="0" err="1"/>
-              <a:t>ProductService</a:t>
-            </a:r>
-            <a:endParaRPr lang="en-US" dirty="0"/>
-          </a:p>
-          <a:p>
-            <a:r>
-              <a:rPr lang="en-US" dirty="0" err="1"/>
-              <a:t>Funkcionalnost</a:t>
-            </a:r>
-            <a:r>
-              <a:rPr lang="en-US" dirty="0"/>
-              <a:t> </a:t>
-            </a:r>
-            <a:r>
-              <a:rPr lang="en-US" dirty="0" err="1"/>
-              <a:t>vezana</a:t>
-            </a:r>
-            <a:r>
-              <a:rPr lang="en-US" dirty="0"/>
-              <a:t> </a:t>
-            </a:r>
-            <a:r>
-              <a:rPr lang="en-US" dirty="0" err="1"/>
-              <a:t>za</a:t>
-            </a:r>
-            <a:r>
-              <a:rPr lang="en-US" dirty="0"/>
-              <a:t> </a:t>
-            </a:r>
-            <a:r>
-              <a:rPr lang="en-US" dirty="0" err="1"/>
-              <a:t>stavke</a:t>
-            </a:r>
-            <a:r>
-              <a:rPr lang="en-US" dirty="0"/>
-              <a:t> </a:t>
-            </a:r>
-            <a:r>
-              <a:rPr lang="en-US" dirty="0" err="1"/>
-              <a:t>skladišta</a:t>
-            </a:r>
-            <a:r>
-              <a:rPr lang="en-US" dirty="0"/>
-              <a:t> =&gt; </a:t>
-            </a:r>
-            <a:r>
-              <a:rPr lang="en-US" dirty="0" err="1" smtClean="0"/>
-              <a:t>StorageItemService</a:t>
-            </a:r>
-            <a:endParaRPr lang="en-US" dirty="0" smtClean="0"/>
-          </a:p>
-          <a:p>
-            <a:r>
-              <a:rPr lang="en-US" dirty="0" err="1"/>
-              <a:t>Funkcionalnost</a:t>
-            </a:r>
-            <a:r>
-              <a:rPr lang="en-US" dirty="0"/>
-              <a:t> </a:t>
-            </a:r>
-            <a:r>
-              <a:rPr lang="en-US" dirty="0" err="1"/>
-              <a:t>vezana</a:t>
-            </a:r>
-            <a:r>
-              <a:rPr lang="en-US" dirty="0"/>
-              <a:t> </a:t>
-            </a:r>
-            <a:r>
-              <a:rPr lang="en-US" dirty="0" err="1"/>
-              <a:t>za</a:t>
-            </a:r>
-            <a:r>
-              <a:rPr lang="en-US" dirty="0"/>
-              <a:t> </a:t>
-            </a:r>
-            <a:r>
-              <a:rPr lang="en-US" dirty="0" err="1" smtClean="0"/>
-              <a:t>novčanu</a:t>
-            </a:r>
-            <a:r>
-              <a:rPr lang="en-US" dirty="0" smtClean="0"/>
-              <a:t> </a:t>
-            </a:r>
-            <a:r>
-              <a:rPr lang="en-US" dirty="0" err="1" smtClean="0"/>
-              <a:t>vrednost</a:t>
-            </a:r>
-            <a:r>
-              <a:rPr lang="en-US" dirty="0" smtClean="0"/>
-              <a:t> </a:t>
-            </a:r>
-            <a:r>
-              <a:rPr lang="en-US" dirty="0" err="1" smtClean="0"/>
-              <a:t>stavke</a:t>
-            </a:r>
-            <a:r>
-              <a:rPr lang="en-US" dirty="0" smtClean="0"/>
-              <a:t> </a:t>
-            </a:r>
-            <a:r>
-              <a:rPr lang="en-US" dirty="0" err="1"/>
-              <a:t>skladišta</a:t>
-            </a:r>
-            <a:r>
-              <a:rPr lang="en-US" dirty="0"/>
-              <a:t> =&gt; </a:t>
-            </a:r>
-            <a:r>
-              <a:rPr lang="en-US" dirty="0" err="1" smtClean="0"/>
-              <a:t>MoneyItemValueService</a:t>
-            </a:r>
-            <a:endParaRPr lang="en-US" dirty="0"/>
-          </a:p>
-          <a:p>
-            <a:endParaRPr lang="en-US" dirty="0"/>
-          </a:p>
-          <a:p>
-            <a:endParaRPr lang="en-US" dirty="0"/>
-          </a:p>
-          <a:p>
-            <a:endParaRPr lang="en-US" dirty="0"/>
-          </a:p>
-        </p:txBody>
-      </p:sp>
-    </p:spTree>
-    <p:extLst>
-      <p:ext uri="{BB962C8B-B14F-4D97-AF65-F5344CB8AC3E}">
-        <p14:creationId xmlns:p14="http://schemas.microsoft.com/office/powerpoint/2010/main" val="4211639939"/>
-      </p:ext>
-    </p:extLst>
-  </p:cSld>
-  <p:clrMapOvr>
-    <a:masterClrMapping/>
-  </p:clrMapOvr>
-  <mc:AlternateContent xmlns:mc="http://schemas.openxmlformats.org/markup-compatibility/2006" xmlns:p14="http://schemas.microsoft.com/office/powerpoint/2010/main">
-    <mc:Choice Requires="p14">
-      <p:transition spd="med" p14:dur="700">
-        <p:fade/>
-      </p:transition>
-    </mc:Choice>
-    <mc:Fallback xmlns="">
-      <p:transition spd="med">
-        <p:fade/>
-      </p:transition>
-    </mc:Fallback>
-  </mc:AlternateContent>
-  <p:timing>
-    <p:tnLst>
-      <p:par>
-        <p:cTn id="1" dur="indefinite" restart="never" nodeType="tmRoot">
-          <p:childTnLst>
-            <p:seq concurrent="1" nextAc="seek">
-              <p:cTn id="2" dur="indefinite" nodeType="mainSeq">
-                <p:childTnLst>
-                  <p:par>
-                    <p:cTn id="3" fill="hold">
-                      <p:stCondLst>
-                        <p:cond delay="indefinite"/>
-                      </p:stCondLst>
-                      <p:childTnLst>
-                        <p:par>
-                          <p:cTn id="4" fill="hold">
-                            <p:stCondLst>
-                              <p:cond delay="0"/>
-                            </p:stCondLst>
-                            <p:childTnLst>
-                              <p:par>
-                                <p:cTn id="5" presetID="22" presetClass="entr" presetSubtype="4" fill="hold" grpId="0" nodeType="clickEffect">
-                                  <p:stCondLst>
-                                    <p:cond delay="0"/>
-                                  </p:stCondLst>
-                                  <p:childTnLst>
-                                    <p:set>
-                                      <p:cBhvr>
-                                        <p:cTn id="6" dur="1" fill="hold">
-                                          <p:stCondLst>
-                                            <p:cond delay="0"/>
-                                          </p:stCondLst>
-                                        </p:cTn>
-                                        <p:tgtEl>
-                                          <p:spTgt spid="2"/>
-                                        </p:tgtEl>
-                                        <p:attrNameLst>
-                                          <p:attrName>style.visibility</p:attrName>
-                                        </p:attrNameLst>
-                                      </p:cBhvr>
-                                      <p:to>
-                                        <p:strVal val="visible"/>
-                                      </p:to>
-                                    </p:set>
-                                    <p:animEffect transition="in" filter="wipe(down)">
-                                      <p:cBhvr>
-                                        <p:cTn id="7" dur="500"/>
-                                        <p:tgtEl>
-                                          <p:spTgt spid="2"/>
-                                        </p:tgtEl>
-                                      </p:cBhvr>
-                                    </p:animEffect>
-                                  </p:childTnLst>
-                                </p:cTn>
-                              </p:par>
-                            </p:childTnLst>
-                          </p:cTn>
-                        </p:par>
-                      </p:childTnLst>
-                    </p:cTn>
-                  </p:par>
-                  <p:par>
-                    <p:cTn id="8" fill="hold">
-                      <p:stCondLst>
-                        <p:cond delay="indefinite"/>
-                      </p:stCondLst>
-                      <p:childTnLst>
-                        <p:par>
-                          <p:cTn id="9" fill="hold">
-                            <p:stCondLst>
-                              <p:cond delay="0"/>
-                            </p:stCondLst>
-                            <p:childTnLst>
-                              <p:par>
-                                <p:cTn id="10" presetID="22" presetClass="entr" presetSubtype="4" fill="hold" grpId="0" nodeType="clickEffect">
-                                  <p:stCondLst>
-                                    <p:cond delay="0"/>
-                                  </p:stCondLst>
-                                  <p:childTnLst>
-                                    <p:set>
-                                      <p:cBhvr>
-                                        <p:cTn id="11" dur="1" fill="hold">
-                                          <p:stCondLst>
-                                            <p:cond delay="0"/>
-                                          </p:stCondLst>
-                                        </p:cTn>
-                                        <p:tgtEl>
-                                          <p:spTgt spid="3">
-                                            <p:txEl>
-                                              <p:pRg st="0" end="0"/>
-                                            </p:txEl>
-                                          </p:spTgt>
-                                        </p:tgtEl>
-                                        <p:attrNameLst>
-                                          <p:attrName>style.visibility</p:attrName>
-                                        </p:attrNameLst>
-                                      </p:cBhvr>
-                                      <p:to>
-                                        <p:strVal val="visible"/>
-                                      </p:to>
-                                    </p:set>
-                                    <p:animEffect transition="in" filter="wipe(down)">
-                                      <p:cBhvr>
-                                        <p:cTn id="12" dur="500"/>
-                                        <p:tgtEl>
-                                          <p:spTgt spid="3">
-                                            <p:txEl>
-                                              <p:pRg st="0" end="0"/>
-                                            </p:txEl>
-                                          </p:spTgt>
-                                        </p:tgtEl>
-                                      </p:cBhvr>
-                                    </p:animEffect>
-                                  </p:childTnLst>
-                                </p:cTn>
-                              </p:par>
-                            </p:childTnLst>
-                          </p:cTn>
-                        </p:par>
-                      </p:childTnLst>
-                    </p:cTn>
-                  </p:par>
-                  <p:par>
-                    <p:cTn id="13" fill="hold">
-                      <p:stCondLst>
-                        <p:cond delay="indefinite"/>
-                      </p:stCondLst>
-                      <p:childTnLst>
-                        <p:par>
-                          <p:cTn id="14" fill="hold">
-                            <p:stCondLst>
-                              <p:cond delay="0"/>
-                            </p:stCondLst>
-                            <p:childTnLst>
-                              <p:par>
-                                <p:cTn id="15" presetID="22" presetClass="entr" presetSubtype="4" fill="hold" grpId="0" nodeType="clickEffect">
-                                  <p:stCondLst>
-                                    <p:cond delay="0"/>
-                                  </p:stCondLst>
-                                  <p:childTnLst>
-                                    <p:set>
-                                      <p:cBhvr>
-                                        <p:cTn id="16" dur="1" fill="hold">
-                                          <p:stCondLst>
-                                            <p:cond delay="0"/>
-                                          </p:stCondLst>
-                                        </p:cTn>
-                                        <p:tgtEl>
-                                          <p:spTgt spid="3">
-                                            <p:txEl>
-                                              <p:pRg st="1" end="1"/>
-                                            </p:txEl>
-                                          </p:spTgt>
-                                        </p:tgtEl>
-                                        <p:attrNameLst>
-                                          <p:attrName>style.visibility</p:attrName>
-                                        </p:attrNameLst>
-                                      </p:cBhvr>
-                                      <p:to>
-                                        <p:strVal val="visible"/>
-                                      </p:to>
-                                    </p:set>
-                                    <p:animEffect transition="in" filter="wipe(down)">
-                                      <p:cBhvr>
-                                        <p:cTn id="17" dur="500"/>
-                                        <p:tgtEl>
-                                          <p:spTgt spid="3">
-                                            <p:txEl>
-                                              <p:pRg st="1" end="1"/>
-                                            </p:txEl>
-                                          </p:spTgt>
-                                        </p:tgtEl>
-                                      </p:cBhvr>
-                                    </p:animEffect>
-                                  </p:childTnLst>
-                                </p:cTn>
-                              </p:par>
-                            </p:childTnLst>
-                          </p:cTn>
-                        </p:par>
-                      </p:childTnLst>
-                    </p:cTn>
-                  </p:par>
-                  <p:par>
-                    <p:cTn id="18" fill="hold">
-                      <p:stCondLst>
-                        <p:cond delay="indefinite"/>
-                      </p:stCondLst>
-                      <p:childTnLst>
-                        <p:par>
-                          <p:cTn id="19" fill="hold">
-                            <p:stCondLst>
-                              <p:cond delay="0"/>
-                            </p:stCondLst>
-                            <p:childTnLst>
-                              <p:par>
-                                <p:cTn id="20" presetID="22" presetClass="entr" presetSubtype="4" fill="hold" grpId="0" nodeType="clickEffect">
-                                  <p:stCondLst>
-                                    <p:cond delay="0"/>
-                                  </p:stCondLst>
-                                  <p:childTnLst>
-                                    <p:set>
-                                      <p:cBhvr>
-                                        <p:cTn id="21" dur="1" fill="hold">
-                                          <p:stCondLst>
-                                            <p:cond delay="0"/>
-                                          </p:stCondLst>
-                                        </p:cTn>
-                                        <p:tgtEl>
-                                          <p:spTgt spid="3">
-                                            <p:txEl>
-                                              <p:pRg st="2" end="2"/>
-                                            </p:txEl>
-                                          </p:spTgt>
-                                        </p:tgtEl>
-                                        <p:attrNameLst>
-                                          <p:attrName>style.visibility</p:attrName>
-                                        </p:attrNameLst>
-                                      </p:cBhvr>
-                                      <p:to>
-                                        <p:strVal val="visible"/>
-                                      </p:to>
-                                    </p:set>
-                                    <p:animEffect transition="in" filter="wipe(down)">
-                                      <p:cBhvr>
-                                        <p:cTn id="22" dur="500"/>
-                                        <p:tgtEl>
-                                          <p:spTgt spid="3">
-                                            <p:txEl>
-                                              <p:pRg st="2" end="2"/>
-                                            </p:txEl>
-                                          </p:spTgt>
-                                        </p:tgtEl>
-                                      </p:cBhvr>
-                                    </p:animEffect>
-                                  </p:childTnLst>
-                                </p:cTn>
-                              </p:par>
-                            </p:childTnLst>
-                          </p:cTn>
-                        </p:par>
-                      </p:childTnLst>
-                    </p:cTn>
-                  </p:par>
-                  <p:par>
-                    <p:cTn id="23" fill="hold">
-                      <p:stCondLst>
-                        <p:cond delay="indefinite"/>
-                      </p:stCondLst>
-                      <p:childTnLst>
-                        <p:par>
-                          <p:cTn id="24" fill="hold">
-                            <p:stCondLst>
-                              <p:cond delay="0"/>
-                            </p:stCondLst>
-                            <p:childTnLst>
-                              <p:par>
-                                <p:cTn id="25" presetID="22" presetClass="entr" presetSubtype="4" fill="hold" grpId="0" nodeType="clickEffect">
-                                  <p:stCondLst>
-                                    <p:cond delay="0"/>
-                                  </p:stCondLst>
-                                  <p:childTnLst>
-                                    <p:set>
-                                      <p:cBhvr>
-                                        <p:cTn id="26" dur="1" fill="hold">
-                                          <p:stCondLst>
-                                            <p:cond delay="0"/>
-                                          </p:stCondLst>
-                                        </p:cTn>
-                                        <p:tgtEl>
-                                          <p:spTgt spid="3">
-                                            <p:txEl>
-                                              <p:pRg st="3" end="3"/>
-                                            </p:txEl>
-                                          </p:spTgt>
-                                        </p:tgtEl>
-                                        <p:attrNameLst>
-                                          <p:attrName>style.visibility</p:attrName>
-                                        </p:attrNameLst>
-                                      </p:cBhvr>
-                                      <p:to>
-                                        <p:strVal val="visible"/>
-                                      </p:to>
-                                    </p:set>
-                                    <p:animEffect transition="in" filter="wipe(down)">
-                                      <p:cBhvr>
-                                        <p:cTn id="27" dur="500"/>
-                                        <p:tgtEl>
-                                          <p:spTgt spid="3">
-                                            <p:txEl>
-                                              <p:pRg st="3" end="3"/>
-                                            </p:txEl>
-                                          </p:spTgt>
-                                        </p:tgtEl>
-                                      </p:cBhvr>
-                                    </p:animEffect>
-                                  </p:childTnLst>
-                                </p:cTn>
-                              </p:par>
-                            </p:childTnLst>
-                          </p:cTn>
-                        </p:par>
-                      </p:childTnLst>
-                    </p:cTn>
-                  </p:par>
-                  <p:par>
-                    <p:cTn id="28" fill="hold">
-                      <p:stCondLst>
-                        <p:cond delay="indefinite"/>
-                      </p:stCondLst>
-                      <p:childTnLst>
-                        <p:par>
-                          <p:cTn id="29" fill="hold">
-                            <p:stCondLst>
-                              <p:cond delay="0"/>
-                            </p:stCondLst>
-                            <p:childTnLst>
-                              <p:par>
-                                <p:cTn id="30" presetID="22" presetClass="entr" presetSubtype="4" fill="hold" grpId="0" nodeType="clickEffect">
-                                  <p:stCondLst>
-                                    <p:cond delay="0"/>
-                                  </p:stCondLst>
-                                  <p:childTnLst>
-                                    <p:set>
-                                      <p:cBhvr>
-                                        <p:cTn id="31" dur="1" fill="hold">
-                                          <p:stCondLst>
-                                            <p:cond delay="0"/>
-                                          </p:stCondLst>
-                                        </p:cTn>
-                                        <p:tgtEl>
-                                          <p:spTgt spid="3">
-                                            <p:txEl>
-                                              <p:pRg st="4" end="4"/>
-                                            </p:txEl>
-                                          </p:spTgt>
-                                        </p:tgtEl>
-                                        <p:attrNameLst>
-                                          <p:attrName>style.visibility</p:attrName>
-                                        </p:attrNameLst>
-                                      </p:cBhvr>
-                                      <p:to>
-                                        <p:strVal val="visible"/>
-                                      </p:to>
-                                    </p:set>
-                                    <p:animEffect transition="in" filter="wipe(down)">
-                                      <p:cBhvr>
-                                        <p:cTn id="32" dur="500"/>
-                                        <p:tgtEl>
-                                          <p:spTgt spid="3">
-                                            <p:txEl>
-                                              <p:pRg st="4" end="4"/>
-                                            </p:txEl>
-                                          </p:spTgt>
-                                        </p:tgtEl>
-                                      </p:cBhvr>
-                                    </p:animEffect>
-                                  </p:childTnLst>
-                                </p:cTn>
-                              </p:par>
-                            </p:childTnLst>
-                          </p:cTn>
-                        </p:par>
-                      </p:childTnLst>
-                    </p:cTn>
-                  </p:par>
-                  <p:par>
-                    <p:cTn id="33" fill="hold">
-                      <p:stCondLst>
-                        <p:cond delay="indefinite"/>
-                      </p:stCondLst>
-                      <p:childTnLst>
-                        <p:par>
-                          <p:cTn id="34" fill="hold">
-                            <p:stCondLst>
-                              <p:cond delay="0"/>
-                            </p:stCondLst>
-                            <p:childTnLst>
-                              <p:par>
-                                <p:cTn id="35" presetID="22" presetClass="entr" presetSubtype="4" fill="hold" grpId="0" nodeType="clickEffect">
-                                  <p:stCondLst>
-                                    <p:cond delay="0"/>
-                                  </p:stCondLst>
-                                  <p:childTnLst>
-                                    <p:set>
-                                      <p:cBhvr>
-                                        <p:cTn id="36" dur="1" fill="hold">
-                                          <p:stCondLst>
-                                            <p:cond delay="0"/>
-                                          </p:stCondLst>
-                                        </p:cTn>
-                                        <p:tgtEl>
-                                          <p:spTgt spid="3">
-                                            <p:txEl>
-                                              <p:pRg st="5" end="5"/>
-                                            </p:txEl>
-                                          </p:spTgt>
-                                        </p:tgtEl>
-                                        <p:attrNameLst>
-                                          <p:attrName>style.visibility</p:attrName>
-                                        </p:attrNameLst>
-                                      </p:cBhvr>
-                                      <p:to>
-                                        <p:strVal val="visible"/>
-                                      </p:to>
-                                    </p:set>
-                                    <p:animEffect transition="in" filter="wipe(down)">
-                                      <p:cBhvr>
-                                        <p:cTn id="37" dur="500"/>
-                                        <p:tgtEl>
-                                          <p:spTgt spid="3">
-                                            <p:txEl>
-                                              <p:pRg st="5" end="5"/>
-                                            </p:txEl>
-                                          </p:spTgt>
-                                        </p:tgtEl>
-                                      </p:cBhvr>
-                                    </p:animEffect>
-                                  </p:childTnLst>
-                                </p:cTn>
-                              </p:par>
-                            </p:childTnLst>
-                          </p:cTn>
-                        </p:par>
-                      </p:childTnLst>
-                    </p:cTn>
-                  </p:par>
-                </p:childTnLst>
-              </p:cTn>
-              <p:prevCondLst>
-                <p:cond evt="onPrev" delay="0">
-                  <p:tgtEl>
-                    <p:sldTgt/>
-                  </p:tgtEl>
-                </p:cond>
-              </p:prevCondLst>
-              <p:nextCondLst>
-                <p:cond evt="onNext" delay="0">
-                  <p:tgtEl>
-                    <p:sldTgt/>
-                  </p:tgtEl>
-                </p:cond>
-              </p:nextCondLst>
-            </p:seq>
-          </p:childTnLst>
-        </p:cTn>
-      </p:par>
-    </p:tnLst>
-    <p:bldLst>
-      <p:bldP spid="2" grpId="0"/>
-      <p:bldP spid="3" grpId="0" build="p"/>
-    </p:bldLst>
-  </p:timing>
 </p:sld>
 </file>
 
@@ -8396,6 +8267,823 @@
           <a:lstStyle/>
           <a:p>
             <a:r>
+              <a:rPr lang="en-US" dirty="0" err="1"/>
+              <a:t>Servisi</a:t>
+            </a:r>
+            <a:endParaRPr lang="en-US" dirty="0"/>
+          </a:p>
+        </p:txBody>
+      </p:sp>
+      <p:sp>
+        <p:nvSpPr>
+          <p:cNvPr id="3" name="Content Placeholder 2"/>
+          <p:cNvSpPr>
+            <a:spLocks noGrp="1"/>
+          </p:cNvSpPr>
+          <p:nvPr>
+            <p:ph idx="1"/>
+          </p:nvPr>
+        </p:nvSpPr>
+        <p:spPr/>
+        <p:txBody>
+          <a:bodyPr/>
+          <a:lstStyle/>
+          <a:p>
+            <a:r>
+              <a:rPr lang="en-US" dirty="0" err="1"/>
+              <a:t>Servisi</a:t>
+            </a:r>
+            <a:r>
+              <a:rPr lang="en-US" dirty="0"/>
+              <a:t> </a:t>
+            </a:r>
+            <a:r>
+              <a:rPr lang="en-US" dirty="0" err="1"/>
+              <a:t>su</a:t>
+            </a:r>
+            <a:r>
+              <a:rPr lang="en-US" dirty="0"/>
+              <a:t> </a:t>
+            </a:r>
+            <a:r>
+              <a:rPr lang="en-US" dirty="0" err="1"/>
+              <a:t>odgovrni</a:t>
+            </a:r>
+            <a:r>
+              <a:rPr lang="en-US" dirty="0"/>
+              <a:t> u </a:t>
+            </a:r>
+            <a:r>
+              <a:rPr lang="en-US" dirty="0" err="1"/>
+              <a:t>aplikaciji</a:t>
+            </a:r>
+            <a:r>
+              <a:rPr lang="en-US" dirty="0"/>
+              <a:t> </a:t>
+            </a:r>
+            <a:r>
+              <a:rPr lang="en-US" dirty="0" err="1"/>
+              <a:t>za</a:t>
+            </a:r>
+            <a:r>
+              <a:rPr lang="en-US" dirty="0"/>
+              <a:t> </a:t>
+            </a:r>
+            <a:r>
+              <a:rPr lang="en-US" dirty="0" err="1"/>
+              <a:t>implementaciju</a:t>
+            </a:r>
+            <a:r>
+              <a:rPr lang="en-US" dirty="0"/>
+              <a:t> </a:t>
+            </a:r>
+            <a:r>
+              <a:rPr lang="en-US" dirty="0" err="1"/>
+              <a:t>funkcionalnosti</a:t>
+            </a:r>
+            <a:r>
+              <a:rPr lang="en-US" dirty="0"/>
+              <a:t> </a:t>
+            </a:r>
+            <a:r>
+              <a:rPr lang="en-US" dirty="0" err="1"/>
+              <a:t>aplikacije</a:t>
+            </a:r>
+            <a:endParaRPr lang="en-US" dirty="0"/>
+          </a:p>
+          <a:p>
+            <a:r>
+              <a:rPr lang="en-US" dirty="0" err="1"/>
+              <a:t>Vrste</a:t>
+            </a:r>
+            <a:r>
+              <a:rPr lang="en-US" dirty="0"/>
+              <a:t> </a:t>
+            </a:r>
+            <a:r>
+              <a:rPr lang="en-US" dirty="0" err="1"/>
+              <a:t>funkcionalnosti</a:t>
+            </a:r>
+            <a:r>
+              <a:rPr lang="en-US" dirty="0"/>
+              <a:t> </a:t>
+            </a:r>
+            <a:r>
+              <a:rPr lang="en-US" dirty="0" err="1"/>
+              <a:t>aplikacije</a:t>
+            </a:r>
+            <a:endParaRPr lang="en-US" dirty="0"/>
+          </a:p>
+          <a:p>
+            <a:r>
+              <a:rPr lang="en-US" dirty="0" err="1"/>
+              <a:t>Funkcionalnost</a:t>
+            </a:r>
+            <a:r>
+              <a:rPr lang="en-US" dirty="0"/>
+              <a:t> </a:t>
+            </a:r>
+            <a:r>
+              <a:rPr lang="en-US" dirty="0" err="1"/>
+              <a:t>vezana</a:t>
+            </a:r>
+            <a:r>
+              <a:rPr lang="en-US" dirty="0"/>
+              <a:t> </a:t>
+            </a:r>
+            <a:r>
+              <a:rPr lang="en-US" dirty="0" err="1"/>
+              <a:t>za</a:t>
+            </a:r>
+            <a:r>
+              <a:rPr lang="en-US" dirty="0"/>
+              <a:t> </a:t>
+            </a:r>
+            <a:r>
+              <a:rPr lang="en-US" dirty="0" err="1"/>
+              <a:t>skladišta</a:t>
+            </a:r>
+            <a:r>
+              <a:rPr lang="en-US" dirty="0"/>
+              <a:t> =&gt; </a:t>
+            </a:r>
+            <a:r>
+              <a:rPr lang="en-US" dirty="0" err="1"/>
+              <a:t>StorageService</a:t>
+            </a:r>
+            <a:endParaRPr lang="en-US" dirty="0"/>
+          </a:p>
+          <a:p>
+            <a:r>
+              <a:rPr lang="en-US" dirty="0" err="1"/>
+              <a:t>Funkcionalnost</a:t>
+            </a:r>
+            <a:r>
+              <a:rPr lang="en-US" dirty="0"/>
+              <a:t> </a:t>
+            </a:r>
+            <a:r>
+              <a:rPr lang="en-US" dirty="0" err="1"/>
+              <a:t>vezana</a:t>
+            </a:r>
+            <a:r>
+              <a:rPr lang="en-US" dirty="0"/>
+              <a:t> </a:t>
+            </a:r>
+            <a:r>
+              <a:rPr lang="en-US" dirty="0" err="1"/>
+              <a:t>za</a:t>
+            </a:r>
+            <a:r>
+              <a:rPr lang="en-US" dirty="0"/>
+              <a:t> </a:t>
+            </a:r>
+            <a:r>
+              <a:rPr lang="en-US" dirty="0" err="1"/>
+              <a:t>proizvode</a:t>
+            </a:r>
+            <a:r>
+              <a:rPr lang="en-US" dirty="0"/>
+              <a:t> =&gt; </a:t>
+            </a:r>
+            <a:r>
+              <a:rPr lang="en-US" dirty="0" err="1"/>
+              <a:t>ProductService</a:t>
+            </a:r>
+            <a:endParaRPr lang="en-US" dirty="0"/>
+          </a:p>
+          <a:p>
+            <a:r>
+              <a:rPr lang="en-US" dirty="0" err="1"/>
+              <a:t>Funkcionalnost</a:t>
+            </a:r>
+            <a:r>
+              <a:rPr lang="en-US" dirty="0"/>
+              <a:t> </a:t>
+            </a:r>
+            <a:r>
+              <a:rPr lang="en-US" dirty="0" err="1"/>
+              <a:t>vezana</a:t>
+            </a:r>
+            <a:r>
+              <a:rPr lang="en-US" dirty="0"/>
+              <a:t> </a:t>
+            </a:r>
+            <a:r>
+              <a:rPr lang="en-US" dirty="0" err="1"/>
+              <a:t>za</a:t>
+            </a:r>
+            <a:r>
+              <a:rPr lang="en-US" dirty="0"/>
+              <a:t> </a:t>
+            </a:r>
+            <a:r>
+              <a:rPr lang="en-US" dirty="0" err="1"/>
+              <a:t>stavke</a:t>
+            </a:r>
+            <a:r>
+              <a:rPr lang="en-US" dirty="0"/>
+              <a:t> </a:t>
+            </a:r>
+            <a:r>
+              <a:rPr lang="en-US" dirty="0" err="1"/>
+              <a:t>skladišta</a:t>
+            </a:r>
+            <a:r>
+              <a:rPr lang="en-US" dirty="0"/>
+              <a:t> =&gt; </a:t>
+            </a:r>
+            <a:r>
+              <a:rPr lang="en-US" dirty="0" err="1" smtClean="0"/>
+              <a:t>StorageItemService</a:t>
+            </a:r>
+            <a:endParaRPr lang="en-US" dirty="0" smtClean="0"/>
+          </a:p>
+          <a:p>
+            <a:r>
+              <a:rPr lang="en-US" dirty="0" err="1"/>
+              <a:t>Funkcionalnost</a:t>
+            </a:r>
+            <a:r>
+              <a:rPr lang="en-US" dirty="0"/>
+              <a:t> </a:t>
+            </a:r>
+            <a:r>
+              <a:rPr lang="en-US" dirty="0" err="1"/>
+              <a:t>vezana</a:t>
+            </a:r>
+            <a:r>
+              <a:rPr lang="en-US" dirty="0"/>
+              <a:t> </a:t>
+            </a:r>
+            <a:r>
+              <a:rPr lang="en-US" dirty="0" err="1"/>
+              <a:t>za</a:t>
+            </a:r>
+            <a:r>
+              <a:rPr lang="en-US" dirty="0"/>
+              <a:t> </a:t>
+            </a:r>
+            <a:r>
+              <a:rPr lang="en-US" dirty="0" err="1" smtClean="0"/>
+              <a:t>novčanu</a:t>
+            </a:r>
+            <a:r>
+              <a:rPr lang="en-US" dirty="0" smtClean="0"/>
+              <a:t> </a:t>
+            </a:r>
+            <a:r>
+              <a:rPr lang="en-US" dirty="0" err="1" smtClean="0"/>
+              <a:t>vrednost</a:t>
+            </a:r>
+            <a:r>
+              <a:rPr lang="en-US" dirty="0" smtClean="0"/>
+              <a:t> </a:t>
+            </a:r>
+            <a:r>
+              <a:rPr lang="en-US" dirty="0" err="1" smtClean="0"/>
+              <a:t>stavke</a:t>
+            </a:r>
+            <a:r>
+              <a:rPr lang="en-US" dirty="0" smtClean="0"/>
+              <a:t> </a:t>
+            </a:r>
+            <a:r>
+              <a:rPr lang="en-US" dirty="0" err="1"/>
+              <a:t>skladišta</a:t>
+            </a:r>
+            <a:r>
+              <a:rPr lang="en-US" dirty="0"/>
+              <a:t> =&gt; </a:t>
+            </a:r>
+            <a:r>
+              <a:rPr lang="en-US" dirty="0" err="1" smtClean="0"/>
+              <a:t>MoneyItemValueService</a:t>
+            </a:r>
+            <a:endParaRPr lang="en-US" dirty="0"/>
+          </a:p>
+          <a:p>
+            <a:endParaRPr lang="en-US" dirty="0"/>
+          </a:p>
+          <a:p>
+            <a:endParaRPr lang="en-US" dirty="0"/>
+          </a:p>
+          <a:p>
+            <a:endParaRPr lang="en-US" dirty="0"/>
+          </a:p>
+        </p:txBody>
+      </p:sp>
+    </p:spTree>
+    <p:extLst>
+      <p:ext uri="{BB962C8B-B14F-4D97-AF65-F5344CB8AC3E}">
+        <p14:creationId xmlns:p14="http://schemas.microsoft.com/office/powerpoint/2010/main" val="4211639939"/>
+      </p:ext>
+    </p:extLst>
+  </p:cSld>
+  <p:clrMapOvr>
+    <a:masterClrMapping/>
+  </p:clrMapOvr>
+  <mc:AlternateContent xmlns:mc="http://schemas.openxmlformats.org/markup-compatibility/2006" xmlns:p14="http://schemas.microsoft.com/office/powerpoint/2010/main">
+    <mc:Choice Requires="p14">
+      <p:transition spd="med" p14:dur="700">
+        <p:fade/>
+      </p:transition>
+    </mc:Choice>
+    <mc:Fallback xmlns="">
+      <p:transition spd="med">
+        <p:fade/>
+      </p:transition>
+    </mc:Fallback>
+  </mc:AlternateContent>
+  <p:timing>
+    <p:tnLst>
+      <p:par>
+        <p:cTn id="1" dur="indefinite" restart="never" nodeType="tmRoot">
+          <p:childTnLst>
+            <p:seq concurrent="1" nextAc="seek">
+              <p:cTn id="2" dur="indefinite" nodeType="mainSeq">
+                <p:childTnLst>
+                  <p:par>
+                    <p:cTn id="3" fill="hold">
+                      <p:stCondLst>
+                        <p:cond delay="indefinite"/>
+                      </p:stCondLst>
+                      <p:childTnLst>
+                        <p:par>
+                          <p:cTn id="4" fill="hold">
+                            <p:stCondLst>
+                              <p:cond delay="0"/>
+                            </p:stCondLst>
+                            <p:childTnLst>
+                              <p:par>
+                                <p:cTn id="5" presetID="22" presetClass="entr" presetSubtype="4" fill="hold" grpId="0" nodeType="clickEffect">
+                                  <p:stCondLst>
+                                    <p:cond delay="0"/>
+                                  </p:stCondLst>
+                                  <p:childTnLst>
+                                    <p:set>
+                                      <p:cBhvr>
+                                        <p:cTn id="6" dur="1" fill="hold">
+                                          <p:stCondLst>
+                                            <p:cond delay="0"/>
+                                          </p:stCondLst>
+                                        </p:cTn>
+                                        <p:tgtEl>
+                                          <p:spTgt spid="2"/>
+                                        </p:tgtEl>
+                                        <p:attrNameLst>
+                                          <p:attrName>style.visibility</p:attrName>
+                                        </p:attrNameLst>
+                                      </p:cBhvr>
+                                      <p:to>
+                                        <p:strVal val="visible"/>
+                                      </p:to>
+                                    </p:set>
+                                    <p:animEffect transition="in" filter="wipe(down)">
+                                      <p:cBhvr>
+                                        <p:cTn id="7" dur="500"/>
+                                        <p:tgtEl>
+                                          <p:spTgt spid="2"/>
+                                        </p:tgtEl>
+                                      </p:cBhvr>
+                                    </p:animEffect>
+                                  </p:childTnLst>
+                                </p:cTn>
+                              </p:par>
+                            </p:childTnLst>
+                          </p:cTn>
+                        </p:par>
+                      </p:childTnLst>
+                    </p:cTn>
+                  </p:par>
+                  <p:par>
+                    <p:cTn id="8" fill="hold">
+                      <p:stCondLst>
+                        <p:cond delay="indefinite"/>
+                      </p:stCondLst>
+                      <p:childTnLst>
+                        <p:par>
+                          <p:cTn id="9" fill="hold">
+                            <p:stCondLst>
+                              <p:cond delay="0"/>
+                            </p:stCondLst>
+                            <p:childTnLst>
+                              <p:par>
+                                <p:cTn id="10" presetID="22" presetClass="entr" presetSubtype="4" fill="hold" grpId="0" nodeType="clickEffect">
+                                  <p:stCondLst>
+                                    <p:cond delay="0"/>
+                                  </p:stCondLst>
+                                  <p:childTnLst>
+                                    <p:set>
+                                      <p:cBhvr>
+                                        <p:cTn id="11" dur="1" fill="hold">
+                                          <p:stCondLst>
+                                            <p:cond delay="0"/>
+                                          </p:stCondLst>
+                                        </p:cTn>
+                                        <p:tgtEl>
+                                          <p:spTgt spid="3">
+                                            <p:txEl>
+                                              <p:pRg st="0" end="0"/>
+                                            </p:txEl>
+                                          </p:spTgt>
+                                        </p:tgtEl>
+                                        <p:attrNameLst>
+                                          <p:attrName>style.visibility</p:attrName>
+                                        </p:attrNameLst>
+                                      </p:cBhvr>
+                                      <p:to>
+                                        <p:strVal val="visible"/>
+                                      </p:to>
+                                    </p:set>
+                                    <p:animEffect transition="in" filter="wipe(down)">
+                                      <p:cBhvr>
+                                        <p:cTn id="12" dur="500"/>
+                                        <p:tgtEl>
+                                          <p:spTgt spid="3">
+                                            <p:txEl>
+                                              <p:pRg st="0" end="0"/>
+                                            </p:txEl>
+                                          </p:spTgt>
+                                        </p:tgtEl>
+                                      </p:cBhvr>
+                                    </p:animEffect>
+                                  </p:childTnLst>
+                                </p:cTn>
+                              </p:par>
+                            </p:childTnLst>
+                          </p:cTn>
+                        </p:par>
+                      </p:childTnLst>
+                    </p:cTn>
+                  </p:par>
+                  <p:par>
+                    <p:cTn id="13" fill="hold">
+                      <p:stCondLst>
+                        <p:cond delay="indefinite"/>
+                      </p:stCondLst>
+                      <p:childTnLst>
+                        <p:par>
+                          <p:cTn id="14" fill="hold">
+                            <p:stCondLst>
+                              <p:cond delay="0"/>
+                            </p:stCondLst>
+                            <p:childTnLst>
+                              <p:par>
+                                <p:cTn id="15" presetID="22" presetClass="entr" presetSubtype="4" fill="hold" grpId="0" nodeType="clickEffect">
+                                  <p:stCondLst>
+                                    <p:cond delay="0"/>
+                                  </p:stCondLst>
+                                  <p:childTnLst>
+                                    <p:set>
+                                      <p:cBhvr>
+                                        <p:cTn id="16" dur="1" fill="hold">
+                                          <p:stCondLst>
+                                            <p:cond delay="0"/>
+                                          </p:stCondLst>
+                                        </p:cTn>
+                                        <p:tgtEl>
+                                          <p:spTgt spid="3">
+                                            <p:txEl>
+                                              <p:pRg st="1" end="1"/>
+                                            </p:txEl>
+                                          </p:spTgt>
+                                        </p:tgtEl>
+                                        <p:attrNameLst>
+                                          <p:attrName>style.visibility</p:attrName>
+                                        </p:attrNameLst>
+                                      </p:cBhvr>
+                                      <p:to>
+                                        <p:strVal val="visible"/>
+                                      </p:to>
+                                    </p:set>
+                                    <p:animEffect transition="in" filter="wipe(down)">
+                                      <p:cBhvr>
+                                        <p:cTn id="17" dur="500"/>
+                                        <p:tgtEl>
+                                          <p:spTgt spid="3">
+                                            <p:txEl>
+                                              <p:pRg st="1" end="1"/>
+                                            </p:txEl>
+                                          </p:spTgt>
+                                        </p:tgtEl>
+                                      </p:cBhvr>
+                                    </p:animEffect>
+                                  </p:childTnLst>
+                                </p:cTn>
+                              </p:par>
+                            </p:childTnLst>
+                          </p:cTn>
+                        </p:par>
+                      </p:childTnLst>
+                    </p:cTn>
+                  </p:par>
+                  <p:par>
+                    <p:cTn id="18" fill="hold">
+                      <p:stCondLst>
+                        <p:cond delay="indefinite"/>
+                      </p:stCondLst>
+                      <p:childTnLst>
+                        <p:par>
+                          <p:cTn id="19" fill="hold">
+                            <p:stCondLst>
+                              <p:cond delay="0"/>
+                            </p:stCondLst>
+                            <p:childTnLst>
+                              <p:par>
+                                <p:cTn id="20" presetID="22" presetClass="entr" presetSubtype="4" fill="hold" grpId="0" nodeType="clickEffect">
+                                  <p:stCondLst>
+                                    <p:cond delay="0"/>
+                                  </p:stCondLst>
+                                  <p:childTnLst>
+                                    <p:set>
+                                      <p:cBhvr>
+                                        <p:cTn id="21" dur="1" fill="hold">
+                                          <p:stCondLst>
+                                            <p:cond delay="0"/>
+                                          </p:stCondLst>
+                                        </p:cTn>
+                                        <p:tgtEl>
+                                          <p:spTgt spid="3">
+                                            <p:txEl>
+                                              <p:pRg st="2" end="2"/>
+                                            </p:txEl>
+                                          </p:spTgt>
+                                        </p:tgtEl>
+                                        <p:attrNameLst>
+                                          <p:attrName>style.visibility</p:attrName>
+                                        </p:attrNameLst>
+                                      </p:cBhvr>
+                                      <p:to>
+                                        <p:strVal val="visible"/>
+                                      </p:to>
+                                    </p:set>
+                                    <p:animEffect transition="in" filter="wipe(down)">
+                                      <p:cBhvr>
+                                        <p:cTn id="22" dur="500"/>
+                                        <p:tgtEl>
+                                          <p:spTgt spid="3">
+                                            <p:txEl>
+                                              <p:pRg st="2" end="2"/>
+                                            </p:txEl>
+                                          </p:spTgt>
+                                        </p:tgtEl>
+                                      </p:cBhvr>
+                                    </p:animEffect>
+                                  </p:childTnLst>
+                                </p:cTn>
+                              </p:par>
+                            </p:childTnLst>
+                          </p:cTn>
+                        </p:par>
+                      </p:childTnLst>
+                    </p:cTn>
+                  </p:par>
+                  <p:par>
+                    <p:cTn id="23" fill="hold">
+                      <p:stCondLst>
+                        <p:cond delay="indefinite"/>
+                      </p:stCondLst>
+                      <p:childTnLst>
+                        <p:par>
+                          <p:cTn id="24" fill="hold">
+                            <p:stCondLst>
+                              <p:cond delay="0"/>
+                            </p:stCondLst>
+                            <p:childTnLst>
+                              <p:par>
+                                <p:cTn id="25" presetID="22" presetClass="entr" presetSubtype="4" fill="hold" grpId="0" nodeType="clickEffect">
+                                  <p:stCondLst>
+                                    <p:cond delay="0"/>
+                                  </p:stCondLst>
+                                  <p:childTnLst>
+                                    <p:set>
+                                      <p:cBhvr>
+                                        <p:cTn id="26" dur="1" fill="hold">
+                                          <p:stCondLst>
+                                            <p:cond delay="0"/>
+                                          </p:stCondLst>
+                                        </p:cTn>
+                                        <p:tgtEl>
+                                          <p:spTgt spid="3">
+                                            <p:txEl>
+                                              <p:pRg st="3" end="3"/>
+                                            </p:txEl>
+                                          </p:spTgt>
+                                        </p:tgtEl>
+                                        <p:attrNameLst>
+                                          <p:attrName>style.visibility</p:attrName>
+                                        </p:attrNameLst>
+                                      </p:cBhvr>
+                                      <p:to>
+                                        <p:strVal val="visible"/>
+                                      </p:to>
+                                    </p:set>
+                                    <p:animEffect transition="in" filter="wipe(down)">
+                                      <p:cBhvr>
+                                        <p:cTn id="27" dur="500"/>
+                                        <p:tgtEl>
+                                          <p:spTgt spid="3">
+                                            <p:txEl>
+                                              <p:pRg st="3" end="3"/>
+                                            </p:txEl>
+                                          </p:spTgt>
+                                        </p:tgtEl>
+                                      </p:cBhvr>
+                                    </p:animEffect>
+                                  </p:childTnLst>
+                                </p:cTn>
+                              </p:par>
+                            </p:childTnLst>
+                          </p:cTn>
+                        </p:par>
+                      </p:childTnLst>
+                    </p:cTn>
+                  </p:par>
+                  <p:par>
+                    <p:cTn id="28" fill="hold">
+                      <p:stCondLst>
+                        <p:cond delay="indefinite"/>
+                      </p:stCondLst>
+                      <p:childTnLst>
+                        <p:par>
+                          <p:cTn id="29" fill="hold">
+                            <p:stCondLst>
+                              <p:cond delay="0"/>
+                            </p:stCondLst>
+                            <p:childTnLst>
+                              <p:par>
+                                <p:cTn id="30" presetID="22" presetClass="entr" presetSubtype="4" fill="hold" grpId="0" nodeType="clickEffect">
+                                  <p:stCondLst>
+                                    <p:cond delay="0"/>
+                                  </p:stCondLst>
+                                  <p:childTnLst>
+                                    <p:set>
+                                      <p:cBhvr>
+                                        <p:cTn id="31" dur="1" fill="hold">
+                                          <p:stCondLst>
+                                            <p:cond delay="0"/>
+                                          </p:stCondLst>
+                                        </p:cTn>
+                                        <p:tgtEl>
+                                          <p:spTgt spid="3">
+                                            <p:txEl>
+                                              <p:pRg st="4" end="4"/>
+                                            </p:txEl>
+                                          </p:spTgt>
+                                        </p:tgtEl>
+                                        <p:attrNameLst>
+                                          <p:attrName>style.visibility</p:attrName>
+                                        </p:attrNameLst>
+                                      </p:cBhvr>
+                                      <p:to>
+                                        <p:strVal val="visible"/>
+                                      </p:to>
+                                    </p:set>
+                                    <p:animEffect transition="in" filter="wipe(down)">
+                                      <p:cBhvr>
+                                        <p:cTn id="32" dur="500"/>
+                                        <p:tgtEl>
+                                          <p:spTgt spid="3">
+                                            <p:txEl>
+                                              <p:pRg st="4" end="4"/>
+                                            </p:txEl>
+                                          </p:spTgt>
+                                        </p:tgtEl>
+                                      </p:cBhvr>
+                                    </p:animEffect>
+                                  </p:childTnLst>
+                                </p:cTn>
+                              </p:par>
+                            </p:childTnLst>
+                          </p:cTn>
+                        </p:par>
+                      </p:childTnLst>
+                    </p:cTn>
+                  </p:par>
+                  <p:par>
+                    <p:cTn id="33" fill="hold">
+                      <p:stCondLst>
+                        <p:cond delay="indefinite"/>
+                      </p:stCondLst>
+                      <p:childTnLst>
+                        <p:par>
+                          <p:cTn id="34" fill="hold">
+                            <p:stCondLst>
+                              <p:cond delay="0"/>
+                            </p:stCondLst>
+                            <p:childTnLst>
+                              <p:par>
+                                <p:cTn id="35" presetID="22" presetClass="entr" presetSubtype="4" fill="hold" grpId="0" nodeType="clickEffect">
+                                  <p:stCondLst>
+                                    <p:cond delay="0"/>
+                                  </p:stCondLst>
+                                  <p:childTnLst>
+                                    <p:set>
+                                      <p:cBhvr>
+                                        <p:cTn id="36" dur="1" fill="hold">
+                                          <p:stCondLst>
+                                            <p:cond delay="0"/>
+                                          </p:stCondLst>
+                                        </p:cTn>
+                                        <p:tgtEl>
+                                          <p:spTgt spid="3">
+                                            <p:txEl>
+                                              <p:pRg st="5" end="5"/>
+                                            </p:txEl>
+                                          </p:spTgt>
+                                        </p:tgtEl>
+                                        <p:attrNameLst>
+                                          <p:attrName>style.visibility</p:attrName>
+                                        </p:attrNameLst>
+                                      </p:cBhvr>
+                                      <p:to>
+                                        <p:strVal val="visible"/>
+                                      </p:to>
+                                    </p:set>
+                                    <p:animEffect transition="in" filter="wipe(down)">
+                                      <p:cBhvr>
+                                        <p:cTn id="37" dur="500"/>
+                                        <p:tgtEl>
+                                          <p:spTgt spid="3">
+                                            <p:txEl>
+                                              <p:pRg st="5" end="5"/>
+                                            </p:txEl>
+                                          </p:spTgt>
+                                        </p:tgtEl>
+                                      </p:cBhvr>
+                                    </p:animEffect>
+                                  </p:childTnLst>
+                                </p:cTn>
+                              </p:par>
+                            </p:childTnLst>
+                          </p:cTn>
+                        </p:par>
+                      </p:childTnLst>
+                    </p:cTn>
+                  </p:par>
+                </p:childTnLst>
+              </p:cTn>
+              <p:prevCondLst>
+                <p:cond evt="onPrev" delay="0">
+                  <p:tgtEl>
+                    <p:sldTgt/>
+                  </p:tgtEl>
+                </p:cond>
+              </p:prevCondLst>
+              <p:nextCondLst>
+                <p:cond evt="onNext" delay="0">
+                  <p:tgtEl>
+                    <p:sldTgt/>
+                  </p:tgtEl>
+                </p:cond>
+              </p:nextCondLst>
+            </p:seq>
+          </p:childTnLst>
+        </p:cTn>
+      </p:par>
+    </p:tnLst>
+    <p:bldLst>
+      <p:bldP spid="2" grpId="0"/>
+      <p:bldP spid="3" grpId="0" build="p"/>
+    </p:bldLst>
+  </p:timing>
+</p:sld>
+</file>
+
+<file path=ppt/slides/slide21.xml><?xml version="1.0" encoding="utf-8"?>
+<p:sld xmlns:a="http://schemas.openxmlformats.org/drawingml/2006/main" xmlns:r="http://schemas.openxmlformats.org/officeDocument/2006/relationships" xmlns:p="http://schemas.openxmlformats.org/presentationml/2006/main">
+  <p:cSld>
+    <p:spTree>
+      <p:nvGrpSpPr>
+        <p:cNvPr id="1" name=""/>
+        <p:cNvGrpSpPr/>
+        <p:nvPr/>
+      </p:nvGrpSpPr>
+      <p:grpSpPr>
+        <a:xfrm>
+          <a:off x="0" y="0"/>
+          <a:ext cx="0" cy="0"/>
+          <a:chOff x="0" y="0"/>
+          <a:chExt cx="0" cy="0"/>
+        </a:xfrm>
+      </p:grpSpPr>
+      <p:sp>
+        <p:nvSpPr>
+          <p:cNvPr id="2" name="Title 1"/>
+          <p:cNvSpPr>
+            <a:spLocks noGrp="1"/>
+          </p:cNvSpPr>
+          <p:nvPr>
+            <p:ph type="title"/>
+          </p:nvPr>
+        </p:nvSpPr>
+        <p:spPr/>
+        <p:txBody>
+          <a:bodyPr/>
+          <a:lstStyle/>
+          <a:p>
+            <a:r>
               <a:rPr lang="en-US" dirty="0" err="1" smtClean="0"/>
               <a:t>Servisi</a:t>
             </a:r>
@@ -8995,7 +9683,7 @@
 </p:sld>
 </file>
 
-<file path=ppt/slides/slide21.xml><?xml version="1.0" encoding="utf-8"?>
+<file path=ppt/slides/slide22.xml><?xml version="1.0" encoding="utf-8"?>
 <p:sld xmlns:a="http://schemas.openxmlformats.org/drawingml/2006/main" xmlns:r="http://schemas.openxmlformats.org/officeDocument/2006/relationships" xmlns:p="http://schemas.openxmlformats.org/presentationml/2006/main">
   <p:cSld>
     <p:spTree>
@@ -9148,7 +9836,7 @@
 </p:sld>
 </file>
 
-<file path=ppt/slides/slide22.xml><?xml version="1.0" encoding="utf-8"?>
+<file path=ppt/slides/slide23.xml><?xml version="1.0" encoding="utf-8"?>
 <p:sld xmlns:a="http://schemas.openxmlformats.org/drawingml/2006/main" xmlns:r="http://schemas.openxmlformats.org/officeDocument/2006/relationships" xmlns:p="http://schemas.openxmlformats.org/presentationml/2006/main">
   <p:cSld>
     <p:spTree>
@@ -9285,7 +9973,7 @@
 </p:sld>
 </file>
 
-<file path=ppt/slides/slide23.xml><?xml version="1.0" encoding="utf-8"?>
+<file path=ppt/slides/slide24.xml><?xml version="1.0" encoding="utf-8"?>
 <p:sld xmlns:a="http://schemas.openxmlformats.org/drawingml/2006/main" xmlns:r="http://schemas.openxmlformats.org/officeDocument/2006/relationships" xmlns:p="http://schemas.openxmlformats.org/presentationml/2006/main">
   <p:cSld>
     <p:spTree>
@@ -9438,7 +10126,7 @@
 </p:sld>
 </file>
 
-<file path=ppt/slides/slide24.xml><?xml version="1.0" encoding="utf-8"?>
+<file path=ppt/slides/slide25.xml><?xml version="1.0" encoding="utf-8"?>
 <p:sld xmlns:a="http://schemas.openxmlformats.org/drawingml/2006/main" xmlns:r="http://schemas.openxmlformats.org/officeDocument/2006/relationships" xmlns:p="http://schemas.openxmlformats.org/presentationml/2006/main">
   <p:cSld>
     <p:spTree>
@@ -9583,7 +10271,7 @@
 </p:sld>
 </file>
 
-<file path=ppt/slides/slide25.xml><?xml version="1.0" encoding="utf-8"?>
+<file path=ppt/slides/slide26.xml><?xml version="1.0" encoding="utf-8"?>
 <p:sld xmlns:a="http://schemas.openxmlformats.org/drawingml/2006/main" xmlns:r="http://schemas.openxmlformats.org/officeDocument/2006/relationships" xmlns:p="http://schemas.openxmlformats.org/presentationml/2006/main">
   <p:cSld>
     <p:spTree>
@@ -10094,7 +10782,7 @@
 </p:sld>
 </file>
 
-<file path=ppt/slides/slide26.xml><?xml version="1.0" encoding="utf-8"?>
+<file path=ppt/slides/slide27.xml><?xml version="1.0" encoding="utf-8"?>
 <p:sld xmlns:a="http://schemas.openxmlformats.org/drawingml/2006/main" xmlns:r="http://schemas.openxmlformats.org/officeDocument/2006/relationships" xmlns:p="http://schemas.openxmlformats.org/presentationml/2006/main">
   <p:cSld>
     <p:spTree>
@@ -10646,7 +11334,7 @@
 </p:sld>
 </file>
 
-<file path=ppt/slides/slide27.xml><?xml version="1.0" encoding="utf-8"?>
+<file path=ppt/slides/slide28.xml><?xml version="1.0" encoding="utf-8"?>
 <p:sld xmlns:a="http://schemas.openxmlformats.org/drawingml/2006/main" xmlns:r="http://schemas.openxmlformats.org/officeDocument/2006/relationships" xmlns:p="http://schemas.openxmlformats.org/presentationml/2006/main">
   <p:cSld>
     <p:spTree>
@@ -10799,7 +11487,7 @@
 </p:sld>
 </file>
 
-<file path=ppt/slides/slide28.xml><?xml version="1.0" encoding="utf-8"?>
+<file path=ppt/slides/slide29.xml><?xml version="1.0" encoding="utf-8"?>
 <p:sld xmlns:a="http://schemas.openxmlformats.org/drawingml/2006/main" xmlns:r="http://schemas.openxmlformats.org/officeDocument/2006/relationships" xmlns:p="http://schemas.openxmlformats.org/presentationml/2006/main">
   <p:cSld>
     <p:spTree>
@@ -10932,7 +11620,877 @@
 </p:sld>
 </file>
 
-<file path=ppt/slides/slide29.xml><?xml version="1.0" encoding="utf-8"?>
+<file path=ppt/slides/slide3.xml><?xml version="1.0" encoding="utf-8"?>
+<p:sld xmlns:a="http://schemas.openxmlformats.org/drawingml/2006/main" xmlns:r="http://schemas.openxmlformats.org/officeDocument/2006/relationships" xmlns:p="http://schemas.openxmlformats.org/presentationml/2006/main">
+  <p:cSld>
+    <p:spTree>
+      <p:nvGrpSpPr>
+        <p:cNvPr id="1" name=""/>
+        <p:cNvGrpSpPr/>
+        <p:nvPr/>
+      </p:nvGrpSpPr>
+      <p:grpSpPr>
+        <a:xfrm>
+          <a:off x="0" y="0"/>
+          <a:ext cx="0" cy="0"/>
+          <a:chOff x="0" y="0"/>
+          <a:chExt cx="0" cy="0"/>
+        </a:xfrm>
+      </p:grpSpPr>
+      <p:sp>
+        <p:nvSpPr>
+          <p:cNvPr id="2" name="Title 1"/>
+          <p:cNvSpPr>
+            <a:spLocks noGrp="1"/>
+          </p:cNvSpPr>
+          <p:nvPr>
+            <p:ph type="title"/>
+          </p:nvPr>
+        </p:nvSpPr>
+        <p:spPr/>
+        <p:txBody>
+          <a:bodyPr/>
+          <a:lstStyle/>
+          <a:p>
+            <a:r>
+              <a:rPr lang="en-US" dirty="0" err="1"/>
+              <a:t>Koje</a:t>
+            </a:r>
+            <a:r>
+              <a:rPr lang="en-US" dirty="0"/>
+              <a:t> </a:t>
+            </a:r>
+            <a:r>
+              <a:rPr lang="en-US" dirty="0" err="1"/>
+              <a:t>su</a:t>
+            </a:r>
+            <a:r>
+              <a:rPr lang="en-US" dirty="0"/>
+              <a:t> </a:t>
+            </a:r>
+            <a:r>
+              <a:rPr lang="en-US" dirty="0" err="1"/>
+              <a:t>funkcionalnosti</a:t>
+            </a:r>
+            <a:r>
+              <a:rPr lang="en-US" dirty="0"/>
+              <a:t> </a:t>
+            </a:r>
+            <a:r>
+              <a:rPr lang="en-US" dirty="0" err="1"/>
+              <a:t>aplikacije</a:t>
+            </a:r>
+            <a:r>
+              <a:rPr lang="en-US" dirty="0"/>
+              <a:t>?</a:t>
+            </a:r>
+          </a:p>
+        </p:txBody>
+      </p:sp>
+      <p:sp>
+        <p:nvSpPr>
+          <p:cNvPr id="3" name="Content Placeholder 2"/>
+          <p:cNvSpPr>
+            <a:spLocks noGrp="1"/>
+          </p:cNvSpPr>
+          <p:nvPr>
+            <p:ph idx="1"/>
+          </p:nvPr>
+        </p:nvSpPr>
+        <p:spPr/>
+        <p:txBody>
+          <a:bodyPr/>
+          <a:lstStyle/>
+          <a:p>
+            <a:r>
+              <a:rPr lang="en-US" dirty="0" err="1"/>
+              <a:t>Ubacivanje</a:t>
+            </a:r>
+            <a:r>
+              <a:rPr lang="en-US" dirty="0"/>
+              <a:t> </a:t>
+            </a:r>
+            <a:r>
+              <a:rPr lang="en-US" dirty="0" err="1"/>
+              <a:t>novog</a:t>
+            </a:r>
+            <a:r>
+              <a:rPr lang="en-US" dirty="0"/>
+              <a:t> </a:t>
+            </a:r>
+            <a:r>
+              <a:rPr lang="en-US" dirty="0" err="1"/>
+              <a:t>skladišta</a:t>
+            </a:r>
+            <a:r>
+              <a:rPr lang="en-US" dirty="0"/>
+              <a:t> u </a:t>
+            </a:r>
+            <a:r>
+              <a:rPr lang="en-US" dirty="0" err="1"/>
+              <a:t>aplikaciju</a:t>
+            </a:r>
+            <a:endParaRPr lang="en-US" dirty="0"/>
+          </a:p>
+          <a:p>
+            <a:r>
+              <a:rPr lang="en-US" dirty="0" err="1"/>
+              <a:t>Prikazivanje</a:t>
+            </a:r>
+            <a:r>
+              <a:rPr lang="en-US" dirty="0"/>
+              <a:t> </a:t>
+            </a:r>
+            <a:r>
+              <a:rPr lang="en-US" dirty="0" err="1"/>
+              <a:t>informacija</a:t>
+            </a:r>
+            <a:r>
+              <a:rPr lang="en-US" dirty="0"/>
+              <a:t> o </a:t>
+            </a:r>
+            <a:r>
+              <a:rPr lang="en-US" dirty="0" err="1"/>
+              <a:t>svim</a:t>
+            </a:r>
+            <a:r>
+              <a:rPr lang="en-US" dirty="0"/>
+              <a:t> </a:t>
+            </a:r>
+            <a:r>
+              <a:rPr lang="en-US" dirty="0" err="1"/>
+              <a:t>skladištima</a:t>
+            </a:r>
+            <a:r>
+              <a:rPr lang="en-US" dirty="0"/>
+              <a:t> </a:t>
+            </a:r>
+            <a:r>
+              <a:rPr lang="en-US" dirty="0" err="1"/>
+              <a:t>koja</a:t>
+            </a:r>
+            <a:r>
+              <a:rPr lang="en-US" dirty="0"/>
+              <a:t> </a:t>
+            </a:r>
+            <a:r>
+              <a:rPr lang="en-US" dirty="0" err="1"/>
+              <a:t>postoje</a:t>
+            </a:r>
+            <a:r>
+              <a:rPr lang="en-US" dirty="0"/>
+              <a:t> u </a:t>
+            </a:r>
+            <a:r>
+              <a:rPr lang="en-US" dirty="0" err="1"/>
+              <a:t>sistemu</a:t>
+            </a:r>
+            <a:endParaRPr lang="en-US" dirty="0"/>
+          </a:p>
+          <a:p>
+            <a:r>
+              <a:rPr lang="en-US" dirty="0" err="1"/>
+              <a:t>Ulazak</a:t>
+            </a:r>
+            <a:r>
+              <a:rPr lang="en-US" dirty="0"/>
+              <a:t> u </a:t>
+            </a:r>
+            <a:r>
+              <a:rPr lang="en-US" dirty="0" err="1"/>
+              <a:t>skladište</a:t>
+            </a:r>
+            <a:endParaRPr lang="en-US" dirty="0"/>
+          </a:p>
+          <a:p>
+            <a:r>
+              <a:rPr lang="en-US" dirty="0" err="1"/>
+              <a:t>Ubacivanje</a:t>
+            </a:r>
+            <a:r>
+              <a:rPr lang="en-US" dirty="0"/>
+              <a:t> </a:t>
+            </a:r>
+            <a:r>
+              <a:rPr lang="en-US" dirty="0" err="1"/>
+              <a:t>novog</a:t>
+            </a:r>
+            <a:r>
+              <a:rPr lang="en-US" dirty="0"/>
+              <a:t> </a:t>
+            </a:r>
+            <a:r>
+              <a:rPr lang="en-US" dirty="0" err="1"/>
+              <a:t>proizvoda</a:t>
+            </a:r>
+            <a:r>
+              <a:rPr lang="en-US" dirty="0"/>
+              <a:t> I </a:t>
+            </a:r>
+            <a:r>
+              <a:rPr lang="en-US" dirty="0" err="1"/>
+              <a:t>njegove</a:t>
+            </a:r>
+            <a:r>
+              <a:rPr lang="en-US" dirty="0"/>
+              <a:t> </a:t>
+            </a:r>
+            <a:r>
+              <a:rPr lang="en-US" dirty="0" err="1"/>
+              <a:t>količine</a:t>
+            </a:r>
+            <a:r>
+              <a:rPr lang="en-US" dirty="0"/>
+              <a:t> u </a:t>
+            </a:r>
+            <a:r>
+              <a:rPr lang="en-US" dirty="0" err="1"/>
+              <a:t>skladište</a:t>
+            </a:r>
+            <a:endParaRPr lang="en-US" dirty="0"/>
+          </a:p>
+          <a:p>
+            <a:r>
+              <a:rPr lang="en-US" dirty="0" err="1"/>
+              <a:t>Čitanje</a:t>
+            </a:r>
+            <a:r>
+              <a:rPr lang="en-US" dirty="0"/>
+              <a:t> </a:t>
+            </a:r>
+            <a:r>
+              <a:rPr lang="en-US" dirty="0" err="1"/>
+              <a:t>informacije</a:t>
+            </a:r>
+            <a:r>
+              <a:rPr lang="en-US" dirty="0"/>
+              <a:t> o </a:t>
+            </a:r>
+            <a:r>
+              <a:rPr lang="en-US" dirty="0" err="1"/>
+              <a:t>postojećem</a:t>
+            </a:r>
+            <a:r>
+              <a:rPr lang="en-US" dirty="0"/>
+              <a:t> </a:t>
+            </a:r>
+            <a:r>
+              <a:rPr lang="en-US" dirty="0" err="1"/>
+              <a:t>proizvodu</a:t>
+            </a:r>
+            <a:r>
+              <a:rPr lang="en-US" dirty="0"/>
+              <a:t> I </a:t>
+            </a:r>
+            <a:r>
+              <a:rPr lang="en-US" dirty="0" err="1"/>
+              <a:t>količini</a:t>
+            </a:r>
+            <a:r>
+              <a:rPr lang="en-US" dirty="0"/>
+              <a:t> </a:t>
+            </a:r>
+            <a:r>
+              <a:rPr lang="en-US" dirty="0" err="1"/>
+              <a:t>koja</a:t>
+            </a:r>
+            <a:r>
+              <a:rPr lang="en-US" dirty="0"/>
+              <a:t> se </a:t>
+            </a:r>
+            <a:r>
+              <a:rPr lang="en-US" dirty="0" err="1"/>
+              <a:t>nalazi</a:t>
+            </a:r>
+            <a:r>
+              <a:rPr lang="en-US" dirty="0"/>
+              <a:t> u </a:t>
+            </a:r>
+            <a:r>
+              <a:rPr lang="en-US" dirty="0" err="1"/>
+              <a:t>skladištu</a:t>
+            </a:r>
+            <a:r>
+              <a:rPr lang="en-US" dirty="0"/>
+              <a:t> u </a:t>
+            </a:r>
+            <a:r>
+              <a:rPr lang="en-US" dirty="0" err="1"/>
+              <a:t>kome</a:t>
+            </a:r>
+            <a:r>
+              <a:rPr lang="en-US" dirty="0"/>
+              <a:t> se </a:t>
+            </a:r>
+            <a:r>
+              <a:rPr lang="en-US" dirty="0" err="1"/>
+              <a:t>nalazimo</a:t>
+            </a:r>
+            <a:endParaRPr lang="en-US" dirty="0"/>
+          </a:p>
+          <a:p>
+            <a:r>
+              <a:rPr lang="en-US" dirty="0" err="1"/>
+              <a:t>Ažuriranje</a:t>
+            </a:r>
+            <a:r>
+              <a:rPr lang="en-US" dirty="0"/>
+              <a:t> </a:t>
+            </a:r>
+            <a:r>
+              <a:rPr lang="en-US" dirty="0" err="1"/>
+              <a:t>informacija</a:t>
+            </a:r>
+            <a:r>
+              <a:rPr lang="en-US" dirty="0"/>
+              <a:t> o </a:t>
+            </a:r>
+            <a:r>
+              <a:rPr lang="en-US" dirty="0" err="1"/>
+              <a:t>postojećem</a:t>
+            </a:r>
+            <a:r>
+              <a:rPr lang="en-US" dirty="0"/>
+              <a:t> </a:t>
+            </a:r>
+            <a:r>
+              <a:rPr lang="en-US" dirty="0" err="1"/>
+              <a:t>proizvodu</a:t>
+            </a:r>
+            <a:r>
+              <a:rPr lang="en-US" dirty="0"/>
+              <a:t> I </a:t>
+            </a:r>
+            <a:r>
+              <a:rPr lang="en-US" dirty="0" err="1"/>
+              <a:t>njegovoj</a:t>
+            </a:r>
+            <a:r>
+              <a:rPr lang="en-US" dirty="0"/>
+              <a:t> </a:t>
+            </a:r>
+            <a:r>
+              <a:rPr lang="en-US" dirty="0" err="1"/>
+              <a:t>količini</a:t>
+            </a:r>
+            <a:r>
+              <a:rPr lang="en-US" dirty="0"/>
+              <a:t> </a:t>
+            </a:r>
+            <a:r>
+              <a:rPr lang="en-US" dirty="0" err="1"/>
+              <a:t>za</a:t>
+            </a:r>
+            <a:r>
+              <a:rPr lang="en-US" dirty="0"/>
+              <a:t> </a:t>
+            </a:r>
+            <a:r>
+              <a:rPr lang="en-US" dirty="0" err="1"/>
+              <a:t>skladište</a:t>
+            </a:r>
+            <a:r>
+              <a:rPr lang="en-US" dirty="0"/>
+              <a:t> u </a:t>
+            </a:r>
+            <a:r>
+              <a:rPr lang="en-US" dirty="0" err="1"/>
+              <a:t>kome</a:t>
+            </a:r>
+            <a:r>
+              <a:rPr lang="en-US" dirty="0"/>
+              <a:t> se </a:t>
+            </a:r>
+            <a:r>
+              <a:rPr lang="en-US" dirty="0" err="1"/>
+              <a:t>nalazimo</a:t>
+            </a:r>
+            <a:endParaRPr lang="en-US" dirty="0"/>
+          </a:p>
+          <a:p>
+            <a:endParaRPr lang="en-US" dirty="0"/>
+          </a:p>
+        </p:txBody>
+      </p:sp>
+    </p:spTree>
+    <p:extLst>
+      <p:ext uri="{BB962C8B-B14F-4D97-AF65-F5344CB8AC3E}">
+        <p14:creationId xmlns:p14="http://schemas.microsoft.com/office/powerpoint/2010/main" val="4238213192"/>
+      </p:ext>
+    </p:extLst>
+  </p:cSld>
+  <p:clrMapOvr>
+    <a:masterClrMapping/>
+  </p:clrMapOvr>
+  <mc:AlternateContent xmlns:mc="http://schemas.openxmlformats.org/markup-compatibility/2006" xmlns:p14="http://schemas.microsoft.com/office/powerpoint/2010/main">
+    <mc:Choice Requires="p14">
+      <p:transition spd="med" p14:dur="700">
+        <p:fade/>
+      </p:transition>
+    </mc:Choice>
+    <mc:Fallback xmlns="">
+      <p:transition spd="med">
+        <p:fade/>
+      </p:transition>
+    </mc:Fallback>
+  </mc:AlternateContent>
+  <p:timing>
+    <p:tnLst>
+      <p:par>
+        <p:cTn id="1" dur="indefinite" restart="never" nodeType="tmRoot">
+          <p:childTnLst>
+            <p:seq concurrent="1" nextAc="seek">
+              <p:cTn id="2" dur="indefinite" nodeType="mainSeq">
+                <p:childTnLst>
+                  <p:par>
+                    <p:cTn id="3" fill="hold">
+                      <p:stCondLst>
+                        <p:cond delay="indefinite"/>
+                      </p:stCondLst>
+                      <p:childTnLst>
+                        <p:par>
+                          <p:cTn id="4" fill="hold">
+                            <p:stCondLst>
+                              <p:cond delay="0"/>
+                            </p:stCondLst>
+                            <p:childTnLst>
+                              <p:par>
+                                <p:cTn id="5" presetID="22" presetClass="entr" presetSubtype="4" fill="hold" grpId="0" nodeType="clickEffect">
+                                  <p:stCondLst>
+                                    <p:cond delay="0"/>
+                                  </p:stCondLst>
+                                  <p:childTnLst>
+                                    <p:set>
+                                      <p:cBhvr>
+                                        <p:cTn id="6" dur="1" fill="hold">
+                                          <p:stCondLst>
+                                            <p:cond delay="0"/>
+                                          </p:stCondLst>
+                                        </p:cTn>
+                                        <p:tgtEl>
+                                          <p:spTgt spid="2"/>
+                                        </p:tgtEl>
+                                        <p:attrNameLst>
+                                          <p:attrName>style.visibility</p:attrName>
+                                        </p:attrNameLst>
+                                      </p:cBhvr>
+                                      <p:to>
+                                        <p:strVal val="visible"/>
+                                      </p:to>
+                                    </p:set>
+                                    <p:animEffect transition="in" filter="wipe(down)">
+                                      <p:cBhvr>
+                                        <p:cTn id="7" dur="500"/>
+                                        <p:tgtEl>
+                                          <p:spTgt spid="2"/>
+                                        </p:tgtEl>
+                                      </p:cBhvr>
+                                    </p:animEffect>
+                                  </p:childTnLst>
+                                </p:cTn>
+                              </p:par>
+                            </p:childTnLst>
+                          </p:cTn>
+                        </p:par>
+                      </p:childTnLst>
+                    </p:cTn>
+                  </p:par>
+                  <p:par>
+                    <p:cTn id="8" fill="hold">
+                      <p:stCondLst>
+                        <p:cond delay="indefinite"/>
+                      </p:stCondLst>
+                      <p:childTnLst>
+                        <p:par>
+                          <p:cTn id="9" fill="hold">
+                            <p:stCondLst>
+                              <p:cond delay="0"/>
+                            </p:stCondLst>
+                            <p:childTnLst>
+                              <p:par>
+                                <p:cTn id="10" presetID="22" presetClass="entr" presetSubtype="4" fill="hold" grpId="0" nodeType="clickEffect">
+                                  <p:stCondLst>
+                                    <p:cond delay="0"/>
+                                  </p:stCondLst>
+                                  <p:childTnLst>
+                                    <p:set>
+                                      <p:cBhvr>
+                                        <p:cTn id="11" dur="1" fill="hold">
+                                          <p:stCondLst>
+                                            <p:cond delay="0"/>
+                                          </p:stCondLst>
+                                        </p:cTn>
+                                        <p:tgtEl>
+                                          <p:spTgt spid="3">
+                                            <p:txEl>
+                                              <p:pRg st="0" end="0"/>
+                                            </p:txEl>
+                                          </p:spTgt>
+                                        </p:tgtEl>
+                                        <p:attrNameLst>
+                                          <p:attrName>style.visibility</p:attrName>
+                                        </p:attrNameLst>
+                                      </p:cBhvr>
+                                      <p:to>
+                                        <p:strVal val="visible"/>
+                                      </p:to>
+                                    </p:set>
+                                    <p:animEffect transition="in" filter="wipe(down)">
+                                      <p:cBhvr>
+                                        <p:cTn id="12" dur="500"/>
+                                        <p:tgtEl>
+                                          <p:spTgt spid="3">
+                                            <p:txEl>
+                                              <p:pRg st="0" end="0"/>
+                                            </p:txEl>
+                                          </p:spTgt>
+                                        </p:tgtEl>
+                                      </p:cBhvr>
+                                    </p:animEffect>
+                                  </p:childTnLst>
+                                </p:cTn>
+                              </p:par>
+                            </p:childTnLst>
+                          </p:cTn>
+                        </p:par>
+                      </p:childTnLst>
+                    </p:cTn>
+                  </p:par>
+                  <p:par>
+                    <p:cTn id="13" fill="hold">
+                      <p:stCondLst>
+                        <p:cond delay="indefinite"/>
+                      </p:stCondLst>
+                      <p:childTnLst>
+                        <p:par>
+                          <p:cTn id="14" fill="hold">
+                            <p:stCondLst>
+                              <p:cond delay="0"/>
+                            </p:stCondLst>
+                            <p:childTnLst>
+                              <p:par>
+                                <p:cTn id="15" presetID="22" presetClass="entr" presetSubtype="4" fill="hold" grpId="0" nodeType="clickEffect">
+                                  <p:stCondLst>
+                                    <p:cond delay="0"/>
+                                  </p:stCondLst>
+                                  <p:childTnLst>
+                                    <p:set>
+                                      <p:cBhvr>
+                                        <p:cTn id="16" dur="1" fill="hold">
+                                          <p:stCondLst>
+                                            <p:cond delay="0"/>
+                                          </p:stCondLst>
+                                        </p:cTn>
+                                        <p:tgtEl>
+                                          <p:spTgt spid="3">
+                                            <p:txEl>
+                                              <p:pRg st="1" end="1"/>
+                                            </p:txEl>
+                                          </p:spTgt>
+                                        </p:tgtEl>
+                                        <p:attrNameLst>
+                                          <p:attrName>style.visibility</p:attrName>
+                                        </p:attrNameLst>
+                                      </p:cBhvr>
+                                      <p:to>
+                                        <p:strVal val="visible"/>
+                                      </p:to>
+                                    </p:set>
+                                    <p:animEffect transition="in" filter="wipe(down)">
+                                      <p:cBhvr>
+                                        <p:cTn id="17" dur="500"/>
+                                        <p:tgtEl>
+                                          <p:spTgt spid="3">
+                                            <p:txEl>
+                                              <p:pRg st="1" end="1"/>
+                                            </p:txEl>
+                                          </p:spTgt>
+                                        </p:tgtEl>
+                                      </p:cBhvr>
+                                    </p:animEffect>
+                                  </p:childTnLst>
+                                </p:cTn>
+                              </p:par>
+                            </p:childTnLst>
+                          </p:cTn>
+                        </p:par>
+                      </p:childTnLst>
+                    </p:cTn>
+                  </p:par>
+                  <p:par>
+                    <p:cTn id="18" fill="hold">
+                      <p:stCondLst>
+                        <p:cond delay="indefinite"/>
+                      </p:stCondLst>
+                      <p:childTnLst>
+                        <p:par>
+                          <p:cTn id="19" fill="hold">
+                            <p:stCondLst>
+                              <p:cond delay="0"/>
+                            </p:stCondLst>
+                            <p:childTnLst>
+                              <p:par>
+                                <p:cTn id="20" presetID="22" presetClass="entr" presetSubtype="4" fill="hold" grpId="0" nodeType="clickEffect">
+                                  <p:stCondLst>
+                                    <p:cond delay="0"/>
+                                  </p:stCondLst>
+                                  <p:childTnLst>
+                                    <p:set>
+                                      <p:cBhvr>
+                                        <p:cTn id="21" dur="1" fill="hold">
+                                          <p:stCondLst>
+                                            <p:cond delay="0"/>
+                                          </p:stCondLst>
+                                        </p:cTn>
+                                        <p:tgtEl>
+                                          <p:spTgt spid="3">
+                                            <p:txEl>
+                                              <p:pRg st="2" end="2"/>
+                                            </p:txEl>
+                                          </p:spTgt>
+                                        </p:tgtEl>
+                                        <p:attrNameLst>
+                                          <p:attrName>style.visibility</p:attrName>
+                                        </p:attrNameLst>
+                                      </p:cBhvr>
+                                      <p:to>
+                                        <p:strVal val="visible"/>
+                                      </p:to>
+                                    </p:set>
+                                    <p:animEffect transition="in" filter="wipe(down)">
+                                      <p:cBhvr>
+                                        <p:cTn id="22" dur="500"/>
+                                        <p:tgtEl>
+                                          <p:spTgt spid="3">
+                                            <p:txEl>
+                                              <p:pRg st="2" end="2"/>
+                                            </p:txEl>
+                                          </p:spTgt>
+                                        </p:tgtEl>
+                                      </p:cBhvr>
+                                    </p:animEffect>
+                                  </p:childTnLst>
+                                </p:cTn>
+                              </p:par>
+                            </p:childTnLst>
+                          </p:cTn>
+                        </p:par>
+                      </p:childTnLst>
+                    </p:cTn>
+                  </p:par>
+                  <p:par>
+                    <p:cTn id="23" fill="hold">
+                      <p:stCondLst>
+                        <p:cond delay="indefinite"/>
+                      </p:stCondLst>
+                      <p:childTnLst>
+                        <p:par>
+                          <p:cTn id="24" fill="hold">
+                            <p:stCondLst>
+                              <p:cond delay="0"/>
+                            </p:stCondLst>
+                            <p:childTnLst>
+                              <p:par>
+                                <p:cTn id="25" presetID="22" presetClass="entr" presetSubtype="4" fill="hold" grpId="0" nodeType="clickEffect">
+                                  <p:stCondLst>
+                                    <p:cond delay="0"/>
+                                  </p:stCondLst>
+                                  <p:childTnLst>
+                                    <p:set>
+                                      <p:cBhvr>
+                                        <p:cTn id="26" dur="1" fill="hold">
+                                          <p:stCondLst>
+                                            <p:cond delay="0"/>
+                                          </p:stCondLst>
+                                        </p:cTn>
+                                        <p:tgtEl>
+                                          <p:spTgt spid="3">
+                                            <p:txEl>
+                                              <p:pRg st="3" end="3"/>
+                                            </p:txEl>
+                                          </p:spTgt>
+                                        </p:tgtEl>
+                                        <p:attrNameLst>
+                                          <p:attrName>style.visibility</p:attrName>
+                                        </p:attrNameLst>
+                                      </p:cBhvr>
+                                      <p:to>
+                                        <p:strVal val="visible"/>
+                                      </p:to>
+                                    </p:set>
+                                    <p:animEffect transition="in" filter="wipe(down)">
+                                      <p:cBhvr>
+                                        <p:cTn id="27" dur="500"/>
+                                        <p:tgtEl>
+                                          <p:spTgt spid="3">
+                                            <p:txEl>
+                                              <p:pRg st="3" end="3"/>
+                                            </p:txEl>
+                                          </p:spTgt>
+                                        </p:tgtEl>
+                                      </p:cBhvr>
+                                    </p:animEffect>
+                                  </p:childTnLst>
+                                </p:cTn>
+                              </p:par>
+                            </p:childTnLst>
+                          </p:cTn>
+                        </p:par>
+                      </p:childTnLst>
+                    </p:cTn>
+                  </p:par>
+                  <p:par>
+                    <p:cTn id="28" fill="hold">
+                      <p:stCondLst>
+                        <p:cond delay="indefinite"/>
+                      </p:stCondLst>
+                      <p:childTnLst>
+                        <p:par>
+                          <p:cTn id="29" fill="hold">
+                            <p:stCondLst>
+                              <p:cond delay="0"/>
+                            </p:stCondLst>
+                            <p:childTnLst>
+                              <p:par>
+                                <p:cTn id="30" presetID="22" presetClass="entr" presetSubtype="4" fill="hold" grpId="0" nodeType="clickEffect">
+                                  <p:stCondLst>
+                                    <p:cond delay="0"/>
+                                  </p:stCondLst>
+                                  <p:childTnLst>
+                                    <p:set>
+                                      <p:cBhvr>
+                                        <p:cTn id="31" dur="1" fill="hold">
+                                          <p:stCondLst>
+                                            <p:cond delay="0"/>
+                                          </p:stCondLst>
+                                        </p:cTn>
+                                        <p:tgtEl>
+                                          <p:spTgt spid="3">
+                                            <p:txEl>
+                                              <p:pRg st="4" end="4"/>
+                                            </p:txEl>
+                                          </p:spTgt>
+                                        </p:tgtEl>
+                                        <p:attrNameLst>
+                                          <p:attrName>style.visibility</p:attrName>
+                                        </p:attrNameLst>
+                                      </p:cBhvr>
+                                      <p:to>
+                                        <p:strVal val="visible"/>
+                                      </p:to>
+                                    </p:set>
+                                    <p:animEffect transition="in" filter="wipe(down)">
+                                      <p:cBhvr>
+                                        <p:cTn id="32" dur="500"/>
+                                        <p:tgtEl>
+                                          <p:spTgt spid="3">
+                                            <p:txEl>
+                                              <p:pRg st="4" end="4"/>
+                                            </p:txEl>
+                                          </p:spTgt>
+                                        </p:tgtEl>
+                                      </p:cBhvr>
+                                    </p:animEffect>
+                                  </p:childTnLst>
+                                </p:cTn>
+                              </p:par>
+                            </p:childTnLst>
+                          </p:cTn>
+                        </p:par>
+                      </p:childTnLst>
+                    </p:cTn>
+                  </p:par>
+                  <p:par>
+                    <p:cTn id="33" fill="hold">
+                      <p:stCondLst>
+                        <p:cond delay="indefinite"/>
+                      </p:stCondLst>
+                      <p:childTnLst>
+                        <p:par>
+                          <p:cTn id="34" fill="hold">
+                            <p:stCondLst>
+                              <p:cond delay="0"/>
+                            </p:stCondLst>
+                            <p:childTnLst>
+                              <p:par>
+                                <p:cTn id="35" presetID="22" presetClass="entr" presetSubtype="4" fill="hold" grpId="0" nodeType="clickEffect">
+                                  <p:stCondLst>
+                                    <p:cond delay="0"/>
+                                  </p:stCondLst>
+                                  <p:childTnLst>
+                                    <p:set>
+                                      <p:cBhvr>
+                                        <p:cTn id="36" dur="1" fill="hold">
+                                          <p:stCondLst>
+                                            <p:cond delay="0"/>
+                                          </p:stCondLst>
+                                        </p:cTn>
+                                        <p:tgtEl>
+                                          <p:spTgt spid="3">
+                                            <p:txEl>
+                                              <p:pRg st="5" end="5"/>
+                                            </p:txEl>
+                                          </p:spTgt>
+                                        </p:tgtEl>
+                                        <p:attrNameLst>
+                                          <p:attrName>style.visibility</p:attrName>
+                                        </p:attrNameLst>
+                                      </p:cBhvr>
+                                      <p:to>
+                                        <p:strVal val="visible"/>
+                                      </p:to>
+                                    </p:set>
+                                    <p:animEffect transition="in" filter="wipe(down)">
+                                      <p:cBhvr>
+                                        <p:cTn id="37" dur="500"/>
+                                        <p:tgtEl>
+                                          <p:spTgt spid="3">
+                                            <p:txEl>
+                                              <p:pRg st="5" end="5"/>
+                                            </p:txEl>
+                                          </p:spTgt>
+                                        </p:tgtEl>
+                                      </p:cBhvr>
+                                    </p:animEffect>
+                                  </p:childTnLst>
+                                </p:cTn>
+                              </p:par>
+                            </p:childTnLst>
+                          </p:cTn>
+                        </p:par>
+                      </p:childTnLst>
+                    </p:cTn>
+                  </p:par>
+                </p:childTnLst>
+              </p:cTn>
+              <p:prevCondLst>
+                <p:cond evt="onPrev" delay="0">
+                  <p:tgtEl>
+                    <p:sldTgt/>
+                  </p:tgtEl>
+                </p:cond>
+              </p:prevCondLst>
+              <p:nextCondLst>
+                <p:cond evt="onNext" delay="0">
+                  <p:tgtEl>
+                    <p:sldTgt/>
+                  </p:tgtEl>
+                </p:cond>
+              </p:nextCondLst>
+            </p:seq>
+          </p:childTnLst>
+        </p:cTn>
+      </p:par>
+    </p:tnLst>
+    <p:bldLst>
+      <p:bldP spid="2" grpId="0"/>
+      <p:bldP spid="3" grpId="0" build="p"/>
+    </p:bldLst>
+  </p:timing>
+</p:sld>
+</file>
+
+<file path=ppt/slides/slide30.xml><?xml version="1.0" encoding="utf-8"?>
 <p:sld xmlns:a="http://schemas.openxmlformats.org/drawingml/2006/main" xmlns:r="http://schemas.openxmlformats.org/officeDocument/2006/relationships" xmlns:p="http://schemas.openxmlformats.org/presentationml/2006/main">
   <p:cSld>
     <p:spTree>
@@ -11176,877 +12734,7 @@
 </p:sld>
 </file>
 
-<file path=ppt/slides/slide3.xml><?xml version="1.0" encoding="utf-8"?>
-<p:sld xmlns:a="http://schemas.openxmlformats.org/drawingml/2006/main" xmlns:r="http://schemas.openxmlformats.org/officeDocument/2006/relationships" xmlns:p="http://schemas.openxmlformats.org/presentationml/2006/main">
-  <p:cSld>
-    <p:spTree>
-      <p:nvGrpSpPr>
-        <p:cNvPr id="1" name=""/>
-        <p:cNvGrpSpPr/>
-        <p:nvPr/>
-      </p:nvGrpSpPr>
-      <p:grpSpPr>
-        <a:xfrm>
-          <a:off x="0" y="0"/>
-          <a:ext cx="0" cy="0"/>
-          <a:chOff x="0" y="0"/>
-          <a:chExt cx="0" cy="0"/>
-        </a:xfrm>
-      </p:grpSpPr>
-      <p:sp>
-        <p:nvSpPr>
-          <p:cNvPr id="2" name="Title 1"/>
-          <p:cNvSpPr>
-            <a:spLocks noGrp="1"/>
-          </p:cNvSpPr>
-          <p:nvPr>
-            <p:ph type="title"/>
-          </p:nvPr>
-        </p:nvSpPr>
-        <p:spPr/>
-        <p:txBody>
-          <a:bodyPr/>
-          <a:lstStyle/>
-          <a:p>
-            <a:r>
-              <a:rPr lang="en-US" dirty="0" err="1"/>
-              <a:t>Koje</a:t>
-            </a:r>
-            <a:r>
-              <a:rPr lang="en-US" dirty="0"/>
-              <a:t> </a:t>
-            </a:r>
-            <a:r>
-              <a:rPr lang="en-US" dirty="0" err="1"/>
-              <a:t>su</a:t>
-            </a:r>
-            <a:r>
-              <a:rPr lang="en-US" dirty="0"/>
-              <a:t> </a:t>
-            </a:r>
-            <a:r>
-              <a:rPr lang="en-US" dirty="0" err="1"/>
-              <a:t>funkcionalnosti</a:t>
-            </a:r>
-            <a:r>
-              <a:rPr lang="en-US" dirty="0"/>
-              <a:t> </a:t>
-            </a:r>
-            <a:r>
-              <a:rPr lang="en-US" dirty="0" err="1"/>
-              <a:t>aplikacije</a:t>
-            </a:r>
-            <a:r>
-              <a:rPr lang="en-US" dirty="0"/>
-              <a:t>?</a:t>
-            </a:r>
-          </a:p>
-        </p:txBody>
-      </p:sp>
-      <p:sp>
-        <p:nvSpPr>
-          <p:cNvPr id="3" name="Content Placeholder 2"/>
-          <p:cNvSpPr>
-            <a:spLocks noGrp="1"/>
-          </p:cNvSpPr>
-          <p:nvPr>
-            <p:ph idx="1"/>
-          </p:nvPr>
-        </p:nvSpPr>
-        <p:spPr/>
-        <p:txBody>
-          <a:bodyPr/>
-          <a:lstStyle/>
-          <a:p>
-            <a:r>
-              <a:rPr lang="en-US" dirty="0" err="1"/>
-              <a:t>Ubacivanje</a:t>
-            </a:r>
-            <a:r>
-              <a:rPr lang="en-US" dirty="0"/>
-              <a:t> </a:t>
-            </a:r>
-            <a:r>
-              <a:rPr lang="en-US" dirty="0" err="1"/>
-              <a:t>novog</a:t>
-            </a:r>
-            <a:r>
-              <a:rPr lang="en-US" dirty="0"/>
-              <a:t> </a:t>
-            </a:r>
-            <a:r>
-              <a:rPr lang="en-US" dirty="0" err="1"/>
-              <a:t>skladišta</a:t>
-            </a:r>
-            <a:r>
-              <a:rPr lang="en-US" dirty="0"/>
-              <a:t> u </a:t>
-            </a:r>
-            <a:r>
-              <a:rPr lang="en-US" dirty="0" err="1"/>
-              <a:t>aplikaciju</a:t>
-            </a:r>
-            <a:endParaRPr lang="en-US" dirty="0"/>
-          </a:p>
-          <a:p>
-            <a:r>
-              <a:rPr lang="en-US" dirty="0" err="1"/>
-              <a:t>Prikazivanje</a:t>
-            </a:r>
-            <a:r>
-              <a:rPr lang="en-US" dirty="0"/>
-              <a:t> </a:t>
-            </a:r>
-            <a:r>
-              <a:rPr lang="en-US" dirty="0" err="1"/>
-              <a:t>informacija</a:t>
-            </a:r>
-            <a:r>
-              <a:rPr lang="en-US" dirty="0"/>
-              <a:t> o </a:t>
-            </a:r>
-            <a:r>
-              <a:rPr lang="en-US" dirty="0" err="1"/>
-              <a:t>svim</a:t>
-            </a:r>
-            <a:r>
-              <a:rPr lang="en-US" dirty="0"/>
-              <a:t> </a:t>
-            </a:r>
-            <a:r>
-              <a:rPr lang="en-US" dirty="0" err="1"/>
-              <a:t>skladištima</a:t>
-            </a:r>
-            <a:r>
-              <a:rPr lang="en-US" dirty="0"/>
-              <a:t> </a:t>
-            </a:r>
-            <a:r>
-              <a:rPr lang="en-US" dirty="0" err="1"/>
-              <a:t>koja</a:t>
-            </a:r>
-            <a:r>
-              <a:rPr lang="en-US" dirty="0"/>
-              <a:t> </a:t>
-            </a:r>
-            <a:r>
-              <a:rPr lang="en-US" dirty="0" err="1"/>
-              <a:t>postoje</a:t>
-            </a:r>
-            <a:r>
-              <a:rPr lang="en-US" dirty="0"/>
-              <a:t> u </a:t>
-            </a:r>
-            <a:r>
-              <a:rPr lang="en-US" dirty="0" err="1"/>
-              <a:t>sistemu</a:t>
-            </a:r>
-            <a:endParaRPr lang="en-US" dirty="0"/>
-          </a:p>
-          <a:p>
-            <a:r>
-              <a:rPr lang="en-US" dirty="0" err="1"/>
-              <a:t>Ulazak</a:t>
-            </a:r>
-            <a:r>
-              <a:rPr lang="en-US" dirty="0"/>
-              <a:t> u </a:t>
-            </a:r>
-            <a:r>
-              <a:rPr lang="en-US" dirty="0" err="1"/>
-              <a:t>skladište</a:t>
-            </a:r>
-            <a:endParaRPr lang="en-US" dirty="0"/>
-          </a:p>
-          <a:p>
-            <a:r>
-              <a:rPr lang="en-US" dirty="0" err="1"/>
-              <a:t>Ubacivanje</a:t>
-            </a:r>
-            <a:r>
-              <a:rPr lang="en-US" dirty="0"/>
-              <a:t> </a:t>
-            </a:r>
-            <a:r>
-              <a:rPr lang="en-US" dirty="0" err="1"/>
-              <a:t>novog</a:t>
-            </a:r>
-            <a:r>
-              <a:rPr lang="en-US" dirty="0"/>
-              <a:t> </a:t>
-            </a:r>
-            <a:r>
-              <a:rPr lang="en-US" dirty="0" err="1"/>
-              <a:t>proizvoda</a:t>
-            </a:r>
-            <a:r>
-              <a:rPr lang="en-US" dirty="0"/>
-              <a:t> I </a:t>
-            </a:r>
-            <a:r>
-              <a:rPr lang="en-US" dirty="0" err="1"/>
-              <a:t>njegove</a:t>
-            </a:r>
-            <a:r>
-              <a:rPr lang="en-US" dirty="0"/>
-              <a:t> </a:t>
-            </a:r>
-            <a:r>
-              <a:rPr lang="en-US" dirty="0" err="1"/>
-              <a:t>količine</a:t>
-            </a:r>
-            <a:r>
-              <a:rPr lang="en-US" dirty="0"/>
-              <a:t> u </a:t>
-            </a:r>
-            <a:r>
-              <a:rPr lang="en-US" dirty="0" err="1"/>
-              <a:t>skladište</a:t>
-            </a:r>
-            <a:endParaRPr lang="en-US" dirty="0"/>
-          </a:p>
-          <a:p>
-            <a:r>
-              <a:rPr lang="en-US" dirty="0" err="1"/>
-              <a:t>Čitanje</a:t>
-            </a:r>
-            <a:r>
-              <a:rPr lang="en-US" dirty="0"/>
-              <a:t> </a:t>
-            </a:r>
-            <a:r>
-              <a:rPr lang="en-US" dirty="0" err="1"/>
-              <a:t>informacije</a:t>
-            </a:r>
-            <a:r>
-              <a:rPr lang="en-US" dirty="0"/>
-              <a:t> o </a:t>
-            </a:r>
-            <a:r>
-              <a:rPr lang="en-US" dirty="0" err="1"/>
-              <a:t>postojećem</a:t>
-            </a:r>
-            <a:r>
-              <a:rPr lang="en-US" dirty="0"/>
-              <a:t> </a:t>
-            </a:r>
-            <a:r>
-              <a:rPr lang="en-US" dirty="0" err="1"/>
-              <a:t>proizvodu</a:t>
-            </a:r>
-            <a:r>
-              <a:rPr lang="en-US" dirty="0"/>
-              <a:t> I </a:t>
-            </a:r>
-            <a:r>
-              <a:rPr lang="en-US" dirty="0" err="1"/>
-              <a:t>količini</a:t>
-            </a:r>
-            <a:r>
-              <a:rPr lang="en-US" dirty="0"/>
-              <a:t> </a:t>
-            </a:r>
-            <a:r>
-              <a:rPr lang="en-US" dirty="0" err="1"/>
-              <a:t>koja</a:t>
-            </a:r>
-            <a:r>
-              <a:rPr lang="en-US" dirty="0"/>
-              <a:t> se </a:t>
-            </a:r>
-            <a:r>
-              <a:rPr lang="en-US" dirty="0" err="1"/>
-              <a:t>nalazi</a:t>
-            </a:r>
-            <a:r>
-              <a:rPr lang="en-US" dirty="0"/>
-              <a:t> u </a:t>
-            </a:r>
-            <a:r>
-              <a:rPr lang="en-US" dirty="0" err="1"/>
-              <a:t>skladištu</a:t>
-            </a:r>
-            <a:r>
-              <a:rPr lang="en-US" dirty="0"/>
-              <a:t> u </a:t>
-            </a:r>
-            <a:r>
-              <a:rPr lang="en-US" dirty="0" err="1"/>
-              <a:t>kome</a:t>
-            </a:r>
-            <a:r>
-              <a:rPr lang="en-US" dirty="0"/>
-              <a:t> se </a:t>
-            </a:r>
-            <a:r>
-              <a:rPr lang="en-US" dirty="0" err="1"/>
-              <a:t>nalazimo</a:t>
-            </a:r>
-            <a:endParaRPr lang="en-US" dirty="0"/>
-          </a:p>
-          <a:p>
-            <a:r>
-              <a:rPr lang="en-US" dirty="0" err="1"/>
-              <a:t>Ažuriranje</a:t>
-            </a:r>
-            <a:r>
-              <a:rPr lang="en-US" dirty="0"/>
-              <a:t> </a:t>
-            </a:r>
-            <a:r>
-              <a:rPr lang="en-US" dirty="0" err="1"/>
-              <a:t>informacija</a:t>
-            </a:r>
-            <a:r>
-              <a:rPr lang="en-US" dirty="0"/>
-              <a:t> o </a:t>
-            </a:r>
-            <a:r>
-              <a:rPr lang="en-US" dirty="0" err="1"/>
-              <a:t>postojećem</a:t>
-            </a:r>
-            <a:r>
-              <a:rPr lang="en-US" dirty="0"/>
-              <a:t> </a:t>
-            </a:r>
-            <a:r>
-              <a:rPr lang="en-US" dirty="0" err="1"/>
-              <a:t>proizvodu</a:t>
-            </a:r>
-            <a:r>
-              <a:rPr lang="en-US" dirty="0"/>
-              <a:t> I </a:t>
-            </a:r>
-            <a:r>
-              <a:rPr lang="en-US" dirty="0" err="1"/>
-              <a:t>njegovoj</a:t>
-            </a:r>
-            <a:r>
-              <a:rPr lang="en-US" dirty="0"/>
-              <a:t> </a:t>
-            </a:r>
-            <a:r>
-              <a:rPr lang="en-US" dirty="0" err="1"/>
-              <a:t>količini</a:t>
-            </a:r>
-            <a:r>
-              <a:rPr lang="en-US" dirty="0"/>
-              <a:t> </a:t>
-            </a:r>
-            <a:r>
-              <a:rPr lang="en-US" dirty="0" err="1"/>
-              <a:t>za</a:t>
-            </a:r>
-            <a:r>
-              <a:rPr lang="en-US" dirty="0"/>
-              <a:t> </a:t>
-            </a:r>
-            <a:r>
-              <a:rPr lang="en-US" dirty="0" err="1"/>
-              <a:t>skladište</a:t>
-            </a:r>
-            <a:r>
-              <a:rPr lang="en-US" dirty="0"/>
-              <a:t> u </a:t>
-            </a:r>
-            <a:r>
-              <a:rPr lang="en-US" dirty="0" err="1"/>
-              <a:t>kome</a:t>
-            </a:r>
-            <a:r>
-              <a:rPr lang="en-US" dirty="0"/>
-              <a:t> se </a:t>
-            </a:r>
-            <a:r>
-              <a:rPr lang="en-US" dirty="0" err="1"/>
-              <a:t>nalazimo</a:t>
-            </a:r>
-            <a:endParaRPr lang="en-US" dirty="0"/>
-          </a:p>
-          <a:p>
-            <a:endParaRPr lang="en-US" dirty="0"/>
-          </a:p>
-        </p:txBody>
-      </p:sp>
-    </p:spTree>
-    <p:extLst>
-      <p:ext uri="{BB962C8B-B14F-4D97-AF65-F5344CB8AC3E}">
-        <p14:creationId xmlns:p14="http://schemas.microsoft.com/office/powerpoint/2010/main" val="4238213192"/>
-      </p:ext>
-    </p:extLst>
-  </p:cSld>
-  <p:clrMapOvr>
-    <a:masterClrMapping/>
-  </p:clrMapOvr>
-  <mc:AlternateContent xmlns:mc="http://schemas.openxmlformats.org/markup-compatibility/2006" xmlns:p14="http://schemas.microsoft.com/office/powerpoint/2010/main">
-    <mc:Choice Requires="p14">
-      <p:transition spd="med" p14:dur="700">
-        <p:fade/>
-      </p:transition>
-    </mc:Choice>
-    <mc:Fallback xmlns="">
-      <p:transition spd="med">
-        <p:fade/>
-      </p:transition>
-    </mc:Fallback>
-  </mc:AlternateContent>
-  <p:timing>
-    <p:tnLst>
-      <p:par>
-        <p:cTn id="1" dur="indefinite" restart="never" nodeType="tmRoot">
-          <p:childTnLst>
-            <p:seq concurrent="1" nextAc="seek">
-              <p:cTn id="2" dur="indefinite" nodeType="mainSeq">
-                <p:childTnLst>
-                  <p:par>
-                    <p:cTn id="3" fill="hold">
-                      <p:stCondLst>
-                        <p:cond delay="indefinite"/>
-                      </p:stCondLst>
-                      <p:childTnLst>
-                        <p:par>
-                          <p:cTn id="4" fill="hold">
-                            <p:stCondLst>
-                              <p:cond delay="0"/>
-                            </p:stCondLst>
-                            <p:childTnLst>
-                              <p:par>
-                                <p:cTn id="5" presetID="22" presetClass="entr" presetSubtype="4" fill="hold" grpId="0" nodeType="clickEffect">
-                                  <p:stCondLst>
-                                    <p:cond delay="0"/>
-                                  </p:stCondLst>
-                                  <p:childTnLst>
-                                    <p:set>
-                                      <p:cBhvr>
-                                        <p:cTn id="6" dur="1" fill="hold">
-                                          <p:stCondLst>
-                                            <p:cond delay="0"/>
-                                          </p:stCondLst>
-                                        </p:cTn>
-                                        <p:tgtEl>
-                                          <p:spTgt spid="2"/>
-                                        </p:tgtEl>
-                                        <p:attrNameLst>
-                                          <p:attrName>style.visibility</p:attrName>
-                                        </p:attrNameLst>
-                                      </p:cBhvr>
-                                      <p:to>
-                                        <p:strVal val="visible"/>
-                                      </p:to>
-                                    </p:set>
-                                    <p:animEffect transition="in" filter="wipe(down)">
-                                      <p:cBhvr>
-                                        <p:cTn id="7" dur="500"/>
-                                        <p:tgtEl>
-                                          <p:spTgt spid="2"/>
-                                        </p:tgtEl>
-                                      </p:cBhvr>
-                                    </p:animEffect>
-                                  </p:childTnLst>
-                                </p:cTn>
-                              </p:par>
-                            </p:childTnLst>
-                          </p:cTn>
-                        </p:par>
-                      </p:childTnLst>
-                    </p:cTn>
-                  </p:par>
-                  <p:par>
-                    <p:cTn id="8" fill="hold">
-                      <p:stCondLst>
-                        <p:cond delay="indefinite"/>
-                      </p:stCondLst>
-                      <p:childTnLst>
-                        <p:par>
-                          <p:cTn id="9" fill="hold">
-                            <p:stCondLst>
-                              <p:cond delay="0"/>
-                            </p:stCondLst>
-                            <p:childTnLst>
-                              <p:par>
-                                <p:cTn id="10" presetID="22" presetClass="entr" presetSubtype="4" fill="hold" grpId="0" nodeType="clickEffect">
-                                  <p:stCondLst>
-                                    <p:cond delay="0"/>
-                                  </p:stCondLst>
-                                  <p:childTnLst>
-                                    <p:set>
-                                      <p:cBhvr>
-                                        <p:cTn id="11" dur="1" fill="hold">
-                                          <p:stCondLst>
-                                            <p:cond delay="0"/>
-                                          </p:stCondLst>
-                                        </p:cTn>
-                                        <p:tgtEl>
-                                          <p:spTgt spid="3">
-                                            <p:txEl>
-                                              <p:pRg st="0" end="0"/>
-                                            </p:txEl>
-                                          </p:spTgt>
-                                        </p:tgtEl>
-                                        <p:attrNameLst>
-                                          <p:attrName>style.visibility</p:attrName>
-                                        </p:attrNameLst>
-                                      </p:cBhvr>
-                                      <p:to>
-                                        <p:strVal val="visible"/>
-                                      </p:to>
-                                    </p:set>
-                                    <p:animEffect transition="in" filter="wipe(down)">
-                                      <p:cBhvr>
-                                        <p:cTn id="12" dur="500"/>
-                                        <p:tgtEl>
-                                          <p:spTgt spid="3">
-                                            <p:txEl>
-                                              <p:pRg st="0" end="0"/>
-                                            </p:txEl>
-                                          </p:spTgt>
-                                        </p:tgtEl>
-                                      </p:cBhvr>
-                                    </p:animEffect>
-                                  </p:childTnLst>
-                                </p:cTn>
-                              </p:par>
-                            </p:childTnLst>
-                          </p:cTn>
-                        </p:par>
-                      </p:childTnLst>
-                    </p:cTn>
-                  </p:par>
-                  <p:par>
-                    <p:cTn id="13" fill="hold">
-                      <p:stCondLst>
-                        <p:cond delay="indefinite"/>
-                      </p:stCondLst>
-                      <p:childTnLst>
-                        <p:par>
-                          <p:cTn id="14" fill="hold">
-                            <p:stCondLst>
-                              <p:cond delay="0"/>
-                            </p:stCondLst>
-                            <p:childTnLst>
-                              <p:par>
-                                <p:cTn id="15" presetID="22" presetClass="entr" presetSubtype="4" fill="hold" grpId="0" nodeType="clickEffect">
-                                  <p:stCondLst>
-                                    <p:cond delay="0"/>
-                                  </p:stCondLst>
-                                  <p:childTnLst>
-                                    <p:set>
-                                      <p:cBhvr>
-                                        <p:cTn id="16" dur="1" fill="hold">
-                                          <p:stCondLst>
-                                            <p:cond delay="0"/>
-                                          </p:stCondLst>
-                                        </p:cTn>
-                                        <p:tgtEl>
-                                          <p:spTgt spid="3">
-                                            <p:txEl>
-                                              <p:pRg st="1" end="1"/>
-                                            </p:txEl>
-                                          </p:spTgt>
-                                        </p:tgtEl>
-                                        <p:attrNameLst>
-                                          <p:attrName>style.visibility</p:attrName>
-                                        </p:attrNameLst>
-                                      </p:cBhvr>
-                                      <p:to>
-                                        <p:strVal val="visible"/>
-                                      </p:to>
-                                    </p:set>
-                                    <p:animEffect transition="in" filter="wipe(down)">
-                                      <p:cBhvr>
-                                        <p:cTn id="17" dur="500"/>
-                                        <p:tgtEl>
-                                          <p:spTgt spid="3">
-                                            <p:txEl>
-                                              <p:pRg st="1" end="1"/>
-                                            </p:txEl>
-                                          </p:spTgt>
-                                        </p:tgtEl>
-                                      </p:cBhvr>
-                                    </p:animEffect>
-                                  </p:childTnLst>
-                                </p:cTn>
-                              </p:par>
-                            </p:childTnLst>
-                          </p:cTn>
-                        </p:par>
-                      </p:childTnLst>
-                    </p:cTn>
-                  </p:par>
-                  <p:par>
-                    <p:cTn id="18" fill="hold">
-                      <p:stCondLst>
-                        <p:cond delay="indefinite"/>
-                      </p:stCondLst>
-                      <p:childTnLst>
-                        <p:par>
-                          <p:cTn id="19" fill="hold">
-                            <p:stCondLst>
-                              <p:cond delay="0"/>
-                            </p:stCondLst>
-                            <p:childTnLst>
-                              <p:par>
-                                <p:cTn id="20" presetID="22" presetClass="entr" presetSubtype="4" fill="hold" grpId="0" nodeType="clickEffect">
-                                  <p:stCondLst>
-                                    <p:cond delay="0"/>
-                                  </p:stCondLst>
-                                  <p:childTnLst>
-                                    <p:set>
-                                      <p:cBhvr>
-                                        <p:cTn id="21" dur="1" fill="hold">
-                                          <p:stCondLst>
-                                            <p:cond delay="0"/>
-                                          </p:stCondLst>
-                                        </p:cTn>
-                                        <p:tgtEl>
-                                          <p:spTgt spid="3">
-                                            <p:txEl>
-                                              <p:pRg st="2" end="2"/>
-                                            </p:txEl>
-                                          </p:spTgt>
-                                        </p:tgtEl>
-                                        <p:attrNameLst>
-                                          <p:attrName>style.visibility</p:attrName>
-                                        </p:attrNameLst>
-                                      </p:cBhvr>
-                                      <p:to>
-                                        <p:strVal val="visible"/>
-                                      </p:to>
-                                    </p:set>
-                                    <p:animEffect transition="in" filter="wipe(down)">
-                                      <p:cBhvr>
-                                        <p:cTn id="22" dur="500"/>
-                                        <p:tgtEl>
-                                          <p:spTgt spid="3">
-                                            <p:txEl>
-                                              <p:pRg st="2" end="2"/>
-                                            </p:txEl>
-                                          </p:spTgt>
-                                        </p:tgtEl>
-                                      </p:cBhvr>
-                                    </p:animEffect>
-                                  </p:childTnLst>
-                                </p:cTn>
-                              </p:par>
-                            </p:childTnLst>
-                          </p:cTn>
-                        </p:par>
-                      </p:childTnLst>
-                    </p:cTn>
-                  </p:par>
-                  <p:par>
-                    <p:cTn id="23" fill="hold">
-                      <p:stCondLst>
-                        <p:cond delay="indefinite"/>
-                      </p:stCondLst>
-                      <p:childTnLst>
-                        <p:par>
-                          <p:cTn id="24" fill="hold">
-                            <p:stCondLst>
-                              <p:cond delay="0"/>
-                            </p:stCondLst>
-                            <p:childTnLst>
-                              <p:par>
-                                <p:cTn id="25" presetID="22" presetClass="entr" presetSubtype="4" fill="hold" grpId="0" nodeType="clickEffect">
-                                  <p:stCondLst>
-                                    <p:cond delay="0"/>
-                                  </p:stCondLst>
-                                  <p:childTnLst>
-                                    <p:set>
-                                      <p:cBhvr>
-                                        <p:cTn id="26" dur="1" fill="hold">
-                                          <p:stCondLst>
-                                            <p:cond delay="0"/>
-                                          </p:stCondLst>
-                                        </p:cTn>
-                                        <p:tgtEl>
-                                          <p:spTgt spid="3">
-                                            <p:txEl>
-                                              <p:pRg st="3" end="3"/>
-                                            </p:txEl>
-                                          </p:spTgt>
-                                        </p:tgtEl>
-                                        <p:attrNameLst>
-                                          <p:attrName>style.visibility</p:attrName>
-                                        </p:attrNameLst>
-                                      </p:cBhvr>
-                                      <p:to>
-                                        <p:strVal val="visible"/>
-                                      </p:to>
-                                    </p:set>
-                                    <p:animEffect transition="in" filter="wipe(down)">
-                                      <p:cBhvr>
-                                        <p:cTn id="27" dur="500"/>
-                                        <p:tgtEl>
-                                          <p:spTgt spid="3">
-                                            <p:txEl>
-                                              <p:pRg st="3" end="3"/>
-                                            </p:txEl>
-                                          </p:spTgt>
-                                        </p:tgtEl>
-                                      </p:cBhvr>
-                                    </p:animEffect>
-                                  </p:childTnLst>
-                                </p:cTn>
-                              </p:par>
-                            </p:childTnLst>
-                          </p:cTn>
-                        </p:par>
-                      </p:childTnLst>
-                    </p:cTn>
-                  </p:par>
-                  <p:par>
-                    <p:cTn id="28" fill="hold">
-                      <p:stCondLst>
-                        <p:cond delay="indefinite"/>
-                      </p:stCondLst>
-                      <p:childTnLst>
-                        <p:par>
-                          <p:cTn id="29" fill="hold">
-                            <p:stCondLst>
-                              <p:cond delay="0"/>
-                            </p:stCondLst>
-                            <p:childTnLst>
-                              <p:par>
-                                <p:cTn id="30" presetID="22" presetClass="entr" presetSubtype="4" fill="hold" grpId="0" nodeType="clickEffect">
-                                  <p:stCondLst>
-                                    <p:cond delay="0"/>
-                                  </p:stCondLst>
-                                  <p:childTnLst>
-                                    <p:set>
-                                      <p:cBhvr>
-                                        <p:cTn id="31" dur="1" fill="hold">
-                                          <p:stCondLst>
-                                            <p:cond delay="0"/>
-                                          </p:stCondLst>
-                                        </p:cTn>
-                                        <p:tgtEl>
-                                          <p:spTgt spid="3">
-                                            <p:txEl>
-                                              <p:pRg st="4" end="4"/>
-                                            </p:txEl>
-                                          </p:spTgt>
-                                        </p:tgtEl>
-                                        <p:attrNameLst>
-                                          <p:attrName>style.visibility</p:attrName>
-                                        </p:attrNameLst>
-                                      </p:cBhvr>
-                                      <p:to>
-                                        <p:strVal val="visible"/>
-                                      </p:to>
-                                    </p:set>
-                                    <p:animEffect transition="in" filter="wipe(down)">
-                                      <p:cBhvr>
-                                        <p:cTn id="32" dur="500"/>
-                                        <p:tgtEl>
-                                          <p:spTgt spid="3">
-                                            <p:txEl>
-                                              <p:pRg st="4" end="4"/>
-                                            </p:txEl>
-                                          </p:spTgt>
-                                        </p:tgtEl>
-                                      </p:cBhvr>
-                                    </p:animEffect>
-                                  </p:childTnLst>
-                                </p:cTn>
-                              </p:par>
-                            </p:childTnLst>
-                          </p:cTn>
-                        </p:par>
-                      </p:childTnLst>
-                    </p:cTn>
-                  </p:par>
-                  <p:par>
-                    <p:cTn id="33" fill="hold">
-                      <p:stCondLst>
-                        <p:cond delay="indefinite"/>
-                      </p:stCondLst>
-                      <p:childTnLst>
-                        <p:par>
-                          <p:cTn id="34" fill="hold">
-                            <p:stCondLst>
-                              <p:cond delay="0"/>
-                            </p:stCondLst>
-                            <p:childTnLst>
-                              <p:par>
-                                <p:cTn id="35" presetID="22" presetClass="entr" presetSubtype="4" fill="hold" grpId="0" nodeType="clickEffect">
-                                  <p:stCondLst>
-                                    <p:cond delay="0"/>
-                                  </p:stCondLst>
-                                  <p:childTnLst>
-                                    <p:set>
-                                      <p:cBhvr>
-                                        <p:cTn id="36" dur="1" fill="hold">
-                                          <p:stCondLst>
-                                            <p:cond delay="0"/>
-                                          </p:stCondLst>
-                                        </p:cTn>
-                                        <p:tgtEl>
-                                          <p:spTgt spid="3">
-                                            <p:txEl>
-                                              <p:pRg st="5" end="5"/>
-                                            </p:txEl>
-                                          </p:spTgt>
-                                        </p:tgtEl>
-                                        <p:attrNameLst>
-                                          <p:attrName>style.visibility</p:attrName>
-                                        </p:attrNameLst>
-                                      </p:cBhvr>
-                                      <p:to>
-                                        <p:strVal val="visible"/>
-                                      </p:to>
-                                    </p:set>
-                                    <p:animEffect transition="in" filter="wipe(down)">
-                                      <p:cBhvr>
-                                        <p:cTn id="37" dur="500"/>
-                                        <p:tgtEl>
-                                          <p:spTgt spid="3">
-                                            <p:txEl>
-                                              <p:pRg st="5" end="5"/>
-                                            </p:txEl>
-                                          </p:spTgt>
-                                        </p:tgtEl>
-                                      </p:cBhvr>
-                                    </p:animEffect>
-                                  </p:childTnLst>
-                                </p:cTn>
-                              </p:par>
-                            </p:childTnLst>
-                          </p:cTn>
-                        </p:par>
-                      </p:childTnLst>
-                    </p:cTn>
-                  </p:par>
-                </p:childTnLst>
-              </p:cTn>
-              <p:prevCondLst>
-                <p:cond evt="onPrev" delay="0">
-                  <p:tgtEl>
-                    <p:sldTgt/>
-                  </p:tgtEl>
-                </p:cond>
-              </p:prevCondLst>
-              <p:nextCondLst>
-                <p:cond evt="onNext" delay="0">
-                  <p:tgtEl>
-                    <p:sldTgt/>
-                  </p:tgtEl>
-                </p:cond>
-              </p:nextCondLst>
-            </p:seq>
-          </p:childTnLst>
-        </p:cTn>
-      </p:par>
-    </p:tnLst>
-    <p:bldLst>
-      <p:bldP spid="2" grpId="0"/>
-      <p:bldP spid="3" grpId="0" build="p"/>
-    </p:bldLst>
-  </p:timing>
-</p:sld>
-</file>
-
-<file path=ppt/slides/slide30.xml><?xml version="1.0" encoding="utf-8"?>
+<file path=ppt/slides/slide31.xml><?xml version="1.0" encoding="utf-8"?>
 <p:sld xmlns:a="http://schemas.openxmlformats.org/drawingml/2006/main" xmlns:r="http://schemas.openxmlformats.org/officeDocument/2006/relationships" xmlns:p="http://schemas.openxmlformats.org/presentationml/2006/main">
   <p:cSld>
     <p:spTree>
@@ -12323,7 +13011,7 @@
 </p:sld>
 </file>
 
-<file path=ppt/slides/slide31.xml><?xml version="1.0" encoding="utf-8"?>
+<file path=ppt/slides/slide32.xml><?xml version="1.0" encoding="utf-8"?>
 <p:sld xmlns:a="http://schemas.openxmlformats.org/drawingml/2006/main" xmlns:r="http://schemas.openxmlformats.org/officeDocument/2006/relationships" xmlns:p="http://schemas.openxmlformats.org/presentationml/2006/main">
   <p:cSld>
     <p:spTree>
@@ -12808,7 +13496,7 @@
 </p:sld>
 </file>
 
-<file path=ppt/slides/slide32.xml><?xml version="1.0" encoding="utf-8"?>
+<file path=ppt/slides/slide33.xml><?xml version="1.0" encoding="utf-8"?>
 <p:sld xmlns:a="http://schemas.openxmlformats.org/drawingml/2006/main" xmlns:r="http://schemas.openxmlformats.org/officeDocument/2006/relationships" xmlns:p="http://schemas.openxmlformats.org/presentationml/2006/main">
   <p:cSld>
     <p:spTree>
@@ -13069,7 +13757,7 @@
 </p:sld>
 </file>
 
-<file path=ppt/slides/slide33.xml><?xml version="1.0" encoding="utf-8"?>
+<file path=ppt/slides/slide34.xml><?xml version="1.0" encoding="utf-8"?>
 <p:sld xmlns:a="http://schemas.openxmlformats.org/drawingml/2006/main" xmlns:r="http://schemas.openxmlformats.org/officeDocument/2006/relationships" xmlns:p="http://schemas.openxmlformats.org/presentationml/2006/main">
   <p:cSld>
     <p:spTree>
@@ -13309,7 +13997,7 @@
 </p:sld>
 </file>
 
-<file path=ppt/slides/slide34.xml><?xml version="1.0" encoding="utf-8"?>
+<file path=ppt/slides/slide35.xml><?xml version="1.0" encoding="utf-8"?>
 <p:sld xmlns:a="http://schemas.openxmlformats.org/drawingml/2006/main" xmlns:r="http://schemas.openxmlformats.org/officeDocument/2006/relationships" xmlns:p="http://schemas.openxmlformats.org/presentationml/2006/main">
   <p:cSld>
     <p:spTree>
@@ -13502,7 +14190,7 @@
 </p:sld>
 </file>
 
-<file path=ppt/slides/slide35.xml><?xml version="1.0" encoding="utf-8"?>
+<file path=ppt/slides/slide36.xml><?xml version="1.0" encoding="utf-8"?>
 <p:sld xmlns:a="http://schemas.openxmlformats.org/drawingml/2006/main" xmlns:r="http://schemas.openxmlformats.org/officeDocument/2006/relationships" xmlns:p="http://schemas.openxmlformats.org/presentationml/2006/main">
   <p:cSld>
     <p:spTree>
@@ -17006,7 +17694,7 @@
   <a:extraClrSchemeLst/>
   <a:extLst>
     <a:ext uri="{05A4C25C-085E-4340-85A3-A5531E510DB2}">
-      <thm15:themeFamily xmlns:thm15="http://schemas.microsoft.com/office/thememl/2012/main" xmlns="" name="TF02895261.potx" id="{4CBF9558-C12D-4F51-9AA3-9D0796951DBC}" vid="{FFC159E6-A134-46E7-B1A0-C306E39FC295}"/>
+      <thm15:themeFamily xmlns="" xmlns:thm15="http://schemas.microsoft.com/office/thememl/2012/main" name="TF02895261.potx" id="{4CBF9558-C12D-4F51-9AA3-9D0796951DBC}" vid="{FFC159E6-A134-46E7-B1A0-C306E39FC295}"/>
     </a:ext>
   </a:extLst>
 </a:theme>

--- a/DomainDrivenDesignInCScharp.pptx
+++ b/DomainDrivenDesignInCScharp.pptx
@@ -5,10 +5,10 @@
     <p:sldMasterId id="2147483648" r:id="rId1"/>
   </p:sldMasterIdLst>
   <p:notesMasterIdLst>
-    <p:notesMasterId r:id="rId38"/>
+    <p:notesMasterId r:id="rId39"/>
   </p:notesMasterIdLst>
   <p:handoutMasterIdLst>
-    <p:handoutMasterId r:id="rId39"/>
+    <p:handoutMasterId r:id="rId40"/>
   </p:handoutMasterIdLst>
   <p:sldIdLst>
     <p:sldId id="265" r:id="rId2"/>
@@ -40,18 +40,19 @@
     <p:sldId id="363" r:id="rId28"/>
     <p:sldId id="326" r:id="rId29"/>
     <p:sldId id="370" r:id="rId30"/>
-    <p:sldId id="327" r:id="rId31"/>
-    <p:sldId id="329" r:id="rId32"/>
-    <p:sldId id="330" r:id="rId33"/>
-    <p:sldId id="331" r:id="rId34"/>
-    <p:sldId id="334" r:id="rId35"/>
-    <p:sldId id="371" r:id="rId36"/>
-    <p:sldId id="332" r:id="rId37"/>
+    <p:sldId id="373" r:id="rId31"/>
+    <p:sldId id="327" r:id="rId32"/>
+    <p:sldId id="329" r:id="rId33"/>
+    <p:sldId id="330" r:id="rId34"/>
+    <p:sldId id="331" r:id="rId35"/>
+    <p:sldId id="334" r:id="rId36"/>
+    <p:sldId id="371" r:id="rId37"/>
+    <p:sldId id="332" r:id="rId38"/>
   </p:sldIdLst>
   <p:sldSz cx="12188825" cy="6858000"/>
   <p:notesSz cx="6858000" cy="9144000"/>
   <p:custDataLst>
-    <p:tags r:id="rId40"/>
+    <p:tags r:id="rId41"/>
   </p:custDataLst>
   <p:defaultTextStyle>
     <a:defPPr>
@@ -150,7 +151,7 @@
   </p:defaultTextStyle>
   <p:extLst>
     <p:ext uri="{EFAFB233-063F-42B5-8137-9DF3F51BA10A}">
-      <p15:sldGuideLst xmlns="" xmlns:p15="http://schemas.microsoft.com/office/powerpoint/2012/main">
+      <p15:sldGuideLst xmlns:p15="http://schemas.microsoft.com/office/powerpoint/2012/main" xmlns="">
         <p15:guide id="1" pos="3839" userDrawn="1">
           <p15:clr>
             <a:srgbClr val="A4A3A4"/>
@@ -164,7 +165,7 @@
       </p15:sldGuideLst>
     </p:ext>
     <p:ext uri="{2D200454-40CA-4A62-9FC3-DE9A4176ACB9}">
-      <p15:notesGuideLst xmlns="" xmlns:p15="http://schemas.microsoft.com/office/powerpoint/2012/main"/>
+      <p15:notesGuideLst xmlns:p15="http://schemas.microsoft.com/office/powerpoint/2012/main" xmlns=""/>
     </p:ext>
   </p:extLst>
 </p:presentation>
@@ -252,7 +253,7 @@
           <a:p>
             <a:fld id="{59088EAF-6ECA-4616-85EF-35AA19C641F3}" type="datetimeFigureOut">
               <a:rPr lang="en-US"/>
-              <a:t>4/27/2019</a:t>
+              <a:t>5/1/2019</a:t>
             </a:fld>
             <a:endParaRPr/>
           </a:p>
@@ -417,7 +418,7 @@
           <a:p>
             <a:fld id="{3ABD2D7A-D230-4F91-BD59-0A39C2703BA8}" type="datetimeFigureOut">
               <a:rPr lang="en-US"/>
-              <a:t>4/27/2019</a:t>
+              <a:t>5/1/2019</a:t>
             </a:fld>
             <a:endParaRPr/>
           </a:p>
@@ -1031,7 +1032,7 @@
           <a:p>
             <a:fld id="{03F41C87-7AD9-4845-A077-840E4A0F3F06}" type="datetimeFigureOut">
               <a:rPr lang="en-US"/>
-              <a:t>4/27/2019</a:t>
+              <a:t>5/1/2019</a:t>
             </a:fld>
             <a:endParaRPr/>
           </a:p>
@@ -1223,7 +1224,7 @@
           <a:p>
             <a:fld id="{03F41C87-7AD9-4845-A077-840E4A0F3F06}" type="datetimeFigureOut">
               <a:rPr lang="en-US"/>
-              <a:t>4/27/2019</a:t>
+              <a:t>5/1/2019</a:t>
             </a:fld>
             <a:endParaRPr/>
           </a:p>
@@ -1412,7 +1413,7 @@
           <a:p>
             <a:fld id="{03F41C87-7AD9-4845-A077-840E4A0F3F06}" type="datetimeFigureOut">
               <a:rPr lang="en-US"/>
-              <a:t>4/27/2019</a:t>
+              <a:t>5/1/2019</a:t>
             </a:fld>
             <a:endParaRPr/>
           </a:p>
@@ -1692,7 +1693,7 @@
           <a:p>
             <a:fld id="{03F41C87-7AD9-4845-A077-840E4A0F3F06}" type="datetimeFigureOut">
               <a:rPr lang="en-US"/>
-              <a:t>4/27/2019</a:t>
+              <a:t>5/1/2019</a:t>
             </a:fld>
             <a:endParaRPr/>
           </a:p>
@@ -1996,7 +1997,7 @@
           <a:p>
             <a:fld id="{03F41C87-7AD9-4845-A077-840E4A0F3F06}" type="datetimeFigureOut">
               <a:rPr lang="en-US"/>
-              <a:t>4/27/2019</a:t>
+              <a:t>5/1/2019</a:t>
             </a:fld>
             <a:endParaRPr/>
           </a:p>
@@ -2452,7 +2453,7 @@
           <a:p>
             <a:fld id="{03F41C87-7AD9-4845-A077-840E4A0F3F06}" type="datetimeFigureOut">
               <a:rPr lang="en-US"/>
-              <a:t>4/27/2019</a:t>
+              <a:t>5/1/2019</a:t>
             </a:fld>
             <a:endParaRPr/>
           </a:p>
@@ -2582,7 +2583,7 @@
           <a:p>
             <a:fld id="{03F41C87-7AD9-4845-A077-840E4A0F3F06}" type="datetimeFigureOut">
               <a:rPr lang="en-US"/>
-              <a:t>4/27/2019</a:t>
+              <a:t>5/1/2019</a:t>
             </a:fld>
             <a:endParaRPr/>
           </a:p>
@@ -2697,7 +2698,7 @@
           <a:p>
             <a:fld id="{03F41C87-7AD9-4845-A077-840E4A0F3F06}" type="datetimeFigureOut">
               <a:rPr lang="en-US"/>
-              <a:t>4/27/2019</a:t>
+              <a:t>5/1/2019</a:t>
             </a:fld>
             <a:endParaRPr/>
           </a:p>
@@ -3019,7 +3020,7 @@
           <a:p>
             <a:fld id="{03F41C87-7AD9-4845-A077-840E4A0F3F06}" type="datetimeFigureOut">
               <a:rPr lang="en-US"/>
-              <a:t>4/27/2019</a:t>
+              <a:t>5/1/2019</a:t>
             </a:fld>
             <a:endParaRPr/>
           </a:p>
@@ -3331,7 +3332,7 @@
             <a:fld id="{03F41C87-7AD9-4845-A077-840E4A0F3F06}" type="datetimeFigureOut">
               <a:rPr lang="en-US"/>
               <a:pPr/>
-              <a:t>4/27/2019</a:t>
+              <a:t>5/1/2019</a:t>
             </a:fld>
             <a:endParaRPr/>
           </a:p>
@@ -3585,7 +3586,7 @@
             <a:fld id="{03F41C87-7AD9-4845-A077-840E4A0F3F06}" type="datetimeFigureOut">
               <a:rPr lang="en-US" smtClean="0"/>
               <a:pPr/>
-              <a:t>4/27/2019</a:t>
+              <a:t>5/1/2019</a:t>
             </a:fld>
             <a:endParaRPr lang="en-US"/>
           </a:p>
@@ -3968,7 +3969,7 @@
   </p:txStyles>
   <p:extLst mod="1">
     <p:ext uri="{27BBF7A9-308A-43DC-89C8-2F10F3537804}">
-      <p15:sldGuideLst xmlns="" xmlns:p15="http://schemas.microsoft.com/office/powerpoint/2012/main">
+      <p15:sldGuideLst xmlns:p15="http://schemas.microsoft.com/office/powerpoint/2012/main" xmlns="">
         <p15:guide id="1" pos="3839" userDrawn="1">
           <p15:clr>
             <a:srgbClr val="F26B43"/>
@@ -4570,15 +4571,7 @@
             </a:r>
             <a:r>
               <a:rPr lang="en-US" dirty="0" smtClean="0"/>
-              <a:t> </a:t>
-            </a:r>
-            <a:r>
-              <a:rPr lang="en-US" dirty="0" smtClean="0"/>
-              <a:t>I </a:t>
-            </a:r>
-            <a:r>
-              <a:rPr lang="en-US" dirty="0" smtClean="0"/>
-              <a:t>Value Object-i</a:t>
+              <a:t> I Value Object-i</a:t>
             </a:r>
             <a:endParaRPr lang="en-US" dirty="0"/>
           </a:p>
@@ -4631,7 +4624,6 @@
               <a:rPr lang="en-US" dirty="0" smtClean="0"/>
               <a:t> (mutable)</a:t>
             </a:r>
-            <a:endParaRPr lang="en-US" dirty="0" smtClean="0"/>
           </a:p>
           <a:p>
             <a:r>
@@ -4662,7 +4654,6 @@
               <a:rPr lang="en-US" dirty="0" smtClean="0"/>
               <a:t> (immutable)</a:t>
             </a:r>
-            <a:endParaRPr lang="en-US" dirty="0" smtClean="0"/>
           </a:p>
           <a:p>
             <a:r>
@@ -11617,6 +11608,13 @@
       </p:transition>
     </mc:Fallback>
   </mc:AlternateContent>
+  <p:timing>
+    <p:tnLst>
+      <p:par>
+        <p:cTn id="1" dur="indefinite" restart="never" nodeType="tmRoot"/>
+      </p:par>
+    </p:tnLst>
+  </p:timing>
 </p:sld>
 </file>
 
@@ -12491,6 +12489,718 @@
 </file>
 
 <file path=ppt/slides/slide30.xml><?xml version="1.0" encoding="utf-8"?>
+<p:sld xmlns:a="http://schemas.openxmlformats.org/drawingml/2006/main" xmlns:r="http://schemas.openxmlformats.org/officeDocument/2006/relationships" xmlns:p="http://schemas.openxmlformats.org/presentationml/2006/main">
+  <p:cSld>
+    <p:spTree>
+      <p:nvGrpSpPr>
+        <p:cNvPr id="1" name=""/>
+        <p:cNvGrpSpPr/>
+        <p:nvPr/>
+      </p:nvGrpSpPr>
+      <p:grpSpPr>
+        <a:xfrm>
+          <a:off x="0" y="0"/>
+          <a:ext cx="0" cy="0"/>
+          <a:chOff x="0" y="0"/>
+          <a:chExt cx="0" cy="0"/>
+        </a:xfrm>
+      </p:grpSpPr>
+      <p:sp>
+        <p:nvSpPr>
+          <p:cNvPr id="2" name="Title 1"/>
+          <p:cNvSpPr>
+            <a:spLocks noGrp="1"/>
+          </p:cNvSpPr>
+          <p:nvPr>
+            <p:ph type="title"/>
+          </p:nvPr>
+        </p:nvSpPr>
+        <p:spPr/>
+        <p:txBody>
+          <a:bodyPr/>
+          <a:lstStyle/>
+          <a:p>
+            <a:r>
+              <a:rPr lang="en-US" dirty="0" err="1" smtClean="0"/>
+              <a:t>Agregati</a:t>
+            </a:r>
+            <a:endParaRPr lang="en-US" dirty="0"/>
+          </a:p>
+        </p:txBody>
+      </p:sp>
+      <p:sp>
+        <p:nvSpPr>
+          <p:cNvPr id="3" name="Content Placeholder 2"/>
+          <p:cNvSpPr>
+            <a:spLocks noGrp="1"/>
+          </p:cNvSpPr>
+          <p:nvPr>
+            <p:ph idx="1"/>
+          </p:nvPr>
+        </p:nvSpPr>
+        <p:spPr/>
+        <p:txBody>
+          <a:bodyPr/>
+          <a:lstStyle/>
+          <a:p>
+            <a:r>
+              <a:rPr lang="en-US" dirty="0" err="1" smtClean="0"/>
+              <a:t>Agregati</a:t>
+            </a:r>
+            <a:r>
+              <a:rPr lang="en-US" dirty="0" smtClean="0"/>
+              <a:t> </a:t>
+            </a:r>
+            <a:r>
+              <a:rPr lang="en-US" dirty="0" err="1" smtClean="0"/>
+              <a:t>kombinuju</a:t>
+            </a:r>
+            <a:r>
+              <a:rPr lang="en-US" dirty="0" smtClean="0"/>
+              <a:t> </a:t>
+            </a:r>
+            <a:r>
+              <a:rPr lang="en-US" dirty="0" err="1" smtClean="0"/>
+              <a:t>više</a:t>
+            </a:r>
+            <a:r>
+              <a:rPr lang="en-US" dirty="0" smtClean="0"/>
+              <a:t> </a:t>
+            </a:r>
+            <a:r>
+              <a:rPr lang="en-US" dirty="0" err="1" smtClean="0"/>
+              <a:t>entiteta</a:t>
+            </a:r>
+            <a:r>
+              <a:rPr lang="en-US" dirty="0" smtClean="0"/>
+              <a:t> u </a:t>
+            </a:r>
+            <a:r>
+              <a:rPr lang="en-US" dirty="0" err="1" smtClean="0"/>
+              <a:t>jednu</a:t>
+            </a:r>
+            <a:r>
+              <a:rPr lang="en-US" dirty="0" smtClean="0"/>
+              <a:t> </a:t>
+            </a:r>
+            <a:r>
+              <a:rPr lang="en-US" dirty="0" err="1" smtClean="0"/>
+              <a:t>zajedničku</a:t>
+            </a:r>
+            <a:r>
+              <a:rPr lang="en-US" dirty="0" smtClean="0"/>
+              <a:t> </a:t>
+            </a:r>
+            <a:r>
+              <a:rPr lang="en-US" dirty="0" err="1" smtClean="0"/>
+              <a:t>apstrakciju</a:t>
+            </a:r>
+            <a:endParaRPr lang="en-US" dirty="0" smtClean="0"/>
+          </a:p>
+          <a:p>
+            <a:r>
+              <a:rPr lang="en-US" dirty="0" err="1" smtClean="0"/>
+              <a:t>Može</a:t>
+            </a:r>
+            <a:r>
+              <a:rPr lang="en-US" dirty="0" smtClean="0"/>
+              <a:t> se </a:t>
+            </a:r>
+            <a:r>
+              <a:rPr lang="en-US" dirty="0" err="1" smtClean="0"/>
+              <a:t>pristupiti</a:t>
+            </a:r>
+            <a:r>
+              <a:rPr lang="en-US" dirty="0" smtClean="0"/>
+              <a:t> </a:t>
+            </a:r>
+            <a:r>
+              <a:rPr lang="en-US" dirty="0" err="1" smtClean="0"/>
+              <a:t>iz</a:t>
+            </a:r>
+            <a:r>
+              <a:rPr lang="en-US" dirty="0" smtClean="0"/>
+              <a:t> </a:t>
+            </a:r>
+            <a:r>
+              <a:rPr lang="en-US" dirty="0" err="1" smtClean="0"/>
+              <a:t>klijentskog</a:t>
+            </a:r>
+            <a:r>
+              <a:rPr lang="en-US" dirty="0" smtClean="0"/>
+              <a:t> </a:t>
+            </a:r>
+            <a:r>
+              <a:rPr lang="en-US" dirty="0" err="1" smtClean="0"/>
+              <a:t>koda</a:t>
+            </a:r>
+            <a:r>
+              <a:rPr lang="en-US" dirty="0" smtClean="0"/>
+              <a:t> </a:t>
+            </a:r>
+            <a:r>
+              <a:rPr lang="en-US" dirty="0" err="1" smtClean="0"/>
+              <a:t>samo</a:t>
+            </a:r>
+            <a:r>
+              <a:rPr lang="en-US" dirty="0" smtClean="0"/>
+              <a:t> </a:t>
+            </a:r>
+            <a:r>
+              <a:rPr lang="en-US" dirty="0" err="1" smtClean="0"/>
+              <a:t>preko</a:t>
+            </a:r>
+            <a:r>
+              <a:rPr lang="en-US" dirty="0" smtClean="0"/>
+              <a:t> root </a:t>
+            </a:r>
+            <a:r>
+              <a:rPr lang="en-US" dirty="0" err="1" smtClean="0"/>
+              <a:t>entiteta</a:t>
+            </a:r>
+            <a:endParaRPr lang="en-US" dirty="0" smtClean="0"/>
+          </a:p>
+          <a:p>
+            <a:r>
+              <a:rPr lang="en-US" dirty="0" err="1" smtClean="0"/>
+              <a:t>Entitet</a:t>
+            </a:r>
+            <a:r>
+              <a:rPr lang="en-US" dirty="0" smtClean="0"/>
+              <a:t> </a:t>
+            </a:r>
+            <a:r>
+              <a:rPr lang="en-US" dirty="0" err="1" smtClean="0"/>
+              <a:t>može</a:t>
+            </a:r>
+            <a:r>
+              <a:rPr lang="en-US" dirty="0" smtClean="0"/>
+              <a:t> </a:t>
+            </a:r>
+            <a:r>
+              <a:rPr lang="en-US" dirty="0" err="1" smtClean="0"/>
+              <a:t>pripadati</a:t>
+            </a:r>
+            <a:r>
+              <a:rPr lang="en-US" dirty="0" smtClean="0"/>
+              <a:t> SAMO JEDNOM </a:t>
+            </a:r>
+            <a:r>
+              <a:rPr lang="en-US" dirty="0" err="1" smtClean="0"/>
+              <a:t>agregatu</a:t>
+            </a:r>
+            <a:endParaRPr lang="en-US" dirty="0" smtClean="0"/>
+          </a:p>
+          <a:p>
+            <a:r>
+              <a:rPr lang="en-US" dirty="0" smtClean="0"/>
+              <a:t>Value </a:t>
+            </a:r>
+            <a:r>
+              <a:rPr lang="en-US" dirty="0" smtClean="0"/>
+              <a:t>Object </a:t>
+            </a:r>
+            <a:r>
+              <a:rPr lang="en-US" dirty="0" err="1" smtClean="0"/>
+              <a:t>može</a:t>
+            </a:r>
+            <a:r>
+              <a:rPr lang="en-US" dirty="0" smtClean="0"/>
+              <a:t> </a:t>
+            </a:r>
+            <a:r>
+              <a:rPr lang="en-US" dirty="0" err="1" smtClean="0"/>
+              <a:t>pripadati</a:t>
+            </a:r>
+            <a:r>
+              <a:rPr lang="en-US" dirty="0" smtClean="0"/>
+              <a:t> VEĆEM BROJU </a:t>
+            </a:r>
+            <a:r>
+              <a:rPr lang="en-US" dirty="0" err="1" smtClean="0"/>
+              <a:t>agregata</a:t>
+            </a:r>
+            <a:endParaRPr lang="en-US" dirty="0"/>
+          </a:p>
+          <a:p>
+            <a:r>
+              <a:rPr lang="en-US" dirty="0" err="1" smtClean="0"/>
+              <a:t>AggregateRoot</a:t>
+            </a:r>
+            <a:r>
+              <a:rPr lang="en-US" dirty="0" smtClean="0"/>
+              <a:t> </a:t>
+            </a:r>
+            <a:r>
+              <a:rPr lang="en-US" dirty="0" err="1" smtClean="0"/>
+              <a:t>apstraktna</a:t>
+            </a:r>
+            <a:r>
+              <a:rPr lang="en-US" dirty="0" smtClean="0"/>
+              <a:t> </a:t>
+            </a:r>
+            <a:r>
+              <a:rPr lang="en-US" dirty="0" err="1" smtClean="0"/>
+              <a:t>klasa</a:t>
+            </a:r>
+            <a:r>
+              <a:rPr lang="en-US" dirty="0" smtClean="0"/>
+              <a:t> </a:t>
+            </a:r>
+            <a:r>
+              <a:rPr lang="en-US" dirty="0" err="1" smtClean="0"/>
+              <a:t>ekspicitno</a:t>
+            </a:r>
+            <a:r>
+              <a:rPr lang="en-US" dirty="0" smtClean="0"/>
+              <a:t> </a:t>
+            </a:r>
+            <a:r>
+              <a:rPr lang="en-US" dirty="0" err="1" smtClean="0"/>
+              <a:t>pokazuje</a:t>
+            </a:r>
+            <a:r>
+              <a:rPr lang="en-US" dirty="0" smtClean="0"/>
+              <a:t> </a:t>
+            </a:r>
+            <a:r>
+              <a:rPr lang="en-US" dirty="0" err="1" smtClean="0"/>
+              <a:t>granice</a:t>
+            </a:r>
+            <a:r>
+              <a:rPr lang="en-US" dirty="0" smtClean="0"/>
+              <a:t> </a:t>
+            </a:r>
+            <a:r>
+              <a:rPr lang="en-US" dirty="0" err="1" smtClean="0"/>
+              <a:t>agregata</a:t>
+            </a:r>
+            <a:r>
+              <a:rPr lang="en-US" dirty="0" smtClean="0"/>
+              <a:t> u DDD</a:t>
+            </a:r>
+            <a:endParaRPr lang="en-US" dirty="0" smtClean="0"/>
+          </a:p>
+        </p:txBody>
+      </p:sp>
+    </p:spTree>
+    <p:extLst>
+      <p:ext uri="{BB962C8B-B14F-4D97-AF65-F5344CB8AC3E}">
+        <p14:creationId xmlns:p14="http://schemas.microsoft.com/office/powerpoint/2010/main" val="3787168180"/>
+      </p:ext>
+    </p:extLst>
+  </p:cSld>
+  <p:clrMapOvr>
+    <a:masterClrMapping/>
+  </p:clrMapOvr>
+  <mc:AlternateContent xmlns:mc="http://schemas.openxmlformats.org/markup-compatibility/2006" xmlns:p14="http://schemas.microsoft.com/office/powerpoint/2010/main">
+    <mc:Choice Requires="p14">
+      <p:transition spd="med" p14:dur="700">
+        <p:fade/>
+      </p:transition>
+    </mc:Choice>
+    <mc:Fallback xmlns="">
+      <p:transition spd="med">
+        <p:fade/>
+      </p:transition>
+    </mc:Fallback>
+  </mc:AlternateContent>
+  <p:timing>
+    <p:tnLst>
+      <p:par>
+        <p:cTn id="1" dur="indefinite" restart="never" nodeType="tmRoot">
+          <p:childTnLst>
+            <p:seq concurrent="1" nextAc="seek">
+              <p:cTn id="2" dur="indefinite" nodeType="mainSeq">
+                <p:childTnLst>
+                  <p:par>
+                    <p:cTn id="3" fill="hold">
+                      <p:stCondLst>
+                        <p:cond delay="indefinite"/>
+                      </p:stCondLst>
+                      <p:childTnLst>
+                        <p:par>
+                          <p:cTn id="4" fill="hold">
+                            <p:stCondLst>
+                              <p:cond delay="0"/>
+                            </p:stCondLst>
+                            <p:childTnLst>
+                              <p:par>
+                                <p:cTn id="5" presetID="22" presetClass="entr" presetSubtype="4" fill="hold" grpId="0" nodeType="clickEffect">
+                                  <p:stCondLst>
+                                    <p:cond delay="0"/>
+                                  </p:stCondLst>
+                                  <p:childTnLst>
+                                    <p:set>
+                                      <p:cBhvr>
+                                        <p:cTn id="6" dur="1" fill="hold">
+                                          <p:stCondLst>
+                                            <p:cond delay="0"/>
+                                          </p:stCondLst>
+                                        </p:cTn>
+                                        <p:tgtEl>
+                                          <p:spTgt spid="2"/>
+                                        </p:tgtEl>
+                                        <p:attrNameLst>
+                                          <p:attrName>style.visibility</p:attrName>
+                                        </p:attrNameLst>
+                                      </p:cBhvr>
+                                      <p:to>
+                                        <p:strVal val="visible"/>
+                                      </p:to>
+                                    </p:set>
+                                    <p:animEffect transition="in" filter="wipe(down)">
+                                      <p:cBhvr>
+                                        <p:cTn id="7" dur="500"/>
+                                        <p:tgtEl>
+                                          <p:spTgt spid="2"/>
+                                        </p:tgtEl>
+                                      </p:cBhvr>
+                                    </p:animEffect>
+                                  </p:childTnLst>
+                                </p:cTn>
+                              </p:par>
+                            </p:childTnLst>
+                          </p:cTn>
+                        </p:par>
+                      </p:childTnLst>
+                    </p:cTn>
+                  </p:par>
+                  <p:par>
+                    <p:cTn id="8" fill="hold">
+                      <p:stCondLst>
+                        <p:cond delay="indefinite"/>
+                      </p:stCondLst>
+                      <p:childTnLst>
+                        <p:par>
+                          <p:cTn id="9" fill="hold">
+                            <p:stCondLst>
+                              <p:cond delay="0"/>
+                            </p:stCondLst>
+                            <p:childTnLst>
+                              <p:par>
+                                <p:cTn id="10" presetID="22" presetClass="entr" presetSubtype="4" fill="hold" grpId="0" nodeType="clickEffect">
+                                  <p:stCondLst>
+                                    <p:cond delay="0"/>
+                                  </p:stCondLst>
+                                  <p:childTnLst>
+                                    <p:set>
+                                      <p:cBhvr>
+                                        <p:cTn id="11" dur="1" fill="hold">
+                                          <p:stCondLst>
+                                            <p:cond delay="0"/>
+                                          </p:stCondLst>
+                                        </p:cTn>
+                                        <p:tgtEl>
+                                          <p:spTgt spid="3">
+                                            <p:txEl>
+                                              <p:pRg st="0" end="0"/>
+                                            </p:txEl>
+                                          </p:spTgt>
+                                        </p:tgtEl>
+                                        <p:attrNameLst>
+                                          <p:attrName>style.visibility</p:attrName>
+                                        </p:attrNameLst>
+                                      </p:cBhvr>
+                                      <p:to>
+                                        <p:strVal val="visible"/>
+                                      </p:to>
+                                    </p:set>
+                                    <p:animEffect transition="in" filter="wipe(down)">
+                                      <p:cBhvr>
+                                        <p:cTn id="12" dur="500"/>
+                                        <p:tgtEl>
+                                          <p:spTgt spid="3">
+                                            <p:txEl>
+                                              <p:pRg st="0" end="0"/>
+                                            </p:txEl>
+                                          </p:spTgt>
+                                        </p:tgtEl>
+                                      </p:cBhvr>
+                                    </p:animEffect>
+                                  </p:childTnLst>
+                                </p:cTn>
+                              </p:par>
+                            </p:childTnLst>
+                          </p:cTn>
+                        </p:par>
+                      </p:childTnLst>
+                    </p:cTn>
+                  </p:par>
+                  <p:par>
+                    <p:cTn id="13" fill="hold">
+                      <p:stCondLst>
+                        <p:cond delay="indefinite"/>
+                      </p:stCondLst>
+                      <p:childTnLst>
+                        <p:par>
+                          <p:cTn id="14" fill="hold">
+                            <p:stCondLst>
+                              <p:cond delay="0"/>
+                            </p:stCondLst>
+                            <p:childTnLst>
+                              <p:par>
+                                <p:cTn id="15" presetID="22" presetClass="entr" presetSubtype="4" fill="hold" grpId="0" nodeType="clickEffect">
+                                  <p:stCondLst>
+                                    <p:cond delay="0"/>
+                                  </p:stCondLst>
+                                  <p:childTnLst>
+                                    <p:set>
+                                      <p:cBhvr>
+                                        <p:cTn id="16" dur="1" fill="hold">
+                                          <p:stCondLst>
+                                            <p:cond delay="0"/>
+                                          </p:stCondLst>
+                                        </p:cTn>
+                                        <p:tgtEl>
+                                          <p:spTgt spid="3">
+                                            <p:txEl>
+                                              <p:pRg st="1" end="1"/>
+                                            </p:txEl>
+                                          </p:spTgt>
+                                        </p:tgtEl>
+                                        <p:attrNameLst>
+                                          <p:attrName>style.visibility</p:attrName>
+                                        </p:attrNameLst>
+                                      </p:cBhvr>
+                                      <p:to>
+                                        <p:strVal val="visible"/>
+                                      </p:to>
+                                    </p:set>
+                                    <p:animEffect transition="in" filter="wipe(down)">
+                                      <p:cBhvr>
+                                        <p:cTn id="17" dur="500"/>
+                                        <p:tgtEl>
+                                          <p:spTgt spid="3">
+                                            <p:txEl>
+                                              <p:pRg st="1" end="1"/>
+                                            </p:txEl>
+                                          </p:spTgt>
+                                        </p:tgtEl>
+                                      </p:cBhvr>
+                                    </p:animEffect>
+                                  </p:childTnLst>
+                                </p:cTn>
+                              </p:par>
+                            </p:childTnLst>
+                          </p:cTn>
+                        </p:par>
+                      </p:childTnLst>
+                    </p:cTn>
+                  </p:par>
+                  <p:par>
+                    <p:cTn id="18" fill="hold">
+                      <p:stCondLst>
+                        <p:cond delay="indefinite"/>
+                      </p:stCondLst>
+                      <p:childTnLst>
+                        <p:par>
+                          <p:cTn id="19" fill="hold">
+                            <p:stCondLst>
+                              <p:cond delay="0"/>
+                            </p:stCondLst>
+                            <p:childTnLst>
+                              <p:par>
+                                <p:cTn id="20" presetID="22" presetClass="entr" presetSubtype="4" fill="hold" grpId="0" nodeType="clickEffect">
+                                  <p:stCondLst>
+                                    <p:cond delay="0"/>
+                                  </p:stCondLst>
+                                  <p:childTnLst>
+                                    <p:set>
+                                      <p:cBhvr>
+                                        <p:cTn id="21" dur="1" fill="hold">
+                                          <p:stCondLst>
+                                            <p:cond delay="0"/>
+                                          </p:stCondLst>
+                                        </p:cTn>
+                                        <p:tgtEl>
+                                          <p:spTgt spid="3">
+                                            <p:txEl>
+                                              <p:pRg st="2" end="2"/>
+                                            </p:txEl>
+                                          </p:spTgt>
+                                        </p:tgtEl>
+                                        <p:attrNameLst>
+                                          <p:attrName>style.visibility</p:attrName>
+                                        </p:attrNameLst>
+                                      </p:cBhvr>
+                                      <p:to>
+                                        <p:strVal val="visible"/>
+                                      </p:to>
+                                    </p:set>
+                                    <p:animEffect transition="in" filter="wipe(down)">
+                                      <p:cBhvr>
+                                        <p:cTn id="22" dur="500"/>
+                                        <p:tgtEl>
+                                          <p:spTgt spid="3">
+                                            <p:txEl>
+                                              <p:pRg st="2" end="2"/>
+                                            </p:txEl>
+                                          </p:spTgt>
+                                        </p:tgtEl>
+                                      </p:cBhvr>
+                                    </p:animEffect>
+                                  </p:childTnLst>
+                                </p:cTn>
+                              </p:par>
+                            </p:childTnLst>
+                          </p:cTn>
+                        </p:par>
+                      </p:childTnLst>
+                    </p:cTn>
+                  </p:par>
+                  <p:par>
+                    <p:cTn id="23" fill="hold">
+                      <p:stCondLst>
+                        <p:cond delay="indefinite"/>
+                      </p:stCondLst>
+                      <p:childTnLst>
+                        <p:par>
+                          <p:cTn id="24" fill="hold">
+                            <p:stCondLst>
+                              <p:cond delay="0"/>
+                            </p:stCondLst>
+                            <p:childTnLst>
+                              <p:par>
+                                <p:cTn id="25" presetID="22" presetClass="entr" presetSubtype="4" fill="hold" grpId="0" nodeType="clickEffect">
+                                  <p:stCondLst>
+                                    <p:cond delay="0"/>
+                                  </p:stCondLst>
+                                  <p:childTnLst>
+                                    <p:set>
+                                      <p:cBhvr>
+                                        <p:cTn id="26" dur="1" fill="hold">
+                                          <p:stCondLst>
+                                            <p:cond delay="0"/>
+                                          </p:stCondLst>
+                                        </p:cTn>
+                                        <p:tgtEl>
+                                          <p:spTgt spid="3">
+                                            <p:txEl>
+                                              <p:pRg st="3" end="3"/>
+                                            </p:txEl>
+                                          </p:spTgt>
+                                        </p:tgtEl>
+                                        <p:attrNameLst>
+                                          <p:attrName>style.visibility</p:attrName>
+                                        </p:attrNameLst>
+                                      </p:cBhvr>
+                                      <p:to>
+                                        <p:strVal val="visible"/>
+                                      </p:to>
+                                    </p:set>
+                                    <p:animEffect transition="in" filter="wipe(down)">
+                                      <p:cBhvr>
+                                        <p:cTn id="27" dur="500"/>
+                                        <p:tgtEl>
+                                          <p:spTgt spid="3">
+                                            <p:txEl>
+                                              <p:pRg st="3" end="3"/>
+                                            </p:txEl>
+                                          </p:spTgt>
+                                        </p:tgtEl>
+                                      </p:cBhvr>
+                                    </p:animEffect>
+                                  </p:childTnLst>
+                                </p:cTn>
+                              </p:par>
+                            </p:childTnLst>
+                          </p:cTn>
+                        </p:par>
+                      </p:childTnLst>
+                    </p:cTn>
+                  </p:par>
+                  <p:par>
+                    <p:cTn id="28" fill="hold">
+                      <p:stCondLst>
+                        <p:cond delay="indefinite"/>
+                      </p:stCondLst>
+                      <p:childTnLst>
+                        <p:par>
+                          <p:cTn id="29" fill="hold">
+                            <p:stCondLst>
+                              <p:cond delay="0"/>
+                            </p:stCondLst>
+                            <p:childTnLst>
+                              <p:par>
+                                <p:cTn id="30" presetID="22" presetClass="entr" presetSubtype="4" fill="hold" grpId="0" nodeType="clickEffect">
+                                  <p:stCondLst>
+                                    <p:cond delay="0"/>
+                                  </p:stCondLst>
+                                  <p:childTnLst>
+                                    <p:set>
+                                      <p:cBhvr>
+                                        <p:cTn id="31" dur="1" fill="hold">
+                                          <p:stCondLst>
+                                            <p:cond delay="0"/>
+                                          </p:stCondLst>
+                                        </p:cTn>
+                                        <p:tgtEl>
+                                          <p:spTgt spid="3">
+                                            <p:txEl>
+                                              <p:pRg st="4" end="4"/>
+                                            </p:txEl>
+                                          </p:spTgt>
+                                        </p:tgtEl>
+                                        <p:attrNameLst>
+                                          <p:attrName>style.visibility</p:attrName>
+                                        </p:attrNameLst>
+                                      </p:cBhvr>
+                                      <p:to>
+                                        <p:strVal val="visible"/>
+                                      </p:to>
+                                    </p:set>
+                                    <p:animEffect transition="in" filter="wipe(down)">
+                                      <p:cBhvr>
+                                        <p:cTn id="32" dur="500"/>
+                                        <p:tgtEl>
+                                          <p:spTgt spid="3">
+                                            <p:txEl>
+                                              <p:pRg st="4" end="4"/>
+                                            </p:txEl>
+                                          </p:spTgt>
+                                        </p:tgtEl>
+                                      </p:cBhvr>
+                                    </p:animEffect>
+                                  </p:childTnLst>
+                                </p:cTn>
+                              </p:par>
+                            </p:childTnLst>
+                          </p:cTn>
+                        </p:par>
+                      </p:childTnLst>
+                    </p:cTn>
+                  </p:par>
+                </p:childTnLst>
+              </p:cTn>
+              <p:prevCondLst>
+                <p:cond evt="onPrev" delay="0">
+                  <p:tgtEl>
+                    <p:sldTgt/>
+                  </p:tgtEl>
+                </p:cond>
+              </p:prevCondLst>
+              <p:nextCondLst>
+                <p:cond evt="onNext" delay="0">
+                  <p:tgtEl>
+                    <p:sldTgt/>
+                  </p:tgtEl>
+                </p:cond>
+              </p:nextCondLst>
+            </p:seq>
+          </p:childTnLst>
+        </p:cTn>
+      </p:par>
+    </p:tnLst>
+    <p:bldLst>
+      <p:bldP spid="2" grpId="0"/>
+      <p:bldP spid="3" grpId="0" build="p"/>
+    </p:bldLst>
+  </p:timing>
+</p:sld>
+</file>
+
+<file path=ppt/slides/slide31.xml><?xml version="1.0" encoding="utf-8"?>
 <p:sld xmlns:a="http://schemas.openxmlformats.org/drawingml/2006/main" xmlns:r="http://schemas.openxmlformats.org/officeDocument/2006/relationships" xmlns:p="http://schemas.openxmlformats.org/presentationml/2006/main">
   <p:cSld>
     <p:spTree>
@@ -12734,7 +13444,7 @@
 </p:sld>
 </file>
 
-<file path=ppt/slides/slide31.xml><?xml version="1.0" encoding="utf-8"?>
+<file path=ppt/slides/slide32.xml><?xml version="1.0" encoding="utf-8"?>
 <p:sld xmlns:a="http://schemas.openxmlformats.org/drawingml/2006/main" xmlns:r="http://schemas.openxmlformats.org/officeDocument/2006/relationships" xmlns:p="http://schemas.openxmlformats.org/presentationml/2006/main">
   <p:cSld>
     <p:spTree>
@@ -13011,7 +13721,7 @@
 </p:sld>
 </file>
 
-<file path=ppt/slides/slide32.xml><?xml version="1.0" encoding="utf-8"?>
+<file path=ppt/slides/slide33.xml><?xml version="1.0" encoding="utf-8"?>
 <p:sld xmlns:a="http://schemas.openxmlformats.org/drawingml/2006/main" xmlns:r="http://schemas.openxmlformats.org/officeDocument/2006/relationships" xmlns:p="http://schemas.openxmlformats.org/presentationml/2006/main">
   <p:cSld>
     <p:spTree>
@@ -13496,7 +14206,7 @@
 </p:sld>
 </file>
 
-<file path=ppt/slides/slide33.xml><?xml version="1.0" encoding="utf-8"?>
+<file path=ppt/slides/slide34.xml><?xml version="1.0" encoding="utf-8"?>
 <p:sld xmlns:a="http://schemas.openxmlformats.org/drawingml/2006/main" xmlns:r="http://schemas.openxmlformats.org/officeDocument/2006/relationships" xmlns:p="http://schemas.openxmlformats.org/presentationml/2006/main">
   <p:cSld>
     <p:spTree>
@@ -13757,7 +14467,7 @@
 </p:sld>
 </file>
 
-<file path=ppt/slides/slide34.xml><?xml version="1.0" encoding="utf-8"?>
+<file path=ppt/slides/slide35.xml><?xml version="1.0" encoding="utf-8"?>
 <p:sld xmlns:a="http://schemas.openxmlformats.org/drawingml/2006/main" xmlns:r="http://schemas.openxmlformats.org/officeDocument/2006/relationships" xmlns:p="http://schemas.openxmlformats.org/presentationml/2006/main">
   <p:cSld>
     <p:spTree>
@@ -13997,7 +14707,7 @@
 </p:sld>
 </file>
 
-<file path=ppt/slides/slide35.xml><?xml version="1.0" encoding="utf-8"?>
+<file path=ppt/slides/slide36.xml><?xml version="1.0" encoding="utf-8"?>
 <p:sld xmlns:a="http://schemas.openxmlformats.org/drawingml/2006/main" xmlns:r="http://schemas.openxmlformats.org/officeDocument/2006/relationships" xmlns:p="http://schemas.openxmlformats.org/presentationml/2006/main">
   <p:cSld>
     <p:spTree>
@@ -14190,7 +14900,7 @@
 </p:sld>
 </file>
 
-<file path=ppt/slides/slide36.xml><?xml version="1.0" encoding="utf-8"?>
+<file path=ppt/slides/slide37.xml><?xml version="1.0" encoding="utf-8"?>
 <p:sld xmlns:a="http://schemas.openxmlformats.org/drawingml/2006/main" xmlns:r="http://schemas.openxmlformats.org/officeDocument/2006/relationships" xmlns:p="http://schemas.openxmlformats.org/presentationml/2006/main">
   <p:cSld>
     <p:spTree>
@@ -17694,7 +18404,7 @@
   <a:extraClrSchemeLst/>
   <a:extLst>
     <a:ext uri="{05A4C25C-085E-4340-85A3-A5531E510DB2}">
-      <thm15:themeFamily xmlns="" xmlns:thm15="http://schemas.microsoft.com/office/thememl/2012/main" name="TF02895261.potx" id="{4CBF9558-C12D-4F51-9AA3-9D0796951DBC}" vid="{FFC159E6-A134-46E7-B1A0-C306E39FC295}"/>
+      <thm15:themeFamily xmlns:thm15="http://schemas.microsoft.com/office/thememl/2012/main" xmlns="" name="TF02895261.potx" id="{4CBF9558-C12D-4F51-9AA3-9D0796951DBC}" vid="{FFC159E6-A134-46E7-B1A0-C306E39FC295}"/>
     </a:ext>
   </a:extLst>
 </a:theme>
